--- a/MISIS_BorisenkoPD_4_3_1.pptx
+++ b/MISIS_BorisenkoPD_4_3_1.pptx
@@ -1,26 +1,32 @@
 
 <file path=ppt/presentation.xml><?xml version="1.0" encoding="utf-8"?>
-<p:presentation xmlns:a="http://schemas.openxmlformats.org/drawingml/2006/main" xmlns:r="http://schemas.openxmlformats.org/officeDocument/2006/relationships" xmlns:p="http://schemas.openxmlformats.org/presentationml/2006/main" xmlns:m="http://schemas.openxmlformats.org/officeDocument/2006/math" xmlns:w="http://schemas.openxmlformats.org/wordprocessingml/2006/main" embedTrueTypeFonts="1">
+<p:presentation xmlns:a="http://schemas.openxmlformats.org/drawingml/2006/main" xmlns:r="http://schemas.openxmlformats.org/officeDocument/2006/relationships" xmlns:p="http://schemas.openxmlformats.org/presentationml/2006/main" embedTrueTypeFonts="1">
   <p:sldMasterIdLst>
     <p:sldMasterId id="2147483648" r:id="rId1"/>
   </p:sldMasterIdLst>
   <p:notesMasterIdLst>
-    <p:notesMasterId r:id="rId14"/>
+    <p:notesMasterId r:id="rId11"/>
   </p:notesMasterIdLst>
   <p:sldIdLst>
-    <p:sldId id="256" r:id="rId4"/>
-    <p:sldId id="257" r:id="rId5"/>
-    <p:sldId id="258" r:id="rId6"/>
-    <p:sldId id="259" r:id="rId7"/>
-    <p:sldId id="260" r:id="rId8"/>
-    <p:sldId id="261" r:id="rId9"/>
-    <p:sldId id="262" r:id="rId10"/>
-    <p:sldId id="263" r:id="rId11"/>
-    <p:sldId id="264" r:id="rId12"/>
-    <p:sldId id="265" r:id="rId13"/>
+    <p:sldId id="256" r:id="rId2"/>
+    <p:sldId id="257" r:id="rId3"/>
+    <p:sldId id="258" r:id="rId4"/>
+    <p:sldId id="259" r:id="rId5"/>
+    <p:sldId id="261" r:id="rId6"/>
+    <p:sldId id="262" r:id="rId7"/>
+    <p:sldId id="263" r:id="rId8"/>
+    <p:sldId id="264" r:id="rId9"/>
+    <p:sldId id="265" r:id="rId10"/>
   </p:sldIdLst>
   <p:sldSz cx="24382413" cy="13716000"/>
   <p:notesSz cx="6858000" cy="9144000"/>
+  <p:embeddedFontLst>
+    <p:embeddedFont>
+      <p:font typeface="Tahoma" panose="020B0604030504040204" pitchFamily="34" charset="0"/>
+      <p:regular r:id="rId12"/>
+      <p:bold r:id="rId13"/>
+    </p:embeddedFont>
+  </p:embeddedFontLst>
   <p:defaultTextStyle>
     <a:defPPr>
       <a:defRPr lang="ru-RU"/>
@@ -116,12 +122,28 @@
       </a:defRPr>
     </a:lvl9pPr>
   </p:defaultTextStyle>
+  <p:extLst>
+    <p:ext uri="{EFAFB233-063F-42B5-8137-9DF3F51BA10A}">
+      <p15:sldGuideLst xmlns:p15="http://schemas.microsoft.com/office/powerpoint/2012/main">
+        <p15:guide id="1" orient="horz" pos="7926">
+          <p15:clr>
+            <a:srgbClr val="A4A3A4"/>
+          </p15:clr>
+        </p15:guide>
+        <p15:guide id="2" pos="15073">
+          <p15:clr>
+            <a:srgbClr val="A4A3A4"/>
+          </p15:clr>
+        </p15:guide>
+      </p15:sldGuideLst>
+    </p:ext>
+  </p:extLst>
 </p:presentation>
 </file>
 
 <file path=ppt/notesMasters/notesMaster1.xml><?xml version="1.0" encoding="utf-8"?>
 <p:notesMaster xmlns:a="http://schemas.openxmlformats.org/drawingml/2006/main" xmlns:r="http://schemas.openxmlformats.org/officeDocument/2006/relationships" xmlns:p="http://schemas.openxmlformats.org/presentationml/2006/main">
-  <p:cSld name="">
+  <p:cSld>
     <p:bg>
       <p:bgRef idx="1001">
         <a:schemeClr val="bg1"/>
@@ -207,7 +229,7 @@
             </a:pPr>
             <a:fld id="{92AE627D-15EB-40F5-AEC0-AD078B3D9203}" type="datetimeFigureOut">
               <a:rPr lang="ru-RU"/>
-              <a:t>07.12.2024</a:t>
+              <a:t>09.12.2024</a:t>
             </a:fld>
             <a:endParaRPr lang="ru-RU"/>
           </a:p>
@@ -217,7 +239,7 @@
         <p:nvSpPr>
           <p:cNvPr id="4" name="Образ слайда 3"/>
           <p:cNvSpPr>
-            <a:spLocks noChangeAspect="1" noGrp="1" noRot="1"/>
+            <a:spLocks noGrp="1" noRot="1" noChangeAspect="1"/>
           </p:cNvSpPr>
           <p:nvPr>
             <p:ph type="sldImg" idx="2"/>
@@ -494,8 +516,8 @@
 </file>
 
 <file path=ppt/notesSlides/notesSlide1.xml><?xml version="1.0" encoding="utf-8"?>
-<p:notes xmlns:a="http://schemas.openxmlformats.org/drawingml/2006/main" xmlns:r="http://schemas.openxmlformats.org/officeDocument/2006/relationships" xmlns:p="http://schemas.openxmlformats.org/presentationml/2006/main" xmlns:m="http://schemas.openxmlformats.org/officeDocument/2006/math" xmlns:w="http://schemas.openxmlformats.org/wordprocessingml/2006/main">
-  <p:cSld name="">
+<p:notes xmlns:a="http://schemas.openxmlformats.org/drawingml/2006/main" xmlns:r="http://schemas.openxmlformats.org/officeDocument/2006/relationships" xmlns:p="http://schemas.openxmlformats.org/presentationml/2006/main">
+  <p:cSld>
     <p:spTree>
       <p:nvGrpSpPr>
         <p:cNvPr id="1" name=""/>
@@ -514,7 +536,7 @@
         <p:nvSpPr>
           <p:cNvPr id="2" name="Slide Image Placeholder 1"/>
           <p:cNvSpPr>
-            <a:spLocks noChangeAspect="1" noGrp="1" noRot="1"/>
+            <a:spLocks noGrp="1" noRot="1" noChangeAspect="1"/>
           </p:cNvSpPr>
           <p:nvPr>
             <p:ph type="sldImg"/>
@@ -564,7 +586,7 @@
             </a:pPr>
             <a:fld id="{45F137EE-3395-24D7-2465-EC7779E75C33}" type="slidenum">
               <a:rPr/>
-              <a:t/>
+              <a:t>1</a:t>
             </a:fld>
             <a:endParaRPr/>
           </a:p>
@@ -572,12 +594,15 @@
       </p:sp>
     </p:spTree>
   </p:cSld>
+  <p:clrMapOvr>
+    <a:masterClrMapping/>
+  </p:clrMapOvr>
 </p:notes>
 </file>
 
-<file path=ppt/notesSlides/notesSlide10.xml><?xml version="1.0" encoding="utf-8"?>
-<p:notes xmlns:a="http://schemas.openxmlformats.org/drawingml/2006/main" xmlns:r="http://schemas.openxmlformats.org/officeDocument/2006/relationships" xmlns:p="http://schemas.openxmlformats.org/presentationml/2006/main" xmlns:m="http://schemas.openxmlformats.org/officeDocument/2006/math" xmlns:w="http://schemas.openxmlformats.org/wordprocessingml/2006/main">
-  <p:cSld name="">
+<file path=ppt/notesSlides/notesSlide2.xml><?xml version="1.0" encoding="utf-8"?>
+<p:notes xmlns:a="http://schemas.openxmlformats.org/drawingml/2006/main" xmlns:r="http://schemas.openxmlformats.org/officeDocument/2006/relationships" xmlns:p="http://schemas.openxmlformats.org/presentationml/2006/main">
+  <p:cSld>
     <p:spTree>
       <p:nvGrpSpPr>
         <p:cNvPr id="1" name=""/>
@@ -596,7 +621,7 @@
         <p:nvSpPr>
           <p:cNvPr id="2" name="Slide Image Placeholder 1"/>
           <p:cNvSpPr>
-            <a:spLocks noChangeAspect="1" noGrp="1" noRot="1"/>
+            <a:spLocks noGrp="1" noRot="1" noChangeAspect="1"/>
           </p:cNvSpPr>
           <p:nvPr>
             <p:ph type="sldImg"/>
@@ -633,7 +658,7 @@
             <a:spLocks noGrp="1"/>
           </p:cNvSpPr>
           <p:nvPr>
-            <p:ph type="sldNum" sz="quarter" idx="5"/>
+            <p:ph type="sldNum" sz="quarter" idx="10"/>
           </p:nvPr>
         </p:nvSpPr>
         <p:spPr bwMode="auto"/>
@@ -644,22 +669,25 @@
             <a:pPr>
               <a:defRPr/>
             </a:pPr>
-            <a:fld id="{C63FAC02-5901-4D7E-90A5-4DB54C8C6E87}" type="slidenum">
-              <a:rPr lang="ru-RU"/>
-              <a:t>8</a:t>
+            <a:fld id="{BD409EAC-2686-1FCA-7CAC-B1C59FEEDEBC}" type="slidenum">
+              <a:rPr/>
+              <a:t>2</a:t>
             </a:fld>
-            <a:endParaRPr lang="ru-RU"/>
+            <a:endParaRPr/>
           </a:p>
         </p:txBody>
       </p:sp>
     </p:spTree>
   </p:cSld>
+  <p:clrMapOvr>
+    <a:masterClrMapping/>
+  </p:clrMapOvr>
 </p:notes>
 </file>
 
-<file path=ppt/notesSlides/notesSlide2.xml><?xml version="1.0" encoding="utf-8"?>
-<p:notes xmlns:a="http://schemas.openxmlformats.org/drawingml/2006/main" xmlns:r="http://schemas.openxmlformats.org/officeDocument/2006/relationships" xmlns:p="http://schemas.openxmlformats.org/presentationml/2006/main" xmlns:m="http://schemas.openxmlformats.org/officeDocument/2006/math" xmlns:w="http://schemas.openxmlformats.org/wordprocessingml/2006/main">
-  <p:cSld name="">
+<file path=ppt/notesSlides/notesSlide3.xml><?xml version="1.0" encoding="utf-8"?>
+<p:notes xmlns:a="http://schemas.openxmlformats.org/drawingml/2006/main" xmlns:r="http://schemas.openxmlformats.org/officeDocument/2006/relationships" xmlns:p="http://schemas.openxmlformats.org/presentationml/2006/main">
+  <p:cSld>
     <p:spTree>
       <p:nvGrpSpPr>
         <p:cNvPr id="1" name=""/>
@@ -678,7 +706,7 @@
         <p:nvSpPr>
           <p:cNvPr id="2" name="Slide Image Placeholder 1"/>
           <p:cNvSpPr>
-            <a:spLocks noChangeAspect="1" noGrp="1" noRot="1"/>
+            <a:spLocks noGrp="1" noRot="1" noChangeAspect="1"/>
           </p:cNvSpPr>
           <p:nvPr>
             <p:ph type="sldImg"/>
@@ -726,9 +754,9 @@
             <a:pPr>
               <a:defRPr/>
             </a:pPr>
-            <a:fld id="{BD409EAC-2686-1FCA-7CAC-B1C59FEEDEBC}" type="slidenum">
+            <a:fld id="{21175740-9106-1A31-F473-A8D58B55EAA1}" type="slidenum">
               <a:rPr/>
-              <a:t/>
+              <a:t>3</a:t>
             </a:fld>
             <a:endParaRPr/>
           </a:p>
@@ -736,12 +764,15 @@
       </p:sp>
     </p:spTree>
   </p:cSld>
+  <p:clrMapOvr>
+    <a:masterClrMapping/>
+  </p:clrMapOvr>
 </p:notes>
 </file>
 
-<file path=ppt/notesSlides/notesSlide3.xml><?xml version="1.0" encoding="utf-8"?>
-<p:notes xmlns:a="http://schemas.openxmlformats.org/drawingml/2006/main" xmlns:r="http://schemas.openxmlformats.org/officeDocument/2006/relationships" xmlns:p="http://schemas.openxmlformats.org/presentationml/2006/main" xmlns:m="http://schemas.openxmlformats.org/officeDocument/2006/math" xmlns:w="http://schemas.openxmlformats.org/wordprocessingml/2006/main">
-  <p:cSld name="">
+<file path=ppt/notesSlides/notesSlide4.xml><?xml version="1.0" encoding="utf-8"?>
+<p:notes xmlns:a="http://schemas.openxmlformats.org/drawingml/2006/main" xmlns:r="http://schemas.openxmlformats.org/officeDocument/2006/relationships" xmlns:p="http://schemas.openxmlformats.org/presentationml/2006/main">
+  <p:cSld>
     <p:spTree>
       <p:nvGrpSpPr>
         <p:cNvPr id="1" name=""/>
@@ -760,7 +791,7 @@
         <p:nvSpPr>
           <p:cNvPr id="2" name="Slide Image Placeholder 1"/>
           <p:cNvSpPr>
-            <a:spLocks noChangeAspect="1" noGrp="1" noRot="1"/>
+            <a:spLocks noGrp="1" noRot="1" noChangeAspect="1"/>
           </p:cNvSpPr>
           <p:nvPr>
             <p:ph type="sldImg"/>
@@ -808,9 +839,9 @@
             <a:pPr>
               <a:defRPr/>
             </a:pPr>
-            <a:fld id="{21175740-9106-1A31-F473-A8D58B55EAA1}" type="slidenum">
+            <a:fld id="{5102761A-6DA5-1F34-74DA-B4B862B09994}" type="slidenum">
               <a:rPr/>
-              <a:t/>
+              <a:t>4</a:t>
             </a:fld>
             <a:endParaRPr/>
           </a:p>
@@ -818,12 +849,15 @@
       </p:sp>
     </p:spTree>
   </p:cSld>
+  <p:clrMapOvr>
+    <a:masterClrMapping/>
+  </p:clrMapOvr>
 </p:notes>
 </file>
 
-<file path=ppt/notesSlides/notesSlide4.xml><?xml version="1.0" encoding="utf-8"?>
-<p:notes xmlns:a="http://schemas.openxmlformats.org/drawingml/2006/main" xmlns:r="http://schemas.openxmlformats.org/officeDocument/2006/relationships" xmlns:p="http://schemas.openxmlformats.org/presentationml/2006/main" xmlns:m="http://schemas.openxmlformats.org/officeDocument/2006/math" xmlns:w="http://schemas.openxmlformats.org/wordprocessingml/2006/main">
-  <p:cSld name="">
+<file path=ppt/notesSlides/notesSlide5.xml><?xml version="1.0" encoding="utf-8"?>
+<p:notes xmlns:a="http://schemas.openxmlformats.org/drawingml/2006/main" xmlns:r="http://schemas.openxmlformats.org/officeDocument/2006/relationships" xmlns:p="http://schemas.openxmlformats.org/presentationml/2006/main">
+  <p:cSld>
     <p:spTree>
       <p:nvGrpSpPr>
         <p:cNvPr id="1" name=""/>
@@ -840,9 +874,9 @@
       </p:grpSpPr>
       <p:sp>
         <p:nvSpPr>
-          <p:cNvPr id="2" name="Slide Image Placeholder 1"/>
-          <p:cNvSpPr>
-            <a:spLocks noChangeAspect="1" noGrp="1" noRot="1"/>
+          <p:cNvPr id="907347228" name="Slide Image Placeholder 1"/>
+          <p:cNvSpPr>
+            <a:spLocks noGrp="1" noRot="1" noChangeAspect="1"/>
           </p:cNvSpPr>
           <p:nvPr>
             <p:ph type="sldImg"/>
@@ -852,7 +886,7 @@
       </p:sp>
       <p:sp>
         <p:nvSpPr>
-          <p:cNvPr id="3" name="Notes Placeholder 2"/>
+          <p:cNvPr id="282820010" name="Notes Placeholder 2"/>
           <p:cNvSpPr>
             <a:spLocks noGrp="1"/>
           </p:cNvSpPr>
@@ -874,7 +908,7 @@
       </p:sp>
       <p:sp>
         <p:nvSpPr>
-          <p:cNvPr id="4" name="Slide Number Placeholder 3"/>
+          <p:cNvPr id="34427498" name="Slide Number Placeholder 3"/>
           <p:cNvSpPr>
             <a:spLocks noGrp="1"/>
           </p:cNvSpPr>
@@ -890,9 +924,9 @@
             <a:pPr>
               <a:defRPr/>
             </a:pPr>
-            <a:fld id="{5102761A-6DA5-1F34-74DA-B4B862B09994}" type="slidenum">
+            <a:fld id="{5EC56CDC-F279-F21F-230C-65E2285CD6CF}" type="slidenum">
               <a:rPr/>
-              <a:t/>
+              <a:t>5</a:t>
             </a:fld>
             <a:endParaRPr/>
           </a:p>
@@ -900,12 +934,15 @@
       </p:sp>
     </p:spTree>
   </p:cSld>
+  <p:clrMapOvr>
+    <a:masterClrMapping/>
+  </p:clrMapOvr>
 </p:notes>
 </file>
 
-<file path=ppt/notesSlides/notesSlide5.xml><?xml version="1.0" encoding="utf-8"?>
-<p:notes xmlns:a="http://schemas.openxmlformats.org/drawingml/2006/main" xmlns:r="http://schemas.openxmlformats.org/officeDocument/2006/relationships" xmlns:p="http://schemas.openxmlformats.org/presentationml/2006/main" xmlns:m="http://schemas.openxmlformats.org/officeDocument/2006/math" xmlns:w="http://schemas.openxmlformats.org/wordprocessingml/2006/main">
-  <p:cSld name="">
+<file path=ppt/notesSlides/notesSlide6.xml><?xml version="1.0" encoding="utf-8"?>
+<p:notes xmlns:a="http://schemas.openxmlformats.org/drawingml/2006/main" xmlns:r="http://schemas.openxmlformats.org/officeDocument/2006/relationships" xmlns:p="http://schemas.openxmlformats.org/presentationml/2006/main">
+  <p:cSld>
     <p:spTree>
       <p:nvGrpSpPr>
         <p:cNvPr id="1" name=""/>
@@ -922,9 +959,9 @@
       </p:grpSpPr>
       <p:sp>
         <p:nvSpPr>
-          <p:cNvPr id="2" name="Slide Image Placeholder 1"/>
-          <p:cNvSpPr>
-            <a:spLocks noChangeAspect="1" noGrp="1" noRot="1"/>
+          <p:cNvPr id="392226731" name="Slide Image Placeholder 1"/>
+          <p:cNvSpPr>
+            <a:spLocks noGrp="1" noRot="1" noChangeAspect="1"/>
           </p:cNvSpPr>
           <p:nvPr>
             <p:ph type="sldImg"/>
@@ -934,7 +971,7 @@
       </p:sp>
       <p:sp>
         <p:nvSpPr>
-          <p:cNvPr id="3" name="Notes Placeholder 2"/>
+          <p:cNvPr id="240678225" name="Notes Placeholder 2"/>
           <p:cNvSpPr>
             <a:spLocks noGrp="1"/>
           </p:cNvSpPr>
@@ -956,7 +993,7 @@
       </p:sp>
       <p:sp>
         <p:nvSpPr>
-          <p:cNvPr id="4" name="Slide Number Placeholder 3"/>
+          <p:cNvPr id="1789857407" name="Slide Number Placeholder 3"/>
           <p:cNvSpPr>
             <a:spLocks noGrp="1"/>
           </p:cNvSpPr>
@@ -972,9 +1009,9 @@
             <a:pPr>
               <a:defRPr/>
             </a:pPr>
-            <a:fld id="{541410EB-D232-05D6-A19F-7FE2564269F5}" type="slidenum">
+            <a:fld id="{BF7C4A4D-5B54-3FCC-BBF6-0CAE680008EC}" type="slidenum">
               <a:rPr/>
-              <a:t/>
+              <a:t>6</a:t>
             </a:fld>
             <a:endParaRPr/>
           </a:p>
@@ -982,12 +1019,15 @@
       </p:sp>
     </p:spTree>
   </p:cSld>
+  <p:clrMapOvr>
+    <a:masterClrMapping/>
+  </p:clrMapOvr>
 </p:notes>
 </file>
 
-<file path=ppt/notesSlides/notesSlide6.xml><?xml version="1.0" encoding="utf-8"?>
-<p:notes xmlns:a="http://schemas.openxmlformats.org/drawingml/2006/main" xmlns:r="http://schemas.openxmlformats.org/officeDocument/2006/relationships" xmlns:p="http://schemas.openxmlformats.org/presentationml/2006/main" xmlns:m="http://schemas.openxmlformats.org/officeDocument/2006/math" xmlns:w="http://schemas.openxmlformats.org/wordprocessingml/2006/main">
-  <p:cSld name="">
+<file path=ppt/notesSlides/notesSlide7.xml><?xml version="1.0" encoding="utf-8"?>
+<p:notes xmlns:a="http://schemas.openxmlformats.org/drawingml/2006/main" xmlns:r="http://schemas.openxmlformats.org/officeDocument/2006/relationships" xmlns:p="http://schemas.openxmlformats.org/presentationml/2006/main">
+  <p:cSld>
     <p:spTree>
       <p:nvGrpSpPr>
         <p:cNvPr id="1" name=""/>
@@ -1004,9 +1044,9 @@
       </p:grpSpPr>
       <p:sp>
         <p:nvSpPr>
-          <p:cNvPr id="907347228" name="Slide Image Placeholder 1"/>
-          <p:cNvSpPr>
-            <a:spLocks noChangeAspect="1" noGrp="1" noRot="1"/>
+          <p:cNvPr id="2" name="Slide Image Placeholder 1"/>
+          <p:cNvSpPr>
+            <a:spLocks noGrp="1" noRot="1" noChangeAspect="1"/>
           </p:cNvSpPr>
           <p:nvPr>
             <p:ph type="sldImg"/>
@@ -1016,7 +1056,7 @@
       </p:sp>
       <p:sp>
         <p:nvSpPr>
-          <p:cNvPr id="282820010" name="Notes Placeholder 2"/>
+          <p:cNvPr id="3" name="Notes Placeholder 2"/>
           <p:cNvSpPr>
             <a:spLocks noGrp="1"/>
           </p:cNvSpPr>
@@ -1038,7 +1078,7 @@
       </p:sp>
       <p:sp>
         <p:nvSpPr>
-          <p:cNvPr id="34427498" name="Slide Number Placeholder 3"/>
+          <p:cNvPr id="4" name="Slide Number Placeholder 3"/>
           <p:cNvSpPr>
             <a:spLocks noGrp="1"/>
           </p:cNvSpPr>
@@ -1054,9 +1094,9 @@
             <a:pPr>
               <a:defRPr/>
             </a:pPr>
-            <a:fld id="{5EC56CDC-F279-F21F-230C-65E2285CD6CF}" type="slidenum">
+            <a:fld id="{638FA32C-6107-8041-D953-FFBA7ECBE929}" type="slidenum">
               <a:rPr/>
-              <a:t/>
+              <a:t>7</a:t>
             </a:fld>
             <a:endParaRPr/>
           </a:p>
@@ -1064,12 +1104,15 @@
       </p:sp>
     </p:spTree>
   </p:cSld>
+  <p:clrMapOvr>
+    <a:masterClrMapping/>
+  </p:clrMapOvr>
 </p:notes>
 </file>
 
-<file path=ppt/notesSlides/notesSlide7.xml><?xml version="1.0" encoding="utf-8"?>
-<p:notes xmlns:a="http://schemas.openxmlformats.org/drawingml/2006/main" xmlns:r="http://schemas.openxmlformats.org/officeDocument/2006/relationships" xmlns:p="http://schemas.openxmlformats.org/presentationml/2006/main" xmlns:m="http://schemas.openxmlformats.org/officeDocument/2006/math" xmlns:w="http://schemas.openxmlformats.org/wordprocessingml/2006/main">
-  <p:cSld name="">
+<file path=ppt/notesSlides/notesSlide8.xml><?xml version="1.0" encoding="utf-8"?>
+<p:notes xmlns:a="http://schemas.openxmlformats.org/drawingml/2006/main" xmlns:r="http://schemas.openxmlformats.org/officeDocument/2006/relationships" xmlns:p="http://schemas.openxmlformats.org/presentationml/2006/main">
+  <p:cSld>
     <p:spTree>
       <p:nvGrpSpPr>
         <p:cNvPr id="1" name=""/>
@@ -1086,9 +1129,9 @@
       </p:grpSpPr>
       <p:sp>
         <p:nvSpPr>
-          <p:cNvPr id="392226731" name="Slide Image Placeholder 1"/>
-          <p:cNvSpPr>
-            <a:spLocks noChangeAspect="1" noGrp="1" noRot="1"/>
+          <p:cNvPr id="179600236" name="Slide Image Placeholder 1"/>
+          <p:cNvSpPr>
+            <a:spLocks noGrp="1" noRot="1" noChangeAspect="1"/>
           </p:cNvSpPr>
           <p:nvPr>
             <p:ph type="sldImg"/>
@@ -1098,7 +1141,7 @@
       </p:sp>
       <p:sp>
         <p:nvSpPr>
-          <p:cNvPr id="240678225" name="Notes Placeholder 2"/>
+          <p:cNvPr id="809938672" name="Notes Placeholder 2"/>
           <p:cNvSpPr>
             <a:spLocks noGrp="1"/>
           </p:cNvSpPr>
@@ -1120,7 +1163,7 @@
       </p:sp>
       <p:sp>
         <p:nvSpPr>
-          <p:cNvPr id="1789857407" name="Slide Number Placeholder 3"/>
+          <p:cNvPr id="562044934" name="Slide Number Placeholder 3"/>
           <p:cNvSpPr>
             <a:spLocks noGrp="1"/>
           </p:cNvSpPr>
@@ -1136,9 +1179,9 @@
             <a:pPr>
               <a:defRPr/>
             </a:pPr>
-            <a:fld id="{BF7C4A4D-5B54-3FCC-BBF6-0CAE680008EC}" type="slidenum">
+            <a:fld id="{DBC3654B-55FF-886F-D5D5-FA75D1944E24}" type="slidenum">
               <a:rPr/>
-              <a:t/>
+              <a:t>8</a:t>
             </a:fld>
             <a:endParaRPr/>
           </a:p>
@@ -1146,12 +1189,15 @@
       </p:sp>
     </p:spTree>
   </p:cSld>
+  <p:clrMapOvr>
+    <a:masterClrMapping/>
+  </p:clrMapOvr>
 </p:notes>
 </file>
 
-<file path=ppt/notesSlides/notesSlide8.xml><?xml version="1.0" encoding="utf-8"?>
-<p:notes xmlns:a="http://schemas.openxmlformats.org/drawingml/2006/main" xmlns:r="http://schemas.openxmlformats.org/officeDocument/2006/relationships" xmlns:p="http://schemas.openxmlformats.org/presentationml/2006/main" xmlns:m="http://schemas.openxmlformats.org/officeDocument/2006/math" xmlns:w="http://schemas.openxmlformats.org/wordprocessingml/2006/main">
-  <p:cSld name="">
+<file path=ppt/notesSlides/notesSlide9.xml><?xml version="1.0" encoding="utf-8"?>
+<p:notes xmlns:a="http://schemas.openxmlformats.org/drawingml/2006/main" xmlns:r="http://schemas.openxmlformats.org/officeDocument/2006/relationships" xmlns:p="http://schemas.openxmlformats.org/presentationml/2006/main">
+  <p:cSld>
     <p:spTree>
       <p:nvGrpSpPr>
         <p:cNvPr id="1" name=""/>
@@ -1170,7 +1216,7 @@
         <p:nvSpPr>
           <p:cNvPr id="2" name="Slide Image Placeholder 1"/>
           <p:cNvSpPr>
-            <a:spLocks noChangeAspect="1" noGrp="1" noRot="1"/>
+            <a:spLocks noGrp="1" noRot="1" noChangeAspect="1"/>
           </p:cNvSpPr>
           <p:nvPr>
             <p:ph type="sldImg"/>
@@ -1207,7 +1253,7 @@
             <a:spLocks noGrp="1"/>
           </p:cNvSpPr>
           <p:nvPr>
-            <p:ph type="sldNum" sz="quarter" idx="10"/>
+            <p:ph type="sldNum" sz="quarter" idx="5"/>
           </p:nvPr>
         </p:nvSpPr>
         <p:spPr bwMode="auto"/>
@@ -1218,112 +1264,34 @@
             <a:pPr>
               <a:defRPr/>
             </a:pPr>
-            <a:fld id="{638FA32C-6107-8041-D953-FFBA7ECBE929}" type="slidenum">
-              <a:rPr/>
-              <a:t/>
+            <a:fld id="{C63FAC02-5901-4D7E-90A5-4DB54C8C6E87}" type="slidenum">
+              <a:rPr lang="ru-RU"/>
+              <a:t>9</a:t>
             </a:fld>
-            <a:endParaRPr/>
+            <a:endParaRPr lang="ru-RU"/>
           </a:p>
         </p:txBody>
       </p:sp>
     </p:spTree>
   </p:cSld>
-</p:notes>
-</file>
-
-<file path=ppt/notesSlides/notesSlide9.xml><?xml version="1.0" encoding="utf-8"?>
-<p:notes xmlns:a="http://schemas.openxmlformats.org/drawingml/2006/main" xmlns:r="http://schemas.openxmlformats.org/officeDocument/2006/relationships" xmlns:p="http://schemas.openxmlformats.org/presentationml/2006/main" xmlns:m="http://schemas.openxmlformats.org/officeDocument/2006/math" xmlns:w="http://schemas.openxmlformats.org/wordprocessingml/2006/main">
-  <p:cSld name="">
-    <p:spTree>
-      <p:nvGrpSpPr>
-        <p:cNvPr id="1" name=""/>
-        <p:cNvGrpSpPr/>
-        <p:nvPr/>
-      </p:nvGrpSpPr>
-      <p:grpSpPr bwMode="auto">
-        <a:xfrm>
-          <a:off x="0" y="0"/>
-          <a:ext cx="0" cy="0"/>
-          <a:chOff x="0" y="0"/>
-          <a:chExt cx="0" cy="0"/>
-        </a:xfrm>
-      </p:grpSpPr>
-      <p:sp>
-        <p:nvSpPr>
-          <p:cNvPr id="179600236" name="Slide Image Placeholder 1"/>
-          <p:cNvSpPr>
-            <a:spLocks noChangeAspect="1" noGrp="1" noRot="1"/>
-          </p:cNvSpPr>
-          <p:nvPr>
-            <p:ph type="sldImg"/>
-          </p:nvPr>
-        </p:nvSpPr>
-        <p:spPr bwMode="auto"/>
-      </p:sp>
-      <p:sp>
-        <p:nvSpPr>
-          <p:cNvPr id="809938672" name="Notes Placeholder 2"/>
-          <p:cNvSpPr>
-            <a:spLocks noGrp="1"/>
-          </p:cNvSpPr>
-          <p:nvPr>
-            <p:ph type="body" idx="1"/>
-          </p:nvPr>
-        </p:nvSpPr>
-        <p:spPr bwMode="auto"/>
-        <p:txBody>
-          <a:bodyPr/>
-          <a:lstStyle/>
-          <a:p>
-            <a:pPr>
-              <a:defRPr/>
-            </a:pPr>
-            <a:endParaRPr/>
-          </a:p>
-        </p:txBody>
-      </p:sp>
-      <p:sp>
-        <p:nvSpPr>
-          <p:cNvPr id="562044934" name="Slide Number Placeholder 3"/>
-          <p:cNvSpPr>
-            <a:spLocks noGrp="1"/>
-          </p:cNvSpPr>
-          <p:nvPr>
-            <p:ph type="sldNum" sz="quarter" idx="10"/>
-          </p:nvPr>
-        </p:nvSpPr>
-        <p:spPr bwMode="auto"/>
-        <p:txBody>
-          <a:bodyPr/>
-          <a:lstStyle/>
-          <a:p>
-            <a:pPr>
-              <a:defRPr/>
-            </a:pPr>
-            <a:fld id="{DBC3654B-55FF-886F-D5D5-FA75D1944E24}" type="slidenum">
-              <a:rPr/>
-              <a:t/>
-            </a:fld>
-            <a:endParaRPr/>
-          </a:p>
-        </p:txBody>
-      </p:sp>
-    </p:spTree>
-  </p:cSld>
+  <p:clrMapOvr>
+    <a:masterClrMapping/>
+  </p:clrMapOvr>
 </p:notes>
 </file>
 
 <file path=ppt/slideLayouts/slideLayout1.xml><?xml version="1.0" encoding="utf-8"?>
-<p:sldLayout xmlns:a="http://schemas.openxmlformats.org/drawingml/2006/main" xmlns:r="http://schemas.openxmlformats.org/officeDocument/2006/relationships" xmlns:p="http://schemas.openxmlformats.org/presentationml/2006/main" xmlns:m="http://schemas.openxmlformats.org/officeDocument/2006/math" xmlns:w="http://schemas.openxmlformats.org/wordprocessingml/2006/main" matchingName="" preserve="1" showMasterPhAnim="0" showMasterSp="1" type="title" userDrawn="1">
+<p:sldLayout xmlns:a="http://schemas.openxmlformats.org/drawingml/2006/main" xmlns:r="http://schemas.openxmlformats.org/officeDocument/2006/relationships" xmlns:p="http://schemas.openxmlformats.org/presentationml/2006/main" showMasterPhAnim="0" type="title" preserve="1" userDrawn="1">
   <p:cSld name="Титульный слайд">
     <p:bg>
-      <p:bgPr shadeToTitle="0">
+      <p:bgPr>
         <a:blipFill>
           <a:blip r:embed="rId2">
             <a:lum/>
           </a:blip>
           <a:stretch/>
         </a:blipFill>
+        <a:effectLst/>
       </p:bgPr>
     </p:bg>
     <p:spTree>
@@ -1523,7 +1491,7 @@
 </file>
 
 <file path=ppt/slideLayouts/slideLayout10.xml><?xml version="1.0" encoding="utf-8"?>
-<p:sldLayout xmlns:a="http://schemas.openxmlformats.org/drawingml/2006/main" xmlns:r="http://schemas.openxmlformats.org/officeDocument/2006/relationships" xmlns:p="http://schemas.openxmlformats.org/presentationml/2006/main" xmlns:m="http://schemas.openxmlformats.org/officeDocument/2006/math" xmlns:w="http://schemas.openxmlformats.org/wordprocessingml/2006/main" matchingName="" preserve="1" showMasterPhAnim="0" showMasterSp="1" userDrawn="1">
+<p:sldLayout xmlns:a="http://schemas.openxmlformats.org/drawingml/2006/main" xmlns:r="http://schemas.openxmlformats.org/officeDocument/2006/relationships" xmlns:p="http://schemas.openxmlformats.org/presentationml/2006/main" showMasterPhAnim="0" preserve="1" userDrawn="1">
   <p:cSld name="Три колонки">
     <p:spTree>
       <p:nvGrpSpPr>
@@ -1766,7 +1734,6 @@
               <a:rPr lang="ru-RU"/>
               <a:t>Название презентации в одну или несколько строк</a:t>
             </a:r>
-            <a:endParaRPr lang="ru-RU"/>
           </a:p>
         </p:txBody>
       </p:sp>
@@ -2129,37 +2096,21 @@
             </a:br>
             <a:r>
               <a:rPr lang="ru-RU"/>
-              <a:t>ных</a:t>
-            </a:r>
-            <a:r>
-              <a:rPr lang="ru-RU"/>
-              <a:t> программах, с указанием </a:t>
+              <a:t>ных программах, с указанием </a:t>
             </a:r>
             <a:br>
               <a:rPr lang="ru-RU"/>
             </a:br>
             <a:r>
               <a:rPr lang="ru-RU"/>
-              <a:t>в отношении каждой </a:t>
-            </a:r>
-            <a:r>
-              <a:rPr lang="ru-RU"/>
-              <a:t>образо</a:t>
-            </a:r>
-            <a:r>
-              <a:rPr lang="ru-RU"/>
-              <a:t>-</a:t>
+              <a:t>в отношении каждой образо-</a:t>
             </a:r>
             <a:br>
               <a:rPr lang="ru-RU"/>
             </a:br>
             <a:r>
               <a:rPr lang="ru-RU"/>
-              <a:t>вательной</a:t>
-            </a:r>
-            <a:r>
-              <a:rPr lang="ru-RU"/>
-              <a:t> программы</a:t>
+              <a:t>вательной программы</a:t>
             </a:r>
             <a:endParaRPr/>
           </a:p>
@@ -2240,7 +2191,7 @@
 </file>
 
 <file path=ppt/slideLayouts/slideLayout11.xml><?xml version="1.0" encoding="utf-8"?>
-<p:sldLayout xmlns:a="http://schemas.openxmlformats.org/drawingml/2006/main" xmlns:r="http://schemas.openxmlformats.org/officeDocument/2006/relationships" xmlns:p="http://schemas.openxmlformats.org/presentationml/2006/main" xmlns:m="http://schemas.openxmlformats.org/officeDocument/2006/math" xmlns:w="http://schemas.openxmlformats.org/wordprocessingml/2006/main" matchingName="" preserve="1" showMasterPhAnim="0" showMasterSp="1" userDrawn="1">
+<p:sldLayout xmlns:a="http://schemas.openxmlformats.org/drawingml/2006/main" xmlns:r="http://schemas.openxmlformats.org/officeDocument/2006/relationships" xmlns:p="http://schemas.openxmlformats.org/presentationml/2006/main" showMasterPhAnim="0" preserve="1" userDrawn="1">
   <p:cSld name="Акцентные плашки">
     <p:spTree>
       <p:nvGrpSpPr>
@@ -2465,13 +2416,8 @@
             </a:br>
             <a:r>
               <a:rPr lang="en-US"/>
-              <a:t>five centuries, but also the leap into electronic typesetting, remaining essentially unchanged. It was </a:t>
-            </a:r>
-            <a:r>
-              <a:rPr lang="en-US"/>
-              <a:t>popularised</a:t>
-            </a:r>
-            <a:endParaRPr lang="en-US"/>
+              <a:t>five centuries, but also the leap into electronic typesetting, remaining essentially unchanged. It was popularised</a:t>
+            </a:r>
           </a:p>
         </p:txBody>
       </p:sp>
@@ -2510,7 +2456,6 @@
               <a:rPr lang="ru-RU"/>
               <a:t>Название презентации в одну или несколько строк</a:t>
             </a:r>
-            <a:endParaRPr lang="ru-RU"/>
           </a:p>
         </p:txBody>
       </p:sp>
@@ -2756,11 +2701,7 @@
             </a:pPr>
             <a:r>
               <a:rPr lang="ru-RU"/>
-              <a:t>cреди</a:t>
-            </a:r>
-            <a:r>
-              <a:rPr lang="ru-RU"/>
-              <a:t> вузов Проекта 5–100 </a:t>
+              <a:t>cреди вузов Проекта 5–100 </a:t>
             </a:r>
             <a:br>
               <a:rPr lang="ru-RU"/>
@@ -2818,7 +2759,7 @@
 </file>
 
 <file path=ppt/slideLayouts/slideLayout12.xml><?xml version="1.0" encoding="utf-8"?>
-<p:sldLayout xmlns:a="http://schemas.openxmlformats.org/drawingml/2006/main" xmlns:r="http://schemas.openxmlformats.org/officeDocument/2006/relationships" xmlns:p="http://schemas.openxmlformats.org/presentationml/2006/main" xmlns:m="http://schemas.openxmlformats.org/officeDocument/2006/math" xmlns:w="http://schemas.openxmlformats.org/wordprocessingml/2006/main" matchingName="" preserve="1" showMasterPhAnim="0" showMasterSp="1" userDrawn="1">
+<p:sldLayout xmlns:a="http://schemas.openxmlformats.org/drawingml/2006/main" xmlns:r="http://schemas.openxmlformats.org/officeDocument/2006/relationships" xmlns:p="http://schemas.openxmlformats.org/presentationml/2006/main" showMasterPhAnim="0" preserve="1" userDrawn="1">
   <p:cSld name="Акцентные плашки 1">
     <p:spTree>
       <p:nvGrpSpPr>
@@ -3063,7 +3004,6 @@
               <a:rPr lang="ru-RU"/>
               <a:t>Название презентации в одну или несколько строк</a:t>
             </a:r>
-            <a:endParaRPr lang="ru-RU"/>
           </a:p>
         </p:txBody>
       </p:sp>
@@ -3485,7 +3425,7 @@
 </file>
 
 <file path=ppt/slideLayouts/slideLayout13.xml><?xml version="1.0" encoding="utf-8"?>
-<p:sldLayout xmlns:a="http://schemas.openxmlformats.org/drawingml/2006/main" xmlns:r="http://schemas.openxmlformats.org/officeDocument/2006/relationships" xmlns:p="http://schemas.openxmlformats.org/presentationml/2006/main" xmlns:m="http://schemas.openxmlformats.org/officeDocument/2006/math" xmlns:w="http://schemas.openxmlformats.org/wordprocessingml/2006/main" matchingName="" preserve="1" showMasterPhAnim="0" showMasterSp="1" userDrawn="1">
+<p:sldLayout xmlns:a="http://schemas.openxmlformats.org/drawingml/2006/main" xmlns:r="http://schemas.openxmlformats.org/officeDocument/2006/relationships" xmlns:p="http://schemas.openxmlformats.org/presentationml/2006/main" showMasterPhAnim="0" preserve="1" userDrawn="1">
   <p:cSld name="Акцентные плашки 2">
     <p:spTree>
       <p:nvGrpSpPr>
@@ -3664,7 +3604,6 @@
               <a:rPr lang="ru-RU"/>
               <a:t>Название презентации в одну или несколько строк</a:t>
             </a:r>
-            <a:endParaRPr lang="ru-RU"/>
           </a:p>
         </p:txBody>
       </p:sp>
@@ -4036,7 +3975,7 @@
 </file>
 
 <file path=ppt/slideLayouts/slideLayout14.xml><?xml version="1.0" encoding="utf-8"?>
-<p:sldLayout xmlns:a="http://schemas.openxmlformats.org/drawingml/2006/main" xmlns:r="http://schemas.openxmlformats.org/officeDocument/2006/relationships" xmlns:p="http://schemas.openxmlformats.org/presentationml/2006/main" xmlns:m="http://schemas.openxmlformats.org/officeDocument/2006/math" xmlns:w="http://schemas.openxmlformats.org/wordprocessingml/2006/main" matchingName="" preserve="1" showMasterPhAnim="0" showMasterSp="1" userDrawn="1">
+<p:sldLayout xmlns:a="http://schemas.openxmlformats.org/drawingml/2006/main" xmlns:r="http://schemas.openxmlformats.org/officeDocument/2006/relationships" xmlns:p="http://schemas.openxmlformats.org/presentationml/2006/main" showMasterPhAnim="0" preserve="1" userDrawn="1">
   <p:cSld name="Изображения">
     <p:spTree>
       <p:nvGrpSpPr>
@@ -4285,7 +4224,6 @@
               <a:rPr lang="ru-RU"/>
               <a:t>Название презентации в одну или несколько строк</a:t>
             </a:r>
-            <a:endParaRPr lang="ru-RU"/>
           </a:p>
         </p:txBody>
       </p:sp>
@@ -4448,7 +4386,7 @@
 </file>
 
 <file path=ppt/slideLayouts/slideLayout15.xml><?xml version="1.0" encoding="utf-8"?>
-<p:sldLayout xmlns:a="http://schemas.openxmlformats.org/drawingml/2006/main" xmlns:r="http://schemas.openxmlformats.org/officeDocument/2006/relationships" xmlns:p="http://schemas.openxmlformats.org/presentationml/2006/main" xmlns:m="http://schemas.openxmlformats.org/officeDocument/2006/math" xmlns:w="http://schemas.openxmlformats.org/wordprocessingml/2006/main" matchingName="" preserve="1" showMasterPhAnim="0" showMasterSp="1" userDrawn="1">
+<p:sldLayout xmlns:a="http://schemas.openxmlformats.org/drawingml/2006/main" xmlns:r="http://schemas.openxmlformats.org/officeDocument/2006/relationships" xmlns:p="http://schemas.openxmlformats.org/presentationml/2006/main" showMasterPhAnim="0" preserve="1" userDrawn="1">
   <p:cSld name="Изображения 1">
     <p:spTree>
       <p:nvGrpSpPr>
@@ -4609,15 +4547,7 @@
             </a:br>
             <a:r>
               <a:rPr lang="ru-RU"/>
-              <a:t>за счёт фундаментальных и прикладных исследований мирового уровня в материаловедении, нано- и </a:t>
-            </a:r>
-            <a:r>
-              <a:rPr lang="ru-RU"/>
-              <a:t>био</a:t>
-            </a:r>
-            <a:r>
-              <a:rPr lang="ru-RU"/>
-              <a:t>-</a:t>
+              <a:t>за счёт фундаментальных и прикладных исследований мирового уровня в материаловедении, нано- и био-</a:t>
             </a:r>
             <a:br>
               <a:rPr lang="ru-RU"/>
@@ -4665,7 +4595,6 @@
               <a:rPr lang="ru-RU"/>
               <a:t>Название презентации в одну или несколько строк</a:t>
             </a:r>
-            <a:endParaRPr lang="ru-RU"/>
           </a:p>
         </p:txBody>
       </p:sp>
@@ -5009,7 +4938,7 @@
 </file>
 
 <file path=ppt/slideLayouts/slideLayout16.xml><?xml version="1.0" encoding="utf-8"?>
-<p:sldLayout xmlns:a="http://schemas.openxmlformats.org/drawingml/2006/main" xmlns:r="http://schemas.openxmlformats.org/officeDocument/2006/relationships" xmlns:p="http://schemas.openxmlformats.org/presentationml/2006/main" xmlns:m="http://schemas.openxmlformats.org/officeDocument/2006/math" xmlns:w="http://schemas.openxmlformats.org/wordprocessingml/2006/main" matchingName="" preserve="1" showMasterPhAnim="0" showMasterSp="1" userDrawn="1">
+<p:sldLayout xmlns:a="http://schemas.openxmlformats.org/drawingml/2006/main" xmlns:r="http://schemas.openxmlformats.org/officeDocument/2006/relationships" xmlns:p="http://schemas.openxmlformats.org/presentationml/2006/main" showMasterPhAnim="0" preserve="1" userDrawn="1">
   <p:cSld name="Диаграмма">
     <p:spTree>
       <p:nvGrpSpPr>
@@ -5182,7 +5111,6 @@
               <a:rPr lang="ru-RU"/>
               <a:t>Название презентации в одну или несколько строк</a:t>
             </a:r>
-            <a:endParaRPr lang="ru-RU"/>
           </a:p>
         </p:txBody>
       </p:sp>
@@ -5416,7 +5344,7 @@
 </file>
 
 <file path=ppt/slideLayouts/slideLayout17.xml><?xml version="1.0" encoding="utf-8"?>
-<p:sldLayout xmlns:a="http://schemas.openxmlformats.org/drawingml/2006/main" xmlns:r="http://schemas.openxmlformats.org/officeDocument/2006/relationships" xmlns:p="http://schemas.openxmlformats.org/presentationml/2006/main" xmlns:m="http://schemas.openxmlformats.org/officeDocument/2006/math" xmlns:w="http://schemas.openxmlformats.org/wordprocessingml/2006/main" matchingName="" preserve="1" showMasterPhAnim="0" showMasterSp="1" userDrawn="1">
+<p:sldLayout xmlns:a="http://schemas.openxmlformats.org/drawingml/2006/main" xmlns:r="http://schemas.openxmlformats.org/officeDocument/2006/relationships" xmlns:p="http://schemas.openxmlformats.org/presentationml/2006/main" showMasterPhAnim="0" preserve="1" userDrawn="1">
   <p:cSld name="График 1">
     <p:spTree>
       <p:nvGrpSpPr>
@@ -5544,7 +5472,6 @@
               <a:rPr lang="ru-RU"/>
               <a:t>Название презентации в одну или несколько строк</a:t>
             </a:r>
-            <a:endParaRPr lang="ru-RU"/>
           </a:p>
         </p:txBody>
       </p:sp>
@@ -5830,7 +5757,7 @@
 </file>
 
 <file path=ppt/slideLayouts/slideLayout18.xml><?xml version="1.0" encoding="utf-8"?>
-<p:sldLayout xmlns:a="http://schemas.openxmlformats.org/drawingml/2006/main" xmlns:r="http://schemas.openxmlformats.org/officeDocument/2006/relationships" xmlns:p="http://schemas.openxmlformats.org/presentationml/2006/main" xmlns:m="http://schemas.openxmlformats.org/officeDocument/2006/math" xmlns:w="http://schemas.openxmlformats.org/wordprocessingml/2006/main" matchingName="" preserve="1" showMasterPhAnim="0" showMasterSp="1" userDrawn="1">
+<p:sldLayout xmlns:a="http://schemas.openxmlformats.org/drawingml/2006/main" xmlns:r="http://schemas.openxmlformats.org/officeDocument/2006/relationships" xmlns:p="http://schemas.openxmlformats.org/presentationml/2006/main" showMasterPhAnim="0" preserve="1" userDrawn="1">
   <p:cSld name="Таблица">
     <p:spTree>
       <p:nvGrpSpPr>
@@ -5996,7 +5923,6 @@
               <a:rPr lang="ru-RU"/>
               <a:t>Название презентации в одну или несколько строк</a:t>
             </a:r>
-            <a:endParaRPr lang="ru-RU"/>
           </a:p>
         </p:txBody>
       </p:sp>
@@ -6216,16 +6142,17 @@
 </file>
 
 <file path=ppt/slideLayouts/slideLayout19.xml><?xml version="1.0" encoding="utf-8"?>
-<p:sldLayout xmlns:a="http://schemas.openxmlformats.org/drawingml/2006/main" xmlns:r="http://schemas.openxmlformats.org/officeDocument/2006/relationships" xmlns:p="http://schemas.openxmlformats.org/presentationml/2006/main" xmlns:m="http://schemas.openxmlformats.org/officeDocument/2006/math" xmlns:w="http://schemas.openxmlformats.org/wordprocessingml/2006/main" matchingName="" preserve="1" showMasterPhAnim="0" showMasterSp="1" userDrawn="1">
+<p:sldLayout xmlns:a="http://schemas.openxmlformats.org/drawingml/2006/main" xmlns:r="http://schemas.openxmlformats.org/officeDocument/2006/relationships" xmlns:p="http://schemas.openxmlformats.org/presentationml/2006/main" showMasterPhAnim="0" preserve="1" userDrawn="1">
   <p:cSld name="Заключительный">
     <p:bg>
-      <p:bgPr shadeToTitle="0">
+      <p:bgPr>
         <a:blipFill>
           <a:blip r:embed="rId2">
             <a:lum/>
           </a:blip>
           <a:stretch/>
         </a:blipFill>
+        <a:effectLst/>
       </p:bgPr>
     </p:bg>
     <p:spTree>
@@ -6329,15 +6256,7 @@
             </a:br>
             <a:r>
               <a:rPr lang="ru-RU"/>
-              <a:t>e-</a:t>
-            </a:r>
-            <a:r>
-              <a:rPr lang="ru-RU"/>
-              <a:t>mail</a:t>
-            </a:r>
-            <a:r>
-              <a:rPr lang="ru-RU"/>
-              <a:t>: kancela@misis.ru</a:t>
+              <a:t>e-mail: kancela@misis.ru</a:t>
             </a:r>
             <a:br>
               <a:rPr lang="ru-RU"/>
@@ -6411,7 +6330,7 @@
 </file>
 
 <file path=ppt/slideLayouts/slideLayout2.xml><?xml version="1.0" encoding="utf-8"?>
-<p:sldLayout xmlns:a="http://schemas.openxmlformats.org/drawingml/2006/main" xmlns:r="http://schemas.openxmlformats.org/officeDocument/2006/relationships" xmlns:p="http://schemas.openxmlformats.org/presentationml/2006/main" xmlns:m="http://schemas.openxmlformats.org/officeDocument/2006/math" xmlns:w="http://schemas.openxmlformats.org/wordprocessingml/2006/main" matchingName="" preserve="1" showMasterPhAnim="0" showMasterSp="1" userDrawn="1">
+<p:sldLayout xmlns:a="http://schemas.openxmlformats.org/drawingml/2006/main" xmlns:r="http://schemas.openxmlformats.org/officeDocument/2006/relationships" xmlns:p="http://schemas.openxmlformats.org/presentationml/2006/main" showMasterPhAnim="0" preserve="1" userDrawn="1">
   <p:cSld name="Титульный слайд 1">
     <p:spTree>
       <p:nvGrpSpPr>
@@ -6610,16 +6529,17 @@
 </file>
 
 <file path=ppt/slideLayouts/slideLayout3.xml><?xml version="1.0" encoding="utf-8"?>
-<p:sldLayout xmlns:a="http://schemas.openxmlformats.org/drawingml/2006/main" xmlns:r="http://schemas.openxmlformats.org/officeDocument/2006/relationships" xmlns:p="http://schemas.openxmlformats.org/presentationml/2006/main" xmlns:m="http://schemas.openxmlformats.org/officeDocument/2006/math" xmlns:w="http://schemas.openxmlformats.org/wordprocessingml/2006/main" matchingName="" preserve="1" showMasterPhAnim="0" showMasterSp="1" userDrawn="1">
+<p:sldLayout xmlns:a="http://schemas.openxmlformats.org/drawingml/2006/main" xmlns:r="http://schemas.openxmlformats.org/officeDocument/2006/relationships" xmlns:p="http://schemas.openxmlformats.org/presentationml/2006/main" showMasterPhAnim="0" preserve="1" userDrawn="1">
   <p:cSld name="Раздел или глава">
     <p:bg>
-      <p:bgPr shadeToTitle="0">
+      <p:bgPr>
         <a:blipFill>
           <a:blip r:embed="rId2">
             <a:lum/>
           </a:blip>
           <a:stretch/>
         </a:blipFill>
+        <a:effectLst/>
       </p:bgPr>
     </p:bg>
     <p:spTree>
@@ -6738,16 +6658,17 @@
 </file>
 
 <file path=ppt/slideLayouts/slideLayout4.xml><?xml version="1.0" encoding="utf-8"?>
-<p:sldLayout xmlns:a="http://schemas.openxmlformats.org/drawingml/2006/main" xmlns:r="http://schemas.openxmlformats.org/officeDocument/2006/relationships" xmlns:p="http://schemas.openxmlformats.org/presentationml/2006/main" xmlns:m="http://schemas.openxmlformats.org/officeDocument/2006/math" xmlns:w="http://schemas.openxmlformats.org/wordprocessingml/2006/main" matchingName="" preserve="1" showMasterPhAnim="0" showMasterSp="1" userDrawn="1">
+<p:sldLayout xmlns:a="http://schemas.openxmlformats.org/drawingml/2006/main" xmlns:r="http://schemas.openxmlformats.org/officeDocument/2006/relationships" xmlns:p="http://schemas.openxmlformats.org/presentationml/2006/main" showMasterPhAnim="0" preserve="1" userDrawn="1">
   <p:cSld name="Раздел или глава 1">
     <p:bg>
-      <p:bgPr shadeToTitle="0">
+      <p:bgPr>
         <a:blipFill>
           <a:blip r:embed="rId2">
             <a:lum/>
           </a:blip>
           <a:stretch/>
         </a:blipFill>
+        <a:effectLst/>
       </p:bgPr>
     </p:bg>
     <p:spTree>
@@ -6829,7 +6750,7 @@
 </file>
 
 <file path=ppt/slideLayouts/slideLayout5.xml><?xml version="1.0" encoding="utf-8"?>
-<p:sldLayout xmlns:a="http://schemas.openxmlformats.org/drawingml/2006/main" xmlns:r="http://schemas.openxmlformats.org/officeDocument/2006/relationships" xmlns:p="http://schemas.openxmlformats.org/presentationml/2006/main" xmlns:m="http://schemas.openxmlformats.org/officeDocument/2006/math" xmlns:w="http://schemas.openxmlformats.org/wordprocessingml/2006/main" matchingName="" preserve="1" showMasterPhAnim="0" showMasterSp="1" userDrawn="1">
+<p:sldLayout xmlns:a="http://schemas.openxmlformats.org/drawingml/2006/main" xmlns:r="http://schemas.openxmlformats.org/officeDocument/2006/relationships" xmlns:p="http://schemas.openxmlformats.org/presentationml/2006/main" showMasterPhAnim="0" preserve="1" userDrawn="1">
   <p:cSld name="Раздел или глава 2">
     <p:spTree>
       <p:nvGrpSpPr>
@@ -7071,7 +6992,7 @@
 </file>
 
 <file path=ppt/slideLayouts/slideLayout6.xml><?xml version="1.0" encoding="utf-8"?>
-<p:sldLayout xmlns:a="http://schemas.openxmlformats.org/drawingml/2006/main" xmlns:r="http://schemas.openxmlformats.org/officeDocument/2006/relationships" xmlns:p="http://schemas.openxmlformats.org/presentationml/2006/main" xmlns:m="http://schemas.openxmlformats.org/officeDocument/2006/math" xmlns:w="http://schemas.openxmlformats.org/wordprocessingml/2006/main" matchingName="" preserve="1" showMasterPhAnim="0" showMasterSp="1" userDrawn="1">
+<p:sldLayout xmlns:a="http://schemas.openxmlformats.org/drawingml/2006/main" xmlns:r="http://schemas.openxmlformats.org/officeDocument/2006/relationships" xmlns:p="http://schemas.openxmlformats.org/presentationml/2006/main" showMasterPhAnim="0" preserve="1" userDrawn="1">
   <p:cSld name="Инфографика">
     <p:spTree>
       <p:nvGrpSpPr>
@@ -7490,15 +7411,7 @@
             </a:pPr>
             <a:r>
               <a:rPr lang="ru-RU"/>
-              <a:t>«Хотел бы отметить особую роль НИТУ «</a:t>
-            </a:r>
-            <a:r>
-              <a:rPr lang="ru-RU"/>
-              <a:t>МИСиС</a:t>
-            </a:r>
-            <a:r>
-              <a:rPr lang="ru-RU"/>
-              <a:t>»</a:t>
+              <a:t>«Хотел бы отметить особую роль НИТУ «МИСиС»</a:t>
             </a:r>
             <a:br>
               <a:rPr lang="ru-RU"/>
@@ -7679,7 +7592,6 @@
               <a:rPr lang="ru-RU"/>
               <a:t>Название презентации в одну или несколько строк</a:t>
             </a:r>
-            <a:endParaRPr lang="ru-RU"/>
           </a:p>
         </p:txBody>
       </p:sp>
@@ -7842,7 +7754,7 @@
 </file>
 
 <file path=ppt/slideLayouts/slideLayout7.xml><?xml version="1.0" encoding="utf-8"?>
-<p:sldLayout xmlns:a="http://schemas.openxmlformats.org/drawingml/2006/main" xmlns:r="http://schemas.openxmlformats.org/officeDocument/2006/relationships" xmlns:p="http://schemas.openxmlformats.org/presentationml/2006/main" xmlns:m="http://schemas.openxmlformats.org/officeDocument/2006/math" xmlns:w="http://schemas.openxmlformats.org/wordprocessingml/2006/main" matchingName="" preserve="1" showMasterPhAnim="0" showMasterSp="1" userDrawn="1">
+<p:sldLayout xmlns:a="http://schemas.openxmlformats.org/drawingml/2006/main" xmlns:r="http://schemas.openxmlformats.org/officeDocument/2006/relationships" xmlns:p="http://schemas.openxmlformats.org/presentationml/2006/main" showMasterPhAnim="0" preserve="1" userDrawn="1">
   <p:cSld name="Инфографика 1">
     <p:spTree>
       <p:nvGrpSpPr>
@@ -8388,7 +8300,6 @@
               <a:rPr lang="ru-RU"/>
               <a:t>Название презентации в одну или несколько строк</a:t>
             </a:r>
-            <a:endParaRPr lang="ru-RU"/>
           </a:p>
         </p:txBody>
       </p:sp>
@@ -8773,7 +8684,7 @@
 </file>
 
 <file path=ppt/slideLayouts/slideLayout8.xml><?xml version="1.0" encoding="utf-8"?>
-<p:sldLayout xmlns:a="http://schemas.openxmlformats.org/drawingml/2006/main" xmlns:r="http://schemas.openxmlformats.org/officeDocument/2006/relationships" xmlns:p="http://schemas.openxmlformats.org/presentationml/2006/main" xmlns:m="http://schemas.openxmlformats.org/officeDocument/2006/math" xmlns:w="http://schemas.openxmlformats.org/wordprocessingml/2006/main" matchingName="" preserve="1" showMasterPhAnim="0" showMasterSp="1" userDrawn="1">
+<p:sldLayout xmlns:a="http://schemas.openxmlformats.org/drawingml/2006/main" xmlns:r="http://schemas.openxmlformats.org/officeDocument/2006/relationships" xmlns:p="http://schemas.openxmlformats.org/presentationml/2006/main" showMasterPhAnim="0" preserve="1" userDrawn="1">
   <p:cSld name="Инфографика 2">
     <p:spTree>
       <p:nvGrpSpPr>
@@ -9239,7 +9150,6 @@
               <a:rPr lang="ru-RU"/>
               <a:t>Название презентации в одну или несколько строк</a:t>
             </a:r>
-            <a:endParaRPr lang="ru-RU"/>
           </a:p>
         </p:txBody>
       </p:sp>
@@ -9457,7 +9367,7 @@
 </file>
 
 <file path=ppt/slideLayouts/slideLayout9.xml><?xml version="1.0" encoding="utf-8"?>
-<p:sldLayout xmlns:a="http://schemas.openxmlformats.org/drawingml/2006/main" xmlns:r="http://schemas.openxmlformats.org/officeDocument/2006/relationships" xmlns:p="http://schemas.openxmlformats.org/presentationml/2006/main" xmlns:m="http://schemas.openxmlformats.org/officeDocument/2006/math" xmlns:w="http://schemas.openxmlformats.org/wordprocessingml/2006/main" matchingName="" preserve="1" showMasterPhAnim="0" showMasterSp="1" userDrawn="1">
+<p:sldLayout xmlns:a="http://schemas.openxmlformats.org/drawingml/2006/main" xmlns:r="http://schemas.openxmlformats.org/officeDocument/2006/relationships" xmlns:p="http://schemas.openxmlformats.org/presentationml/2006/main" showMasterPhAnim="0" preserve="1" userDrawn="1">
   <p:cSld name="Буллиты">
     <p:spTree>
       <p:nvGrpSpPr>
@@ -9747,7 +9657,6 @@
               <a:rPr lang="ru-RU"/>
               <a:t>Название презентации в одну или несколько строк</a:t>
             </a:r>
-            <a:endParaRPr lang="ru-RU"/>
           </a:p>
         </p:txBody>
       </p:sp>
@@ -10158,8 +10067,8 @@
 </file>
 
 <file path=ppt/slideMasters/slideMaster1.xml><?xml version="1.0" encoding="utf-8"?>
-<p:sldMaster xmlns:a="http://schemas.openxmlformats.org/drawingml/2006/main" xmlns:r="http://schemas.openxmlformats.org/officeDocument/2006/relationships" xmlns:p="http://schemas.openxmlformats.org/presentationml/2006/main" xmlns:m="http://schemas.openxmlformats.org/officeDocument/2006/math" xmlns:w="http://schemas.openxmlformats.org/wordprocessingml/2006/main" preserve="0">
-  <p:cSld name="">
+<p:sldMaster xmlns:a="http://schemas.openxmlformats.org/drawingml/2006/main" xmlns:r="http://schemas.openxmlformats.org/officeDocument/2006/relationships" xmlns:p="http://schemas.openxmlformats.org/presentationml/2006/main">
+  <p:cSld>
     <p:bg>
       <p:bgRef idx="1001">
         <a:schemeClr val="bg1"/>
@@ -10443,7 +10352,7 @@
     <p:sldLayoutId id="2147483666" r:id="rId18"/>
     <p:sldLayoutId id="2147483667" r:id="rId19"/>
   </p:sldLayoutIdLst>
-  <p:hf dt="1" ftr="1" hdr="0" sldNum="1"/>
+  <p:hf hdr="0"/>
   <p:txStyles>
     <p:titleStyle>
       <a:lvl1pPr algn="l" defTabSz="1828709">
@@ -10728,8 +10637,8 @@
 </file>
 
 <file path=ppt/slides/slide1.xml><?xml version="1.0" encoding="utf-8"?>
-<p:sld xmlns:a="http://schemas.openxmlformats.org/drawingml/2006/main" xmlns:r="http://schemas.openxmlformats.org/officeDocument/2006/relationships" xmlns:p="http://schemas.openxmlformats.org/presentationml/2006/main" xmlns:m="http://schemas.openxmlformats.org/officeDocument/2006/math" xmlns:w="http://schemas.openxmlformats.org/wordprocessingml/2006/main" xmlns:mc="http://schemas.openxmlformats.org/markup-compatibility/2006" showMasterPhAnim="0" showMasterSp="1" show="1">
-  <p:cSld name="">
+<p:sld xmlns:a="http://schemas.openxmlformats.org/drawingml/2006/main" xmlns:r="http://schemas.openxmlformats.org/officeDocument/2006/relationships" xmlns:p="http://schemas.openxmlformats.org/presentationml/2006/main" showMasterPhAnim="0">
+  <p:cSld>
     <p:spTree>
       <p:nvGrpSpPr>
         <p:cNvPr id="1" name=""/>
@@ -10768,17 +10677,94 @@
               <a:defRPr/>
             </a:pPr>
             <a:r>
-              <a:rPr sz="4800" b="0" i="0" u="none">
-                <a:solidFill>
-                  <a:srgbClr val="000000"/>
-                </a:solidFill>
-                <a:latin typeface="Times New Roman"/>
-                <a:ea typeface="Times New Roman"/>
-                <a:cs typeface="Times New Roman"/>
-              </a:rPr>
-              <a:t>Алгоритм сортировки "heapsort" (пирамидальная сортировка)</a:t>
-            </a:r>
-            <a:endParaRPr sz="4800"/>
+              <a:rPr sz="4800" b="0" i="0" u="none" dirty="0" err="1">
+                <a:solidFill>
+                  <a:srgbClr val="000000"/>
+                </a:solidFill>
+                <a:latin typeface="Times New Roman"/>
+                <a:ea typeface="Times New Roman"/>
+                <a:cs typeface="Times New Roman"/>
+              </a:rPr>
+              <a:t>Алгоритм</a:t>
+            </a:r>
+            <a:r>
+              <a:rPr sz="4800" b="0" i="0" u="none" dirty="0">
+                <a:solidFill>
+                  <a:srgbClr val="000000"/>
+                </a:solidFill>
+                <a:latin typeface="Times New Roman"/>
+                <a:ea typeface="Times New Roman"/>
+                <a:cs typeface="Times New Roman"/>
+              </a:rPr>
+              <a:t> </a:t>
+            </a:r>
+            <a:r>
+              <a:rPr sz="4800" b="0" i="0" u="none" dirty="0" err="1">
+                <a:solidFill>
+                  <a:srgbClr val="000000"/>
+                </a:solidFill>
+                <a:latin typeface="Times New Roman"/>
+                <a:ea typeface="Times New Roman"/>
+                <a:cs typeface="Times New Roman"/>
+              </a:rPr>
+              <a:t>сортировки</a:t>
+            </a:r>
+            <a:r>
+              <a:rPr sz="4800" b="0" i="0" u="none" dirty="0">
+                <a:solidFill>
+                  <a:srgbClr val="000000"/>
+                </a:solidFill>
+                <a:latin typeface="Times New Roman"/>
+                <a:ea typeface="Times New Roman"/>
+                <a:cs typeface="Times New Roman"/>
+              </a:rPr>
+              <a:t> "heapsort" (</a:t>
+            </a:r>
+            <a:r>
+              <a:rPr sz="4800" b="0" i="0" u="none" dirty="0" err="1">
+                <a:solidFill>
+                  <a:srgbClr val="000000"/>
+                </a:solidFill>
+                <a:latin typeface="Times New Roman"/>
+                <a:ea typeface="Times New Roman"/>
+                <a:cs typeface="Times New Roman"/>
+              </a:rPr>
+              <a:t>пирамидальная</a:t>
+            </a:r>
+            <a:r>
+              <a:rPr sz="4800" b="0" i="0" u="none" dirty="0">
+                <a:solidFill>
+                  <a:srgbClr val="000000"/>
+                </a:solidFill>
+                <a:latin typeface="Times New Roman"/>
+                <a:ea typeface="Times New Roman"/>
+                <a:cs typeface="Times New Roman"/>
+              </a:rPr>
+              <a:t> </a:t>
+            </a:r>
+            <a:r>
+              <a:rPr sz="4800" b="0" i="0" u="none" dirty="0" err="1">
+                <a:solidFill>
+                  <a:srgbClr val="000000"/>
+                </a:solidFill>
+                <a:latin typeface="Times New Roman"/>
+                <a:ea typeface="Times New Roman"/>
+                <a:cs typeface="Times New Roman"/>
+              </a:rPr>
+              <a:t>сортировка</a:t>
+            </a:r>
+            <a:r>
+              <a:rPr sz="4800" b="0" i="0" u="none" dirty="0">
+                <a:solidFill>
+                  <a:srgbClr val="000000"/>
+                </a:solidFill>
+                <a:latin typeface="Times New Roman"/>
+                <a:ea typeface="Times New Roman"/>
+                <a:cs typeface="Times New Roman"/>
+              </a:rPr>
+              <a:t>)</a:t>
+            </a:r>
+            <a:endParaRPr sz="4800" dirty="0"/>
           </a:p>
         </p:txBody>
       </p:sp>
@@ -10885,12 +10871,12 @@
       </p:sp>
       <p:sp>
         <p:nvSpPr>
-          <p:cNvPr id="283621113" name=""/>
+          <p:cNvPr id="283621113" name="TextBox 283621112"/>
           <p:cNvSpPr txBox="1"/>
           <p:nvPr/>
         </p:nvSpPr>
         <p:spPr bwMode="auto">
-          <a:xfrm flipH="0" flipV="0">
+          <a:xfrm>
             <a:off x="1373114" y="10221588"/>
             <a:ext cx="8013299" cy="640439"/>
           </a:xfrm>
@@ -10900,9 +10886,10 @@
           <a:noFill/>
         </p:spPr>
         <p:txBody>
-          <a:bodyPr vertOverflow="overflow" horzOverflow="overflow" vert="horz" wrap="square" lIns="91440" tIns="45720" rIns="91440" bIns="45720" numCol="1" spcCol="0" rtlCol="0" fromWordArt="0" anchor="t" anchorCtr="0" forceAA="0" upright="0" compatLnSpc="0">
+          <a:bodyPr vertOverflow="overflow" horzOverflow="overflow" vert="horz" wrap="square" lIns="91440" tIns="45720" rIns="91440" bIns="45720" numCol="1" spcCol="0" rtlCol="0" fromWordArt="0" anchor="t" anchorCtr="0" forceAA="0" compatLnSpc="0">
             <a:spAutoFit/>
           </a:bodyPr>
+          <a:lstStyle/>
           <a:p>
             <a:pPr algn="l">
               <a:defRPr/>
@@ -10927,20 +10914,12 @@
   <p:clrMapOvr>
     <a:masterClrMapping/>
   </p:clrMapOvr>
-  <mc:AlternateContent xmlns:mc="http://schemas.openxmlformats.org/markup-compatibility/2006">
-    <mc:Choice xmlns:p159="http://schemas.microsoft.com/office/powerpoint/2015/09/main" xmlns:p14="http://schemas.microsoft.com/office/powerpoint/2010/main" Requires="p159">
-      <p:transition p14:dur="2000" advClick="1"/>
-    </mc:Choice>
-    <mc:Fallback>
-      <p:transition advClick="1"/>
-    </mc:Fallback>
-  </mc:AlternateContent>
 </p:sld>
 </file>
 
-<file path=ppt/slides/slide10.xml><?xml version="1.0" encoding="utf-8"?>
-<p:sld xmlns:a="http://schemas.openxmlformats.org/drawingml/2006/main" xmlns:r="http://schemas.openxmlformats.org/officeDocument/2006/relationships" xmlns:p="http://schemas.openxmlformats.org/presentationml/2006/main" xmlns:m="http://schemas.openxmlformats.org/officeDocument/2006/math" xmlns:w="http://schemas.openxmlformats.org/wordprocessingml/2006/main" xmlns:mc="http://schemas.openxmlformats.org/markup-compatibility/2006" showMasterPhAnim="0" showMasterSp="1" show="1">
-  <p:cSld name="">
+<file path=ppt/slides/slide2.xml><?xml version="1.0" encoding="utf-8"?>
+<p:sld xmlns:a="http://schemas.openxmlformats.org/drawingml/2006/main" xmlns:r="http://schemas.openxmlformats.org/officeDocument/2006/relationships" xmlns:p="http://schemas.openxmlformats.org/presentationml/2006/main" showMasterPhAnim="0">
+  <p:cSld>
     <p:spTree>
       <p:nvGrpSpPr>
         <p:cNvPr id="1" name=""/>
@@ -10957,18 +10936,18 @@
       </p:grpSpPr>
       <p:sp>
         <p:nvSpPr>
-          <p:cNvPr id="8" name="Текст 7"/>
-          <p:cNvSpPr>
-            <a:spLocks noGrp="1"/>
-          </p:cNvSpPr>
-          <p:nvPr>
-            <p:ph type="body" sz="quarter" idx="22"/>
-          </p:nvPr>
-        </p:nvSpPr>
-        <p:spPr bwMode="auto">
-          <a:xfrm>
-            <a:off x="1298516" y="12394465"/>
-            <a:ext cx="8542170" cy="610335"/>
+          <p:cNvPr id="2" name="Заголовок 1"/>
+          <p:cNvSpPr>
+            <a:spLocks noGrp="1"/>
+          </p:cNvSpPr>
+          <p:nvPr>
+            <p:ph type="ctrTitle"/>
+          </p:nvPr>
+        </p:nvSpPr>
+        <p:spPr bwMode="auto">
+          <a:xfrm>
+            <a:off x="1157404" y="2009857"/>
+            <a:ext cx="10626782" cy="1878792"/>
           </a:xfrm>
         </p:spPr>
         <p:txBody>
@@ -10979,48 +10958,29 @@
               <a:defRPr/>
             </a:pPr>
             <a:r>
-              <a:rPr lang="ru-RU">
-                <a:latin typeface="Tahoma"/>
-                <a:ea typeface="Tahoma"/>
-                <a:cs typeface="Tahoma"/>
-              </a:rPr>
-              <a:t>e-mail</a:t>
-            </a:r>
-            <a:r>
-              <a:rPr lang="ru-RU">
-                <a:latin typeface="Tahoma"/>
-                <a:ea typeface="Tahoma"/>
-                <a:cs typeface="Tahoma"/>
-              </a:rPr>
-              <a:t>:</a:t>
-            </a:r>
-            <a:r>
-              <a:rPr lang="en-US">
-                <a:latin typeface="Tahoma"/>
-                <a:ea typeface="Tahoma"/>
-                <a:cs typeface="Tahoma"/>
-              </a:rPr>
-              <a:t>m2302250@edu.misis.ru</a:t>
-            </a:r>
-            <a:endParaRPr lang="ru-RU">
-              <a:latin typeface="Tahoma"/>
-              <a:ea typeface="Tahoma"/>
-              <a:cs typeface="Tahoma"/>
-            </a:endParaRPr>
-          </a:p>
-        </p:txBody>
-      </p:sp>
-      <p:sp>
-        <p:nvSpPr>
-          <p:cNvPr id="7" name="Заголовок 6"/>
-          <p:cNvSpPr>
-            <a:spLocks noGrp="1"/>
-          </p:cNvSpPr>
-          <p:nvPr>
-            <p:ph type="ctrTitle"/>
-          </p:nvPr>
-        </p:nvSpPr>
-        <p:spPr bwMode="auto"/>
+              <a:rPr lang="ru-RU" b="1"/>
+              <a:t>Введение</a:t>
+            </a:r>
+            <a:endParaRPr/>
+          </a:p>
+        </p:txBody>
+      </p:sp>
+      <p:sp>
+        <p:nvSpPr>
+          <p:cNvPr id="4" name="Текст 3"/>
+          <p:cNvSpPr>
+            <a:spLocks noGrp="1"/>
+          </p:cNvSpPr>
+          <p:nvPr>
+            <p:ph type="body" sz="quarter" idx="12"/>
+          </p:nvPr>
+        </p:nvSpPr>
+        <p:spPr bwMode="auto">
+          <a:xfrm>
+            <a:off x="9324210" y="1474656"/>
+            <a:ext cx="12678741" cy="5298676"/>
+          </a:xfrm>
+        </p:spPr>
         <p:txBody>
           <a:bodyPr/>
           <a:lstStyle/>
@@ -11029,51 +10989,207 @@
               <a:defRPr/>
             </a:pPr>
             <a:r>
-              <a:rPr lang="ru-RU" sz="7200" b="1">
-                <a:latin typeface="Tahoma"/>
-                <a:ea typeface="Tahoma"/>
-                <a:cs typeface="Tahoma"/>
-              </a:rPr>
-              <a:t>Спасибо</a:t>
-            </a:r>
-            <a:br>
-              <a:rPr lang="ru-RU" sz="7200" b="1">
-                <a:latin typeface="Tahoma"/>
-                <a:ea typeface="Tahoma"/>
-                <a:cs typeface="Tahoma"/>
-              </a:rPr>
-            </a:br>
-            <a:r>
-              <a:rPr lang="ru-RU" sz="7200" b="1">
-                <a:latin typeface="Tahoma"/>
-                <a:ea typeface="Tahoma"/>
-                <a:cs typeface="Tahoma"/>
-              </a:rPr>
-              <a:t>за внимание!</a:t>
-            </a:r>
-            <a:endParaRPr/>
-          </a:p>
-        </p:txBody>
-      </p:sp>
+              <a:rPr sz="3600" b="0" i="0" u="none">
+                <a:solidFill>
+                  <a:srgbClr val="000000"/>
+                </a:solidFill>
+                <a:latin typeface="Times New Roman"/>
+                <a:ea typeface="Times New Roman"/>
+                <a:cs typeface="Times New Roman"/>
+              </a:rPr>
+              <a:t>Алгоритм </a:t>
+            </a:r>
+            <a:r>
+              <a:rPr sz="3600" b="1" i="0" u="none">
+                <a:solidFill>
+                  <a:srgbClr val="000000"/>
+                </a:solidFill>
+                <a:latin typeface="Times New Roman"/>
+                <a:ea typeface="Times New Roman"/>
+                <a:cs typeface="Times New Roman"/>
+              </a:rPr>
+              <a:t>Heapsort</a:t>
+            </a:r>
+            <a:r>
+              <a:rPr sz="3600" b="0" i="0" u="none">
+                <a:solidFill>
+                  <a:srgbClr val="000000"/>
+                </a:solidFill>
+                <a:latin typeface="Times New Roman"/>
+                <a:ea typeface="Times New Roman"/>
+                <a:cs typeface="Times New Roman"/>
+              </a:rPr>
+              <a:t> — это алгоритм сортировки, основанный на структуре данных </a:t>
+            </a:r>
+            <a:r>
+              <a:rPr sz="3600" b="1" i="0" u="none">
+                <a:solidFill>
+                  <a:srgbClr val="000000"/>
+                </a:solidFill>
+                <a:latin typeface="Times New Roman"/>
+                <a:ea typeface="Times New Roman"/>
+                <a:cs typeface="Times New Roman"/>
+              </a:rPr>
+              <a:t>куча</a:t>
+            </a:r>
+            <a:r>
+              <a:rPr sz="3600" b="0" i="0" u="none">
+                <a:solidFill>
+                  <a:srgbClr val="000000"/>
+                </a:solidFill>
+                <a:latin typeface="Times New Roman"/>
+                <a:ea typeface="Times New Roman"/>
+                <a:cs typeface="Times New Roman"/>
+              </a:rPr>
+              <a:t> (heap).</a:t>
+            </a:r>
+            <a:endParaRPr sz="3600"/>
+          </a:p>
+          <a:p>
+            <a:pPr>
+              <a:defRPr/>
+            </a:pPr>
+            <a:r>
+              <a:rPr sz="3600" b="0" i="0" u="none">
+                <a:solidFill>
+                  <a:srgbClr val="000000"/>
+                </a:solidFill>
+                <a:latin typeface="Times New Roman"/>
+                <a:ea typeface="Times New Roman"/>
+                <a:cs typeface="Times New Roman"/>
+              </a:rPr>
+              <a:t>Он использует концепцию бинарной кучи для эффективной сортировки.</a:t>
+            </a:r>
+            <a:endParaRPr sz="3600"/>
+          </a:p>
+          <a:p>
+            <a:pPr>
+              <a:defRPr/>
+            </a:pPr>
+            <a:r>
+              <a:rPr sz="3600" b="1" i="0" u="none">
+                <a:solidFill>
+                  <a:srgbClr val="000000"/>
+                </a:solidFill>
+                <a:latin typeface="Times New Roman"/>
+                <a:ea typeface="Times New Roman"/>
+                <a:cs typeface="Times New Roman"/>
+              </a:rPr>
+              <a:t>Основная идея</a:t>
+            </a:r>
+            <a:r>
+              <a:rPr sz="3600" b="0" i="0" u="none">
+                <a:solidFill>
+                  <a:srgbClr val="000000"/>
+                </a:solidFill>
+                <a:latin typeface="Times New Roman"/>
+                <a:ea typeface="Times New Roman"/>
+                <a:cs typeface="Times New Roman"/>
+              </a:rPr>
+              <a:t>: Построение кучи из массива и последовательное извлечение максимальных элементов для их размещения в отсортированном массиве.</a:t>
+            </a:r>
+            <a:endParaRPr sz="3600"/>
+          </a:p>
+          <a:p>
+            <a:pPr>
+              <a:defRPr/>
+            </a:pPr>
+            <a:r>
+              <a:rPr sz="3600" b="0" i="0" u="none">
+                <a:solidFill>
+                  <a:srgbClr val="000000"/>
+                </a:solidFill>
+                <a:latin typeface="Times New Roman"/>
+                <a:ea typeface="Times New Roman"/>
+                <a:cs typeface="Times New Roman"/>
+              </a:rPr>
+              <a:t>Алгоритм работает за </a:t>
+            </a:r>
+            <a:r>
+              <a:rPr sz="3600" b="1" i="0" u="none">
+                <a:solidFill>
+                  <a:srgbClr val="000000"/>
+                </a:solidFill>
+                <a:latin typeface="Times New Roman"/>
+                <a:ea typeface="Times New Roman"/>
+                <a:cs typeface="Times New Roman"/>
+              </a:rPr>
+              <a:t>O(n log n)</a:t>
+            </a:r>
+            <a:r>
+              <a:rPr sz="3600" b="0" i="0" u="none">
+                <a:solidFill>
+                  <a:srgbClr val="000000"/>
+                </a:solidFill>
+                <a:latin typeface="Times New Roman"/>
+                <a:ea typeface="Times New Roman"/>
+                <a:cs typeface="Times New Roman"/>
+              </a:rPr>
+              <a:t> по времени, что делает его эффективным для сортировки больших массивов</a:t>
+            </a:r>
+            <a:endParaRPr sz="3600"/>
+          </a:p>
+        </p:txBody>
+      </p:sp>
+      <p:sp>
+        <p:nvSpPr>
+          <p:cNvPr id="12" name="Номер слайда 11"/>
+          <p:cNvSpPr>
+            <a:spLocks noGrp="1"/>
+          </p:cNvSpPr>
+          <p:nvPr>
+            <p:ph type="sldNum" sz="quarter" idx="20"/>
+          </p:nvPr>
+        </p:nvSpPr>
+        <p:spPr bwMode="auto"/>
+        <p:txBody>
+          <a:bodyPr/>
+          <a:lstStyle/>
+          <a:p>
+            <a:pPr>
+              <a:defRPr/>
+            </a:pPr>
+            <a:fld id="{66B5E2A4-72D4-4DC4-9470-54C0EE06E412}" type="slidenum">
+              <a:rPr lang="ru-RU"/>
+              <a:t>2</a:t>
+            </a:fld>
+            <a:endParaRPr lang="ru-RU"/>
+          </a:p>
+        </p:txBody>
+      </p:sp>
+      <p:pic>
+        <p:nvPicPr>
+          <p:cNvPr id="608490413" name="Рисунок 608490412"/>
+          <p:cNvPicPr>
+            <a:picLocks noChangeAspect="1"/>
+          </p:cNvPicPr>
+          <p:nvPr/>
+        </p:nvPicPr>
+        <p:blipFill>
+          <a:blip r:embed="rId3"/>
+          <a:stretch/>
+        </p:blipFill>
+        <p:spPr bwMode="auto">
+          <a:xfrm>
+            <a:off x="3369027" y="7268763"/>
+            <a:ext cx="12440355" cy="5362221"/>
+          </a:xfrm>
+          <a:prstGeom prst="rect">
+            <a:avLst/>
+          </a:prstGeom>
+        </p:spPr>
+      </p:pic>
     </p:spTree>
   </p:cSld>
   <p:clrMapOvr>
     <a:masterClrMapping/>
   </p:clrMapOvr>
-  <mc:AlternateContent xmlns:mc="http://schemas.openxmlformats.org/markup-compatibility/2006">
-    <mc:Choice xmlns:p159="http://schemas.microsoft.com/office/powerpoint/2015/09/main" xmlns:p14="http://schemas.microsoft.com/office/powerpoint/2010/main" Requires="p159">
-      <p:transition p14:dur="2000" advClick="1"/>
-    </mc:Choice>
-    <mc:Fallback>
-      <p:transition advClick="1"/>
-    </mc:Fallback>
-  </mc:AlternateContent>
 </p:sld>
 </file>
 
-<file path=ppt/slides/slide2.xml><?xml version="1.0" encoding="utf-8"?>
-<p:sld xmlns:a="http://schemas.openxmlformats.org/drawingml/2006/main" xmlns:r="http://schemas.openxmlformats.org/officeDocument/2006/relationships" xmlns:p="http://schemas.openxmlformats.org/presentationml/2006/main" xmlns:m="http://schemas.openxmlformats.org/officeDocument/2006/math" xmlns:w="http://schemas.openxmlformats.org/wordprocessingml/2006/main" xmlns:mc="http://schemas.openxmlformats.org/markup-compatibility/2006" showMasterPhAnim="0" showMasterSp="1" show="1">
-  <p:cSld name="">
+<file path=ppt/slides/slide3.xml><?xml version="1.0" encoding="utf-8"?>
+<p:sld xmlns:a="http://schemas.openxmlformats.org/drawingml/2006/main" xmlns:r="http://schemas.openxmlformats.org/officeDocument/2006/relationships" xmlns:p="http://schemas.openxmlformats.org/presentationml/2006/main" showMasterPhAnim="0">
+  <p:cSld>
     <p:spTree>
       <p:nvGrpSpPr>
         <p:cNvPr id="1" name=""/>
@@ -11098,12 +11214,7 @@
             <p:ph type="ctrTitle"/>
           </p:nvPr>
         </p:nvSpPr>
-        <p:spPr bwMode="auto">
-          <a:xfrm>
-            <a:off x="1157404" y="2009857"/>
-            <a:ext cx="10626782" cy="1878792"/>
-          </a:xfrm>
-        </p:spPr>
+        <p:spPr bwMode="auto"/>
         <p:txBody>
           <a:bodyPr/>
           <a:lstStyle/>
@@ -11113,7 +11224,7 @@
             </a:pPr>
             <a:r>
               <a:rPr lang="ru-RU" b="1"/>
-              <a:t>Введение</a:t>
+              <a:t>Теоретическое описание</a:t>
             </a:r>
             <a:endParaRPr/>
           </a:p>
@@ -11130,9 +11241,9 @@
           </p:nvPr>
         </p:nvSpPr>
         <p:spPr bwMode="auto">
-          <a:xfrm flipH="0" flipV="0">
-            <a:off x="9324210" y="1474656"/>
-            <a:ext cx="12678741" cy="5298676"/>
+          <a:xfrm>
+            <a:off x="294207" y="4360232"/>
+            <a:ext cx="13839883" cy="6928655"/>
           </a:xfrm>
         </p:spPr>
         <p:txBody>
@@ -11143,40 +11254,1214 @@
               <a:defRPr/>
             </a:pPr>
             <a:r>
-              <a:rPr sz="3600" b="0" i="0" u="none">
-                <a:solidFill>
-                  <a:srgbClr val="000000"/>
-                </a:solidFill>
-                <a:latin typeface="Times New Roman"/>
-                <a:ea typeface="Times New Roman"/>
-                <a:cs typeface="Times New Roman"/>
-              </a:rPr>
-              <a:t>Алгоритм </a:t>
-            </a:r>
-            <a:r>
-              <a:rPr sz="3600" b="1" i="0" u="none">
-                <a:solidFill>
-                  <a:srgbClr val="000000"/>
-                </a:solidFill>
-                <a:latin typeface="Times New Roman"/>
-                <a:ea typeface="Times New Roman"/>
-                <a:cs typeface="Times New Roman"/>
-              </a:rPr>
-              <a:t>Heapsort</a:t>
-            </a:r>
-            <a:r>
-              <a:rPr sz="3600" b="0" i="0" u="none">
-                <a:solidFill>
-                  <a:srgbClr val="000000"/>
-                </a:solidFill>
-                <a:latin typeface="Times New Roman"/>
-                <a:ea typeface="Times New Roman"/>
-                <a:cs typeface="Times New Roman"/>
-              </a:rPr>
-              <a:t> — это алгоритм сортировки, основанный на структуре данных </a:t>
-            </a:r>
-            <a:r>
-              <a:rPr sz="3600" b="1" i="0" u="none">
+              <a:rPr sz="3600" b="1" i="0" u="none" dirty="0" err="1">
+                <a:solidFill>
+                  <a:srgbClr val="000000"/>
+                </a:solidFill>
+                <a:latin typeface="Times New Roman"/>
+                <a:ea typeface="Times New Roman"/>
+                <a:cs typeface="Times New Roman"/>
+              </a:rPr>
+              <a:t>Куча</a:t>
+            </a:r>
+            <a:r>
+              <a:rPr sz="3600" b="1" i="0" u="none" dirty="0">
+                <a:solidFill>
+                  <a:srgbClr val="000000"/>
+                </a:solidFill>
+                <a:latin typeface="Times New Roman"/>
+                <a:ea typeface="Times New Roman"/>
+                <a:cs typeface="Times New Roman"/>
+              </a:rPr>
+              <a:t> (heap)</a:t>
+            </a:r>
+            <a:r>
+              <a:rPr sz="3600" b="0" i="0" u="none" dirty="0">
+                <a:solidFill>
+                  <a:srgbClr val="000000"/>
+                </a:solidFill>
+                <a:latin typeface="Times New Roman"/>
+                <a:ea typeface="Times New Roman"/>
+                <a:cs typeface="Times New Roman"/>
+              </a:rPr>
+              <a:t> — </a:t>
+            </a:r>
+            <a:r>
+              <a:rPr sz="3600" b="0" i="0" u="none" dirty="0" err="1">
+                <a:solidFill>
+                  <a:srgbClr val="000000"/>
+                </a:solidFill>
+                <a:latin typeface="Times New Roman"/>
+                <a:ea typeface="Times New Roman"/>
+                <a:cs typeface="Times New Roman"/>
+              </a:rPr>
+              <a:t>это</a:t>
+            </a:r>
+            <a:r>
+              <a:rPr sz="3600" b="0" i="0" u="none" dirty="0">
+                <a:solidFill>
+                  <a:srgbClr val="000000"/>
+                </a:solidFill>
+                <a:latin typeface="Times New Roman"/>
+                <a:ea typeface="Times New Roman"/>
+                <a:cs typeface="Times New Roman"/>
+              </a:rPr>
+              <a:t> </a:t>
+            </a:r>
+            <a:r>
+              <a:rPr sz="3600" b="0" i="0" u="none" dirty="0" err="1">
+                <a:solidFill>
+                  <a:srgbClr val="000000"/>
+                </a:solidFill>
+                <a:latin typeface="Times New Roman"/>
+                <a:ea typeface="Times New Roman"/>
+                <a:cs typeface="Times New Roman"/>
+              </a:rPr>
+              <a:t>бинарное</a:t>
+            </a:r>
+            <a:r>
+              <a:rPr sz="3600" b="0" i="0" u="none" dirty="0">
+                <a:solidFill>
+                  <a:srgbClr val="000000"/>
+                </a:solidFill>
+                <a:latin typeface="Times New Roman"/>
+                <a:ea typeface="Times New Roman"/>
+                <a:cs typeface="Times New Roman"/>
+              </a:rPr>
+              <a:t> </a:t>
+            </a:r>
+            <a:r>
+              <a:rPr sz="3600" b="0" i="0" u="none" dirty="0" err="1">
+                <a:solidFill>
+                  <a:srgbClr val="000000"/>
+                </a:solidFill>
+                <a:latin typeface="Times New Roman"/>
+                <a:ea typeface="Times New Roman"/>
+                <a:cs typeface="Times New Roman"/>
+              </a:rPr>
+              <a:t>дерево</a:t>
+            </a:r>
+            <a:r>
+              <a:rPr sz="3600" b="0" i="0" u="none" dirty="0">
+                <a:solidFill>
+                  <a:srgbClr val="000000"/>
+                </a:solidFill>
+                <a:latin typeface="Times New Roman"/>
+                <a:ea typeface="Times New Roman"/>
+                <a:cs typeface="Times New Roman"/>
+              </a:rPr>
+              <a:t>, </a:t>
+            </a:r>
+            <a:r>
+              <a:rPr sz="3600" b="0" i="0" u="none" dirty="0" err="1">
+                <a:solidFill>
+                  <a:srgbClr val="000000"/>
+                </a:solidFill>
+                <a:latin typeface="Times New Roman"/>
+                <a:ea typeface="Times New Roman"/>
+                <a:cs typeface="Times New Roman"/>
+              </a:rPr>
+              <a:t>которое</a:t>
+            </a:r>
+            <a:r>
+              <a:rPr sz="3600" b="0" i="0" u="none" dirty="0">
+                <a:solidFill>
+                  <a:srgbClr val="000000"/>
+                </a:solidFill>
+                <a:latin typeface="Times New Roman"/>
+                <a:ea typeface="Times New Roman"/>
+                <a:cs typeface="Times New Roman"/>
+              </a:rPr>
+              <a:t> </a:t>
+            </a:r>
+            <a:r>
+              <a:rPr sz="3600" b="0" i="0" u="none" dirty="0" err="1">
+                <a:solidFill>
+                  <a:srgbClr val="000000"/>
+                </a:solidFill>
+                <a:latin typeface="Times New Roman"/>
+                <a:ea typeface="Times New Roman"/>
+                <a:cs typeface="Times New Roman"/>
+              </a:rPr>
+              <a:t>удовлетворяет</a:t>
+            </a:r>
+            <a:r>
+              <a:rPr sz="3600" b="0" i="0" u="none" dirty="0">
+                <a:solidFill>
+                  <a:srgbClr val="000000"/>
+                </a:solidFill>
+                <a:latin typeface="Times New Roman"/>
+                <a:ea typeface="Times New Roman"/>
+                <a:cs typeface="Times New Roman"/>
+              </a:rPr>
+              <a:t> </a:t>
+            </a:r>
+            <a:r>
+              <a:rPr sz="3600" b="0" i="0" u="none" dirty="0" err="1">
+                <a:solidFill>
+                  <a:srgbClr val="000000"/>
+                </a:solidFill>
+                <a:latin typeface="Times New Roman"/>
+                <a:ea typeface="Times New Roman"/>
+                <a:cs typeface="Times New Roman"/>
+              </a:rPr>
+              <a:t>следующим</a:t>
+            </a:r>
+            <a:r>
+              <a:rPr sz="3600" b="0" i="0" u="none" dirty="0">
+                <a:solidFill>
+                  <a:srgbClr val="000000"/>
+                </a:solidFill>
+                <a:latin typeface="Times New Roman"/>
+                <a:ea typeface="Times New Roman"/>
+                <a:cs typeface="Times New Roman"/>
+              </a:rPr>
+              <a:t> </a:t>
+            </a:r>
+            <a:r>
+              <a:rPr sz="3600" b="0" i="0" u="none" dirty="0" err="1">
+                <a:solidFill>
+                  <a:srgbClr val="000000"/>
+                </a:solidFill>
+                <a:latin typeface="Times New Roman"/>
+                <a:ea typeface="Times New Roman"/>
+                <a:cs typeface="Times New Roman"/>
+              </a:rPr>
+              <a:t>свойствам</a:t>
+            </a:r>
+            <a:r>
+              <a:rPr sz="3600" b="0" i="0" u="none" dirty="0">
+                <a:solidFill>
+                  <a:srgbClr val="000000"/>
+                </a:solidFill>
+                <a:latin typeface="Times New Roman"/>
+                <a:ea typeface="Times New Roman"/>
+                <a:cs typeface="Times New Roman"/>
+              </a:rPr>
+              <a:t>:</a:t>
+            </a:r>
+            <a:endParaRPr sz="3600" dirty="0"/>
+          </a:p>
+          <a:p>
+            <a:pPr>
+              <a:defRPr/>
+            </a:pPr>
+            <a:r>
+              <a:rPr sz="3600" b="1" i="0" u="none" dirty="0" err="1">
+                <a:solidFill>
+                  <a:srgbClr val="000000"/>
+                </a:solidFill>
+                <a:latin typeface="Times New Roman"/>
+                <a:ea typeface="Times New Roman"/>
+                <a:cs typeface="Times New Roman"/>
+              </a:rPr>
+              <a:t>Макс-куча</a:t>
+            </a:r>
+            <a:r>
+              <a:rPr sz="3600" b="0" i="0" u="none" dirty="0">
+                <a:solidFill>
+                  <a:srgbClr val="000000"/>
+                </a:solidFill>
+                <a:latin typeface="Times New Roman"/>
+                <a:ea typeface="Times New Roman"/>
+                <a:cs typeface="Times New Roman"/>
+              </a:rPr>
+              <a:t>: </a:t>
+            </a:r>
+            <a:r>
+              <a:rPr sz="3600" b="0" i="0" u="none" dirty="0" err="1">
+                <a:solidFill>
+                  <a:srgbClr val="000000"/>
+                </a:solidFill>
+                <a:latin typeface="Times New Roman"/>
+                <a:ea typeface="Times New Roman"/>
+                <a:cs typeface="Times New Roman"/>
+              </a:rPr>
+              <a:t>значение</a:t>
+            </a:r>
+            <a:r>
+              <a:rPr sz="3600" b="0" i="0" u="none" dirty="0">
+                <a:solidFill>
+                  <a:srgbClr val="000000"/>
+                </a:solidFill>
+                <a:latin typeface="Times New Roman"/>
+                <a:ea typeface="Times New Roman"/>
+                <a:cs typeface="Times New Roman"/>
+              </a:rPr>
+              <a:t> </a:t>
+            </a:r>
+            <a:r>
+              <a:rPr sz="3600" b="0" i="0" u="none" dirty="0" err="1">
+                <a:solidFill>
+                  <a:srgbClr val="000000"/>
+                </a:solidFill>
+                <a:latin typeface="Times New Roman"/>
+                <a:ea typeface="Times New Roman"/>
+                <a:cs typeface="Times New Roman"/>
+              </a:rPr>
+              <a:t>родительского</a:t>
+            </a:r>
+            <a:r>
+              <a:rPr sz="3600" b="0" i="0" u="none" dirty="0">
+                <a:solidFill>
+                  <a:srgbClr val="000000"/>
+                </a:solidFill>
+                <a:latin typeface="Times New Roman"/>
+                <a:ea typeface="Times New Roman"/>
+                <a:cs typeface="Times New Roman"/>
+              </a:rPr>
+              <a:t> </a:t>
+            </a:r>
+            <a:r>
+              <a:rPr sz="3600" b="0" i="0" u="none" dirty="0" err="1">
+                <a:solidFill>
+                  <a:srgbClr val="000000"/>
+                </a:solidFill>
+                <a:latin typeface="Times New Roman"/>
+                <a:ea typeface="Times New Roman"/>
+                <a:cs typeface="Times New Roman"/>
+              </a:rPr>
+              <a:t>узла</a:t>
+            </a:r>
+            <a:r>
+              <a:rPr sz="3600" b="0" i="0" u="none" dirty="0">
+                <a:solidFill>
+                  <a:srgbClr val="000000"/>
+                </a:solidFill>
+                <a:latin typeface="Times New Roman"/>
+                <a:ea typeface="Times New Roman"/>
+                <a:cs typeface="Times New Roman"/>
+              </a:rPr>
+              <a:t> </a:t>
+            </a:r>
+            <a:r>
+              <a:rPr sz="3600" b="0" i="0" u="none" dirty="0" err="1">
+                <a:solidFill>
+                  <a:srgbClr val="000000"/>
+                </a:solidFill>
+                <a:latin typeface="Times New Roman"/>
+                <a:ea typeface="Times New Roman"/>
+                <a:cs typeface="Times New Roman"/>
+              </a:rPr>
+              <a:t>больше</a:t>
+            </a:r>
+            <a:r>
+              <a:rPr sz="3600" b="0" i="0" u="none" dirty="0">
+                <a:solidFill>
+                  <a:srgbClr val="000000"/>
+                </a:solidFill>
+                <a:latin typeface="Times New Roman"/>
+                <a:ea typeface="Times New Roman"/>
+                <a:cs typeface="Times New Roman"/>
+              </a:rPr>
+              <a:t> </a:t>
+            </a:r>
+            <a:r>
+              <a:rPr sz="3600" b="0" i="0" u="none" dirty="0" err="1">
+                <a:solidFill>
+                  <a:srgbClr val="000000"/>
+                </a:solidFill>
+                <a:latin typeface="Times New Roman"/>
+                <a:ea typeface="Times New Roman"/>
+                <a:cs typeface="Times New Roman"/>
+              </a:rPr>
+              <a:t>или</a:t>
+            </a:r>
+            <a:r>
+              <a:rPr sz="3600" b="0" i="0" u="none" dirty="0">
+                <a:solidFill>
+                  <a:srgbClr val="000000"/>
+                </a:solidFill>
+                <a:latin typeface="Times New Roman"/>
+                <a:ea typeface="Times New Roman"/>
+                <a:cs typeface="Times New Roman"/>
+              </a:rPr>
+              <a:t> </a:t>
+            </a:r>
+            <a:r>
+              <a:rPr sz="3600" b="0" i="0" u="none" dirty="0" err="1">
+                <a:solidFill>
+                  <a:srgbClr val="000000"/>
+                </a:solidFill>
+                <a:latin typeface="Times New Roman"/>
+                <a:ea typeface="Times New Roman"/>
+                <a:cs typeface="Times New Roman"/>
+              </a:rPr>
+              <a:t>равно</a:t>
+            </a:r>
+            <a:r>
+              <a:rPr sz="3600" b="0" i="0" u="none" dirty="0">
+                <a:solidFill>
+                  <a:srgbClr val="000000"/>
+                </a:solidFill>
+                <a:latin typeface="Times New Roman"/>
+                <a:ea typeface="Times New Roman"/>
+                <a:cs typeface="Times New Roman"/>
+              </a:rPr>
+              <a:t> </a:t>
+            </a:r>
+            <a:r>
+              <a:rPr sz="3600" b="0" i="0" u="none" dirty="0" err="1">
+                <a:solidFill>
+                  <a:srgbClr val="000000"/>
+                </a:solidFill>
+                <a:latin typeface="Times New Roman"/>
+                <a:ea typeface="Times New Roman"/>
+                <a:cs typeface="Times New Roman"/>
+              </a:rPr>
+              <a:t>значениям</a:t>
+            </a:r>
+            <a:r>
+              <a:rPr sz="3600" b="0" i="0" u="none" dirty="0">
+                <a:solidFill>
+                  <a:srgbClr val="000000"/>
+                </a:solidFill>
+                <a:latin typeface="Times New Roman"/>
+                <a:ea typeface="Times New Roman"/>
+                <a:cs typeface="Times New Roman"/>
+              </a:rPr>
+              <a:t> </a:t>
+            </a:r>
+            <a:r>
+              <a:rPr sz="3600" b="0" i="0" u="none" dirty="0" err="1">
+                <a:solidFill>
+                  <a:srgbClr val="000000"/>
+                </a:solidFill>
+                <a:latin typeface="Times New Roman"/>
+                <a:ea typeface="Times New Roman"/>
+                <a:cs typeface="Times New Roman"/>
+              </a:rPr>
+              <a:t>его</a:t>
+            </a:r>
+            <a:r>
+              <a:rPr sz="3600" b="0" i="0" u="none" dirty="0">
+                <a:solidFill>
+                  <a:srgbClr val="000000"/>
+                </a:solidFill>
+                <a:latin typeface="Times New Roman"/>
+                <a:ea typeface="Times New Roman"/>
+                <a:cs typeface="Times New Roman"/>
+              </a:rPr>
+              <a:t> </a:t>
+            </a:r>
+            <a:r>
+              <a:rPr sz="3600" b="0" i="0" u="none" dirty="0" err="1">
+                <a:solidFill>
+                  <a:srgbClr val="000000"/>
+                </a:solidFill>
+                <a:latin typeface="Times New Roman"/>
+                <a:ea typeface="Times New Roman"/>
+                <a:cs typeface="Times New Roman"/>
+              </a:rPr>
+              <a:t>детей</a:t>
+            </a:r>
+            <a:r>
+              <a:rPr sz="3600" b="0" i="0" u="none" dirty="0">
+                <a:solidFill>
+                  <a:srgbClr val="000000"/>
+                </a:solidFill>
+                <a:latin typeface="Times New Roman"/>
+                <a:ea typeface="Times New Roman"/>
+                <a:cs typeface="Times New Roman"/>
+              </a:rPr>
+              <a:t>.</a:t>
+            </a:r>
+            <a:endParaRPr sz="3600" dirty="0"/>
+          </a:p>
+          <a:p>
+            <a:pPr>
+              <a:defRPr/>
+            </a:pPr>
+            <a:r>
+              <a:rPr sz="3600" b="1" i="0" u="none" dirty="0" err="1">
+                <a:solidFill>
+                  <a:srgbClr val="000000"/>
+                </a:solidFill>
+                <a:latin typeface="Times New Roman"/>
+                <a:ea typeface="Times New Roman"/>
+                <a:cs typeface="Times New Roman"/>
+              </a:rPr>
+              <a:t>Мин-куча</a:t>
+            </a:r>
+            <a:r>
+              <a:rPr sz="3600" b="0" i="0" u="none" dirty="0">
+                <a:solidFill>
+                  <a:srgbClr val="000000"/>
+                </a:solidFill>
+                <a:latin typeface="Times New Roman"/>
+                <a:ea typeface="Times New Roman"/>
+                <a:cs typeface="Times New Roman"/>
+              </a:rPr>
+              <a:t>: </a:t>
+            </a:r>
+            <a:r>
+              <a:rPr sz="3600" b="0" i="0" u="none" dirty="0" err="1">
+                <a:solidFill>
+                  <a:srgbClr val="000000"/>
+                </a:solidFill>
+                <a:latin typeface="Times New Roman"/>
+                <a:ea typeface="Times New Roman"/>
+                <a:cs typeface="Times New Roman"/>
+              </a:rPr>
+              <a:t>значение</a:t>
+            </a:r>
+            <a:r>
+              <a:rPr sz="3600" b="0" i="0" u="none" dirty="0">
+                <a:solidFill>
+                  <a:srgbClr val="000000"/>
+                </a:solidFill>
+                <a:latin typeface="Times New Roman"/>
+                <a:ea typeface="Times New Roman"/>
+                <a:cs typeface="Times New Roman"/>
+              </a:rPr>
+              <a:t> </a:t>
+            </a:r>
+            <a:r>
+              <a:rPr sz="3600" b="0" i="0" u="none" dirty="0" err="1">
+                <a:solidFill>
+                  <a:srgbClr val="000000"/>
+                </a:solidFill>
+                <a:latin typeface="Times New Roman"/>
+                <a:ea typeface="Times New Roman"/>
+                <a:cs typeface="Times New Roman"/>
+              </a:rPr>
+              <a:t>родительского</a:t>
+            </a:r>
+            <a:r>
+              <a:rPr sz="3600" b="0" i="0" u="none" dirty="0">
+                <a:solidFill>
+                  <a:srgbClr val="000000"/>
+                </a:solidFill>
+                <a:latin typeface="Times New Roman"/>
+                <a:ea typeface="Times New Roman"/>
+                <a:cs typeface="Times New Roman"/>
+              </a:rPr>
+              <a:t> </a:t>
+            </a:r>
+            <a:r>
+              <a:rPr sz="3600" b="0" i="0" u="none" dirty="0" err="1">
+                <a:solidFill>
+                  <a:srgbClr val="000000"/>
+                </a:solidFill>
+                <a:latin typeface="Times New Roman"/>
+                <a:ea typeface="Times New Roman"/>
+                <a:cs typeface="Times New Roman"/>
+              </a:rPr>
+              <a:t>узла</a:t>
+            </a:r>
+            <a:r>
+              <a:rPr sz="3600" b="0" i="0" u="none" dirty="0">
+                <a:solidFill>
+                  <a:srgbClr val="000000"/>
+                </a:solidFill>
+                <a:latin typeface="Times New Roman"/>
+                <a:ea typeface="Times New Roman"/>
+                <a:cs typeface="Times New Roman"/>
+              </a:rPr>
+              <a:t> </a:t>
+            </a:r>
+            <a:r>
+              <a:rPr sz="3600" b="0" i="0" u="none" dirty="0" err="1">
+                <a:solidFill>
+                  <a:srgbClr val="000000"/>
+                </a:solidFill>
+                <a:latin typeface="Times New Roman"/>
+                <a:ea typeface="Times New Roman"/>
+                <a:cs typeface="Times New Roman"/>
+              </a:rPr>
+              <a:t>меньше</a:t>
+            </a:r>
+            <a:r>
+              <a:rPr sz="3600" b="0" i="0" u="none" dirty="0">
+                <a:solidFill>
+                  <a:srgbClr val="000000"/>
+                </a:solidFill>
+                <a:latin typeface="Times New Roman"/>
+                <a:ea typeface="Times New Roman"/>
+                <a:cs typeface="Times New Roman"/>
+              </a:rPr>
+              <a:t> </a:t>
+            </a:r>
+            <a:r>
+              <a:rPr sz="3600" b="0" i="0" u="none" dirty="0" err="1">
+                <a:solidFill>
+                  <a:srgbClr val="000000"/>
+                </a:solidFill>
+                <a:latin typeface="Times New Roman"/>
+                <a:ea typeface="Times New Roman"/>
+                <a:cs typeface="Times New Roman"/>
+              </a:rPr>
+              <a:t>или</a:t>
+            </a:r>
+            <a:r>
+              <a:rPr sz="3600" b="0" i="0" u="none" dirty="0">
+                <a:solidFill>
+                  <a:srgbClr val="000000"/>
+                </a:solidFill>
+                <a:latin typeface="Times New Roman"/>
+                <a:ea typeface="Times New Roman"/>
+                <a:cs typeface="Times New Roman"/>
+              </a:rPr>
+              <a:t> </a:t>
+            </a:r>
+            <a:r>
+              <a:rPr sz="3600" b="0" i="0" u="none" dirty="0" err="1">
+                <a:solidFill>
+                  <a:srgbClr val="000000"/>
+                </a:solidFill>
+                <a:latin typeface="Times New Roman"/>
+                <a:ea typeface="Times New Roman"/>
+                <a:cs typeface="Times New Roman"/>
+              </a:rPr>
+              <a:t>равно</a:t>
+            </a:r>
+            <a:r>
+              <a:rPr sz="3600" b="0" i="0" u="none" dirty="0">
+                <a:solidFill>
+                  <a:srgbClr val="000000"/>
+                </a:solidFill>
+                <a:latin typeface="Times New Roman"/>
+                <a:ea typeface="Times New Roman"/>
+                <a:cs typeface="Times New Roman"/>
+              </a:rPr>
+              <a:t> </a:t>
+            </a:r>
+            <a:r>
+              <a:rPr sz="3600" b="0" i="0" u="none" dirty="0" err="1">
+                <a:solidFill>
+                  <a:srgbClr val="000000"/>
+                </a:solidFill>
+                <a:latin typeface="Times New Roman"/>
+                <a:ea typeface="Times New Roman"/>
+                <a:cs typeface="Times New Roman"/>
+              </a:rPr>
+              <a:t>значениям</a:t>
+            </a:r>
+            <a:r>
+              <a:rPr sz="3600" b="0" i="0" u="none" dirty="0">
+                <a:solidFill>
+                  <a:srgbClr val="000000"/>
+                </a:solidFill>
+                <a:latin typeface="Times New Roman"/>
+                <a:ea typeface="Times New Roman"/>
+                <a:cs typeface="Times New Roman"/>
+              </a:rPr>
+              <a:t> </a:t>
+            </a:r>
+            <a:r>
+              <a:rPr sz="3600" b="0" i="0" u="none" dirty="0" err="1">
+                <a:solidFill>
+                  <a:srgbClr val="000000"/>
+                </a:solidFill>
+                <a:latin typeface="Times New Roman"/>
+                <a:ea typeface="Times New Roman"/>
+                <a:cs typeface="Times New Roman"/>
+              </a:rPr>
+              <a:t>его</a:t>
+            </a:r>
+            <a:r>
+              <a:rPr sz="3600" b="0" i="0" u="none" dirty="0">
+                <a:solidFill>
+                  <a:srgbClr val="000000"/>
+                </a:solidFill>
+                <a:latin typeface="Times New Roman"/>
+                <a:ea typeface="Times New Roman"/>
+                <a:cs typeface="Times New Roman"/>
+              </a:rPr>
+              <a:t> </a:t>
+            </a:r>
+            <a:r>
+              <a:rPr sz="3600" b="0" i="0" u="none" dirty="0" err="1">
+                <a:solidFill>
+                  <a:srgbClr val="000000"/>
+                </a:solidFill>
+                <a:latin typeface="Times New Roman"/>
+                <a:ea typeface="Times New Roman"/>
+                <a:cs typeface="Times New Roman"/>
+              </a:rPr>
+              <a:t>детей</a:t>
+            </a:r>
+            <a:r>
+              <a:rPr sz="3600" b="0" i="0" u="none" dirty="0">
+                <a:solidFill>
+                  <a:srgbClr val="000000"/>
+                </a:solidFill>
+                <a:latin typeface="Times New Roman"/>
+                <a:ea typeface="Times New Roman"/>
+                <a:cs typeface="Times New Roman"/>
+              </a:rPr>
+              <a:t>.</a:t>
+            </a:r>
+            <a:endParaRPr sz="3600" dirty="0"/>
+          </a:p>
+          <a:p>
+            <a:pPr>
+              <a:defRPr/>
+            </a:pPr>
+            <a:r>
+              <a:rPr sz="3600" b="1" i="0" u="none" dirty="0" err="1">
+                <a:solidFill>
+                  <a:srgbClr val="000000"/>
+                </a:solidFill>
+                <a:latin typeface="Times New Roman"/>
+                <a:ea typeface="Times New Roman"/>
+                <a:cs typeface="Times New Roman"/>
+              </a:rPr>
+              <a:t>Шаги</a:t>
+            </a:r>
+            <a:r>
+              <a:rPr sz="3600" b="1" i="0" u="none" dirty="0">
+                <a:solidFill>
+                  <a:srgbClr val="000000"/>
+                </a:solidFill>
+                <a:latin typeface="Times New Roman"/>
+                <a:ea typeface="Times New Roman"/>
+                <a:cs typeface="Times New Roman"/>
+              </a:rPr>
+              <a:t> </a:t>
+            </a:r>
+            <a:r>
+              <a:rPr sz="3600" b="1" i="0" u="none" dirty="0" err="1">
+                <a:solidFill>
+                  <a:srgbClr val="000000"/>
+                </a:solidFill>
+                <a:latin typeface="Times New Roman"/>
+                <a:ea typeface="Times New Roman"/>
+                <a:cs typeface="Times New Roman"/>
+              </a:rPr>
+              <a:t>алгоритма</a:t>
+            </a:r>
+            <a:r>
+              <a:rPr sz="3600" b="0" i="0" u="none" dirty="0">
+                <a:solidFill>
+                  <a:srgbClr val="000000"/>
+                </a:solidFill>
+                <a:latin typeface="Times New Roman"/>
+                <a:ea typeface="Times New Roman"/>
+                <a:cs typeface="Times New Roman"/>
+              </a:rPr>
+              <a:t>:</a:t>
+            </a:r>
+            <a:endParaRPr sz="3600" dirty="0"/>
+          </a:p>
+          <a:p>
+            <a:pPr>
+              <a:defRPr/>
+            </a:pPr>
+            <a:r>
+              <a:rPr sz="3600" b="1" i="0" u="none" dirty="0" err="1">
+                <a:solidFill>
+                  <a:srgbClr val="000000"/>
+                </a:solidFill>
+                <a:latin typeface="Times New Roman"/>
+                <a:ea typeface="Times New Roman"/>
+                <a:cs typeface="Times New Roman"/>
+              </a:rPr>
+              <a:t>Построение</a:t>
+            </a:r>
+            <a:r>
+              <a:rPr sz="3600" b="1" i="0" u="none" dirty="0">
+                <a:solidFill>
+                  <a:srgbClr val="000000"/>
+                </a:solidFill>
+                <a:latin typeface="Times New Roman"/>
+                <a:ea typeface="Times New Roman"/>
+                <a:cs typeface="Times New Roman"/>
+              </a:rPr>
+              <a:t> </a:t>
+            </a:r>
+            <a:r>
+              <a:rPr sz="3600" b="1" i="0" u="none" dirty="0" err="1">
+                <a:solidFill>
+                  <a:srgbClr val="000000"/>
+                </a:solidFill>
+                <a:latin typeface="Times New Roman"/>
+                <a:ea typeface="Times New Roman"/>
+                <a:cs typeface="Times New Roman"/>
+              </a:rPr>
+              <a:t>кучи</a:t>
+            </a:r>
+            <a:r>
+              <a:rPr sz="3600" b="0" i="0" u="none" dirty="0">
+                <a:solidFill>
+                  <a:srgbClr val="000000"/>
+                </a:solidFill>
+                <a:latin typeface="Times New Roman"/>
+                <a:ea typeface="Times New Roman"/>
+                <a:cs typeface="Times New Roman"/>
+              </a:rPr>
+              <a:t>: </a:t>
+            </a:r>
+            <a:r>
+              <a:rPr sz="3600" b="0" i="0" u="none" dirty="0" err="1">
+                <a:solidFill>
+                  <a:srgbClr val="000000"/>
+                </a:solidFill>
+                <a:latin typeface="Times New Roman"/>
+                <a:ea typeface="Times New Roman"/>
+                <a:cs typeface="Times New Roman"/>
+              </a:rPr>
+              <a:t>Для</a:t>
+            </a:r>
+            <a:r>
+              <a:rPr sz="3600" b="0" i="0" u="none" dirty="0">
+                <a:solidFill>
+                  <a:srgbClr val="000000"/>
+                </a:solidFill>
+                <a:latin typeface="Times New Roman"/>
+                <a:ea typeface="Times New Roman"/>
+                <a:cs typeface="Times New Roman"/>
+              </a:rPr>
+              <a:t> </a:t>
+            </a:r>
+            <a:r>
+              <a:rPr sz="3600" b="0" i="0" u="none" dirty="0" err="1">
+                <a:solidFill>
+                  <a:srgbClr val="000000"/>
+                </a:solidFill>
+                <a:latin typeface="Times New Roman"/>
+                <a:ea typeface="Times New Roman"/>
+                <a:cs typeface="Times New Roman"/>
+              </a:rPr>
+              <a:t>каждого</a:t>
+            </a:r>
+            <a:r>
+              <a:rPr sz="3600" b="0" i="0" u="none" dirty="0">
+                <a:solidFill>
+                  <a:srgbClr val="000000"/>
+                </a:solidFill>
+                <a:latin typeface="Times New Roman"/>
+                <a:ea typeface="Times New Roman"/>
+                <a:cs typeface="Times New Roman"/>
+              </a:rPr>
+              <a:t> </a:t>
+            </a:r>
+            <a:r>
+              <a:rPr sz="3600" b="0" i="0" u="none" dirty="0" err="1">
+                <a:solidFill>
+                  <a:srgbClr val="000000"/>
+                </a:solidFill>
+                <a:latin typeface="Times New Roman"/>
+                <a:ea typeface="Times New Roman"/>
+                <a:cs typeface="Times New Roman"/>
+              </a:rPr>
+              <a:t>узла</a:t>
+            </a:r>
+            <a:r>
+              <a:rPr sz="3600" b="0" i="0" u="none" dirty="0">
+                <a:solidFill>
+                  <a:srgbClr val="000000"/>
+                </a:solidFill>
+                <a:latin typeface="Times New Roman"/>
+                <a:ea typeface="Times New Roman"/>
+                <a:cs typeface="Times New Roman"/>
+              </a:rPr>
+              <a:t> </a:t>
+            </a:r>
+            <a:r>
+              <a:rPr sz="3600" b="0" i="0" u="none" dirty="0" err="1">
+                <a:solidFill>
+                  <a:srgbClr val="000000"/>
+                </a:solidFill>
+                <a:latin typeface="Times New Roman"/>
+                <a:ea typeface="Times New Roman"/>
+                <a:cs typeface="Times New Roman"/>
+              </a:rPr>
+              <a:t>в</a:t>
+            </a:r>
+            <a:r>
+              <a:rPr sz="3600" b="0" i="0" u="none" dirty="0">
+                <a:solidFill>
+                  <a:srgbClr val="000000"/>
+                </a:solidFill>
+                <a:latin typeface="Times New Roman"/>
+                <a:ea typeface="Times New Roman"/>
+                <a:cs typeface="Times New Roman"/>
+              </a:rPr>
+              <a:t> </a:t>
+            </a:r>
+            <a:r>
+              <a:rPr sz="3600" b="0" i="0" u="none" dirty="0" err="1">
+                <a:solidFill>
+                  <a:srgbClr val="000000"/>
+                </a:solidFill>
+                <a:latin typeface="Times New Roman"/>
+                <a:ea typeface="Times New Roman"/>
+                <a:cs typeface="Times New Roman"/>
+              </a:rPr>
+              <a:t>поддереве</a:t>
+            </a:r>
+            <a:r>
+              <a:rPr sz="3600" b="0" i="0" u="none" dirty="0">
+                <a:solidFill>
+                  <a:srgbClr val="000000"/>
+                </a:solidFill>
+                <a:latin typeface="Times New Roman"/>
+                <a:ea typeface="Times New Roman"/>
+                <a:cs typeface="Times New Roman"/>
+              </a:rPr>
+              <a:t> </a:t>
+            </a:r>
+            <a:r>
+              <a:rPr sz="3600" b="0" i="0" u="none" dirty="0" err="1">
+                <a:solidFill>
+                  <a:srgbClr val="000000"/>
+                </a:solidFill>
+                <a:latin typeface="Times New Roman"/>
+                <a:ea typeface="Times New Roman"/>
+                <a:cs typeface="Times New Roman"/>
+              </a:rPr>
+              <a:t>восстанавливается</a:t>
+            </a:r>
+            <a:r>
+              <a:rPr sz="3600" b="0" i="0" u="none" dirty="0">
+                <a:solidFill>
+                  <a:srgbClr val="000000"/>
+                </a:solidFill>
+                <a:latin typeface="Times New Roman"/>
+                <a:ea typeface="Times New Roman"/>
+                <a:cs typeface="Times New Roman"/>
+              </a:rPr>
+              <a:t> </a:t>
+            </a:r>
+            <a:r>
+              <a:rPr sz="3600" b="0" i="0" u="none" dirty="0" err="1">
+                <a:solidFill>
+                  <a:srgbClr val="000000"/>
+                </a:solidFill>
+                <a:latin typeface="Times New Roman"/>
+                <a:ea typeface="Times New Roman"/>
+                <a:cs typeface="Times New Roman"/>
+              </a:rPr>
+              <a:t>свойство</a:t>
+            </a:r>
+            <a:r>
+              <a:rPr sz="3600" b="0" i="0" u="none" dirty="0">
+                <a:solidFill>
+                  <a:srgbClr val="000000"/>
+                </a:solidFill>
+                <a:latin typeface="Times New Roman"/>
+                <a:ea typeface="Times New Roman"/>
+                <a:cs typeface="Times New Roman"/>
+              </a:rPr>
+              <a:t> </a:t>
+            </a:r>
+            <a:r>
+              <a:rPr sz="3600" b="0" i="0" u="none" dirty="0" err="1">
+                <a:solidFill>
+                  <a:srgbClr val="000000"/>
+                </a:solidFill>
+                <a:latin typeface="Times New Roman"/>
+                <a:ea typeface="Times New Roman"/>
+                <a:cs typeface="Times New Roman"/>
+              </a:rPr>
+              <a:t>кучи</a:t>
+            </a:r>
+            <a:r>
+              <a:rPr sz="3600" b="0" i="0" u="none" dirty="0">
+                <a:solidFill>
+                  <a:srgbClr val="000000"/>
+                </a:solidFill>
+                <a:latin typeface="Times New Roman"/>
+                <a:ea typeface="Times New Roman"/>
+                <a:cs typeface="Times New Roman"/>
+              </a:rPr>
+              <a:t>.</a:t>
+            </a:r>
+            <a:endParaRPr sz="3600" dirty="0"/>
+          </a:p>
+          <a:p>
+            <a:pPr>
+              <a:defRPr/>
+            </a:pPr>
+            <a:r>
+              <a:rPr sz="3600" b="1" i="0" u="none" dirty="0" err="1">
+                <a:solidFill>
+                  <a:srgbClr val="000000"/>
+                </a:solidFill>
+                <a:latin typeface="Times New Roman"/>
+                <a:ea typeface="Times New Roman"/>
+                <a:cs typeface="Times New Roman"/>
+              </a:rPr>
+              <a:t>Извлечение</a:t>
+            </a:r>
+            <a:r>
+              <a:rPr sz="3600" b="1" i="0" u="none" dirty="0">
+                <a:solidFill>
+                  <a:srgbClr val="000000"/>
+                </a:solidFill>
+                <a:latin typeface="Times New Roman"/>
+                <a:ea typeface="Times New Roman"/>
+                <a:cs typeface="Times New Roman"/>
+              </a:rPr>
+              <a:t> </a:t>
+            </a:r>
+            <a:r>
+              <a:rPr sz="3600" b="1" i="0" u="none" dirty="0" err="1">
+                <a:solidFill>
+                  <a:srgbClr val="000000"/>
+                </a:solidFill>
+                <a:latin typeface="Times New Roman"/>
+                <a:ea typeface="Times New Roman"/>
+                <a:cs typeface="Times New Roman"/>
+              </a:rPr>
+              <a:t>максимального</a:t>
+            </a:r>
+            <a:r>
+              <a:rPr sz="3600" b="1" i="0" u="none" dirty="0">
+                <a:solidFill>
+                  <a:srgbClr val="000000"/>
+                </a:solidFill>
+                <a:latin typeface="Times New Roman"/>
+                <a:ea typeface="Times New Roman"/>
+                <a:cs typeface="Times New Roman"/>
+              </a:rPr>
+              <a:t> </a:t>
+            </a:r>
+            <a:r>
+              <a:rPr sz="3600" b="1" i="0" u="none" dirty="0" err="1">
+                <a:solidFill>
+                  <a:srgbClr val="000000"/>
+                </a:solidFill>
+                <a:latin typeface="Times New Roman"/>
+                <a:ea typeface="Times New Roman"/>
+                <a:cs typeface="Times New Roman"/>
+              </a:rPr>
+              <a:t>элемента</a:t>
+            </a:r>
+            <a:r>
+              <a:rPr sz="3600" b="0" i="0" u="none" dirty="0">
+                <a:solidFill>
+                  <a:srgbClr val="000000"/>
+                </a:solidFill>
+                <a:latin typeface="Times New Roman"/>
+                <a:ea typeface="Times New Roman"/>
+                <a:cs typeface="Times New Roman"/>
+              </a:rPr>
+              <a:t>: </a:t>
+            </a:r>
+            <a:r>
+              <a:rPr sz="3600" b="0" i="0" u="none" dirty="0" err="1">
+                <a:solidFill>
+                  <a:srgbClr val="000000"/>
+                </a:solidFill>
+                <a:latin typeface="Times New Roman"/>
+                <a:ea typeface="Times New Roman"/>
+                <a:cs typeface="Times New Roman"/>
+              </a:rPr>
+              <a:t>Максимальный</a:t>
+            </a:r>
+            <a:r>
+              <a:rPr sz="3600" b="0" i="0" u="none" dirty="0">
+                <a:solidFill>
+                  <a:srgbClr val="000000"/>
+                </a:solidFill>
+                <a:latin typeface="Times New Roman"/>
+                <a:ea typeface="Times New Roman"/>
+                <a:cs typeface="Times New Roman"/>
+              </a:rPr>
+              <a:t> </a:t>
+            </a:r>
+            <a:r>
+              <a:rPr sz="3600" b="0" i="0" u="none" dirty="0" err="1">
+                <a:solidFill>
+                  <a:srgbClr val="000000"/>
+                </a:solidFill>
+                <a:latin typeface="Times New Roman"/>
+                <a:ea typeface="Times New Roman"/>
+                <a:cs typeface="Times New Roman"/>
+              </a:rPr>
+              <a:t>элемент</a:t>
+            </a:r>
+            <a:r>
+              <a:rPr sz="3600" b="0" i="0" u="none" dirty="0">
+                <a:solidFill>
+                  <a:srgbClr val="000000"/>
+                </a:solidFill>
+                <a:latin typeface="Times New Roman"/>
+                <a:ea typeface="Times New Roman"/>
+                <a:cs typeface="Times New Roman"/>
+              </a:rPr>
+              <a:t> (</a:t>
+            </a:r>
+            <a:r>
+              <a:rPr sz="3600" b="0" i="0" u="none" dirty="0" err="1">
+                <a:solidFill>
+                  <a:srgbClr val="000000"/>
+                </a:solidFill>
+                <a:latin typeface="Times New Roman"/>
+                <a:ea typeface="Times New Roman"/>
+                <a:cs typeface="Times New Roman"/>
+              </a:rPr>
+              <a:t>корень</a:t>
+            </a:r>
+            <a:r>
+              <a:rPr sz="3600" b="0" i="0" u="none" dirty="0">
+                <a:solidFill>
+                  <a:srgbClr val="000000"/>
+                </a:solidFill>
+                <a:latin typeface="Times New Roman"/>
+                <a:ea typeface="Times New Roman"/>
+                <a:cs typeface="Times New Roman"/>
+              </a:rPr>
+              <a:t>) </a:t>
+            </a:r>
+            <a:r>
+              <a:rPr sz="3600" b="0" i="0" u="none" dirty="0" err="1">
+                <a:solidFill>
+                  <a:srgbClr val="000000"/>
+                </a:solidFill>
+                <a:latin typeface="Times New Roman"/>
+                <a:ea typeface="Times New Roman"/>
+                <a:cs typeface="Times New Roman"/>
+              </a:rPr>
+              <a:t>перемещается</a:t>
+            </a:r>
+            <a:r>
+              <a:rPr sz="3600" b="0" i="0" u="none" dirty="0">
+                <a:solidFill>
+                  <a:srgbClr val="000000"/>
+                </a:solidFill>
+                <a:latin typeface="Times New Roman"/>
+                <a:ea typeface="Times New Roman"/>
+                <a:cs typeface="Times New Roman"/>
+              </a:rPr>
+              <a:t> </a:t>
+            </a:r>
+            <a:r>
+              <a:rPr sz="3600" b="0" i="0" u="none" dirty="0" err="1">
+                <a:solidFill>
+                  <a:srgbClr val="000000"/>
+                </a:solidFill>
+                <a:latin typeface="Times New Roman"/>
+                <a:ea typeface="Times New Roman"/>
+                <a:cs typeface="Times New Roman"/>
+              </a:rPr>
+              <a:t>в</a:t>
+            </a:r>
+            <a:r>
+              <a:rPr sz="3600" b="0" i="0" u="none" dirty="0">
+                <a:solidFill>
+                  <a:srgbClr val="000000"/>
+                </a:solidFill>
+                <a:latin typeface="Times New Roman"/>
+                <a:ea typeface="Times New Roman"/>
+                <a:cs typeface="Times New Roman"/>
+              </a:rPr>
+              <a:t> </a:t>
+            </a:r>
+            <a:r>
+              <a:rPr sz="3600" b="0" i="0" u="none" dirty="0" err="1">
+                <a:solidFill>
+                  <a:srgbClr val="000000"/>
+                </a:solidFill>
+                <a:latin typeface="Times New Roman"/>
+                <a:ea typeface="Times New Roman"/>
+                <a:cs typeface="Times New Roman"/>
+              </a:rPr>
+              <a:t>конец</a:t>
+            </a:r>
+            <a:r>
+              <a:rPr sz="3600" b="0" i="0" u="none" dirty="0">
+                <a:solidFill>
+                  <a:srgbClr val="000000"/>
+                </a:solidFill>
+                <a:latin typeface="Times New Roman"/>
+                <a:ea typeface="Times New Roman"/>
+                <a:cs typeface="Times New Roman"/>
+              </a:rPr>
+              <a:t> </a:t>
+            </a:r>
+            <a:r>
+              <a:rPr sz="3600" b="0" i="0" u="none" dirty="0" err="1">
+                <a:solidFill>
+                  <a:srgbClr val="000000"/>
+                </a:solidFill>
+                <a:latin typeface="Times New Roman"/>
+                <a:ea typeface="Times New Roman"/>
+                <a:cs typeface="Times New Roman"/>
+              </a:rPr>
+              <a:t>массива</a:t>
+            </a:r>
+            <a:r>
+              <a:rPr sz="3600" b="0" i="0" u="none" dirty="0">
+                <a:solidFill>
+                  <a:srgbClr val="000000"/>
+                </a:solidFill>
+                <a:latin typeface="Times New Roman"/>
+                <a:ea typeface="Times New Roman"/>
+                <a:cs typeface="Times New Roman"/>
+              </a:rPr>
+              <a:t>. </a:t>
+            </a:r>
+            <a:r>
+              <a:rPr sz="3600" b="0" i="0" u="none" dirty="0" err="1">
+                <a:solidFill>
+                  <a:srgbClr val="000000"/>
+                </a:solidFill>
+                <a:latin typeface="Times New Roman"/>
+                <a:ea typeface="Times New Roman"/>
+                <a:cs typeface="Times New Roman"/>
+              </a:rPr>
+              <a:t>После</a:t>
+            </a:r>
+            <a:r>
+              <a:rPr sz="3600" b="0" i="0" u="none" dirty="0">
+                <a:solidFill>
+                  <a:srgbClr val="000000"/>
+                </a:solidFill>
+                <a:latin typeface="Times New Roman"/>
+                <a:ea typeface="Times New Roman"/>
+                <a:cs typeface="Times New Roman"/>
+              </a:rPr>
+              <a:t> </a:t>
+            </a:r>
+            <a:r>
+              <a:rPr sz="3600" b="0" i="0" u="none" dirty="0" err="1">
+                <a:solidFill>
+                  <a:srgbClr val="000000"/>
+                </a:solidFill>
+                <a:latin typeface="Times New Roman"/>
+                <a:ea typeface="Times New Roman"/>
+                <a:cs typeface="Times New Roman"/>
+              </a:rPr>
+              <a:t>этого</a:t>
+            </a:r>
+            <a:r>
+              <a:rPr sz="3600" b="0" i="0" u="none" dirty="0">
+                <a:solidFill>
+                  <a:srgbClr val="000000"/>
+                </a:solidFill>
+                <a:latin typeface="Times New Roman"/>
+                <a:ea typeface="Times New Roman"/>
+                <a:cs typeface="Times New Roman"/>
+              </a:rPr>
+              <a:t> </a:t>
+            </a:r>
+            <a:r>
+              <a:rPr sz="3600" b="0" i="0" u="none" dirty="0" err="1">
+                <a:solidFill>
+                  <a:srgbClr val="000000"/>
+                </a:solidFill>
+                <a:latin typeface="Times New Roman"/>
+                <a:ea typeface="Times New Roman"/>
+                <a:cs typeface="Times New Roman"/>
+              </a:rPr>
+              <a:t>восстанавливается</a:t>
+            </a:r>
+            <a:r>
+              <a:rPr sz="3600" b="0" i="0" u="none" dirty="0">
+                <a:solidFill>
+                  <a:srgbClr val="000000"/>
+                </a:solidFill>
+                <a:latin typeface="Times New Roman"/>
+                <a:ea typeface="Times New Roman"/>
+                <a:cs typeface="Times New Roman"/>
+              </a:rPr>
+              <a:t> </a:t>
+            </a:r>
+            <a:r>
+              <a:rPr sz="3600" b="0" i="0" u="none" dirty="0" err="1">
                 <a:solidFill>
                   <a:srgbClr val="000000"/>
                 </a:solidFill>
@@ -11187,101 +12472,83 @@
               <a:t>куча</a:t>
             </a:r>
             <a:r>
-              <a:rPr sz="3600" b="0" i="0" u="none">
-                <a:solidFill>
-                  <a:srgbClr val="000000"/>
-                </a:solidFill>
-                <a:latin typeface="Times New Roman"/>
-                <a:ea typeface="Times New Roman"/>
-                <a:cs typeface="Times New Roman"/>
-              </a:rPr>
-              <a:t> (heap).</a:t>
-            </a:r>
-            <a:endParaRPr sz="3600"/>
-          </a:p>
-          <a:p>
-            <a:pPr>
-              <a:defRPr/>
-            </a:pPr>
-            <a:r>
-              <a:rPr sz="3600" b="0" i="0" u="none">
-                <a:solidFill>
-                  <a:srgbClr val="000000"/>
-                </a:solidFill>
-                <a:latin typeface="Times New Roman"/>
-                <a:ea typeface="Times New Roman"/>
-                <a:cs typeface="Times New Roman"/>
-              </a:rPr>
-              <a:t>Он использует концепцию бинарной кучи для эффективной сортировки.</a:t>
-            </a:r>
-            <a:endParaRPr sz="3600"/>
-          </a:p>
-          <a:p>
-            <a:pPr>
-              <a:defRPr/>
-            </a:pPr>
-            <a:r>
-              <a:rPr sz="3600" b="1" i="0" u="none">
-                <a:solidFill>
-                  <a:srgbClr val="000000"/>
-                </a:solidFill>
-                <a:latin typeface="Times New Roman"/>
-                <a:ea typeface="Times New Roman"/>
-                <a:cs typeface="Times New Roman"/>
-              </a:rPr>
-              <a:t>Основная идея</a:t>
-            </a:r>
-            <a:r>
-              <a:rPr sz="3600" b="0" i="0" u="none">
-                <a:solidFill>
-                  <a:srgbClr val="000000"/>
-                </a:solidFill>
-                <a:latin typeface="Times New Roman"/>
-                <a:ea typeface="Times New Roman"/>
-                <a:cs typeface="Times New Roman"/>
-              </a:rPr>
-              <a:t>: Построение кучи из массива и последовательное извлечение максимальных элементов для их размещения в отсортированном массиве.</a:t>
-            </a:r>
-            <a:endParaRPr sz="3600"/>
-          </a:p>
-          <a:p>
-            <a:pPr>
-              <a:defRPr/>
-            </a:pPr>
-            <a:r>
-              <a:rPr sz="3600" b="0" i="0" u="none">
-                <a:solidFill>
-                  <a:srgbClr val="000000"/>
-                </a:solidFill>
-                <a:latin typeface="Times New Roman"/>
-                <a:ea typeface="Times New Roman"/>
-                <a:cs typeface="Times New Roman"/>
-              </a:rPr>
-              <a:t>Алгоритм работает за </a:t>
-            </a:r>
-            <a:r>
-              <a:rPr sz="3600" b="1" i="0" u="none">
-                <a:solidFill>
-                  <a:srgbClr val="000000"/>
-                </a:solidFill>
-                <a:latin typeface="Times New Roman"/>
-                <a:ea typeface="Times New Roman"/>
-                <a:cs typeface="Times New Roman"/>
-              </a:rPr>
-              <a:t>O(n log n)</a:t>
-            </a:r>
-            <a:r>
-              <a:rPr sz="3600" b="0" i="0" u="none">
-                <a:solidFill>
-                  <a:srgbClr val="000000"/>
-                </a:solidFill>
-                <a:latin typeface="Times New Roman"/>
-                <a:ea typeface="Times New Roman"/>
-                <a:cs typeface="Times New Roman"/>
-              </a:rPr>
-              <a:t> по времени, что делает его эффективным для сортировки больших массивов</a:t>
-            </a:r>
-            <a:endParaRPr sz="3600"/>
+              <a:rPr sz="3600" b="0" i="0" u="none" dirty="0">
+                <a:solidFill>
+                  <a:srgbClr val="000000"/>
+                </a:solidFill>
+                <a:latin typeface="Times New Roman"/>
+                <a:ea typeface="Times New Roman"/>
+                <a:cs typeface="Times New Roman"/>
+              </a:rPr>
+              <a:t> </a:t>
+            </a:r>
+            <a:r>
+              <a:rPr sz="3600" b="0" i="0" u="none" dirty="0" err="1">
+                <a:solidFill>
+                  <a:srgbClr val="000000"/>
+                </a:solidFill>
+                <a:latin typeface="Times New Roman"/>
+                <a:ea typeface="Times New Roman"/>
+                <a:cs typeface="Times New Roman"/>
+              </a:rPr>
+              <a:t>для</a:t>
+            </a:r>
+            <a:r>
+              <a:rPr sz="3600" b="0" i="0" u="none" dirty="0">
+                <a:solidFill>
+                  <a:srgbClr val="000000"/>
+                </a:solidFill>
+                <a:latin typeface="Times New Roman"/>
+                <a:ea typeface="Times New Roman"/>
+                <a:cs typeface="Times New Roman"/>
+              </a:rPr>
+              <a:t> </a:t>
+            </a:r>
+            <a:r>
+              <a:rPr sz="3600" b="0" i="0" u="none" dirty="0" err="1">
+                <a:solidFill>
+                  <a:srgbClr val="000000"/>
+                </a:solidFill>
+                <a:latin typeface="Times New Roman"/>
+                <a:ea typeface="Times New Roman"/>
+                <a:cs typeface="Times New Roman"/>
+              </a:rPr>
+              <a:t>оставшихся</a:t>
+            </a:r>
+            <a:r>
+              <a:rPr sz="3600" b="0" i="0" u="none" dirty="0">
+                <a:solidFill>
+                  <a:srgbClr val="000000"/>
+                </a:solidFill>
+                <a:latin typeface="Times New Roman"/>
+                <a:ea typeface="Times New Roman"/>
+                <a:cs typeface="Times New Roman"/>
+              </a:rPr>
+              <a:t> </a:t>
+            </a:r>
+            <a:r>
+              <a:rPr sz="3600" b="0" i="0" u="none" dirty="0" err="1">
+                <a:solidFill>
+                  <a:srgbClr val="000000"/>
+                </a:solidFill>
+                <a:latin typeface="Times New Roman"/>
+                <a:ea typeface="Times New Roman"/>
+                <a:cs typeface="Times New Roman"/>
+              </a:rPr>
+              <a:t>элементов</a:t>
+            </a:r>
+            <a:r>
+              <a:rPr sz="3600" b="0" i="0" u="none" dirty="0">
+                <a:solidFill>
+                  <a:srgbClr val="000000"/>
+                </a:solidFill>
+                <a:latin typeface="Times New Roman"/>
+                <a:ea typeface="Times New Roman"/>
+                <a:cs typeface="Times New Roman"/>
+              </a:rPr>
+              <a:t>.</a:t>
+            </a:r>
+            <a:endParaRPr sz="3600" dirty="0"/>
           </a:p>
         </p:txBody>
       </p:sp>
@@ -11305,7 +12572,7 @@
             </a:pPr>
             <a:fld id="{66B5E2A4-72D4-4DC4-9470-54C0EE06E412}" type="slidenum">
               <a:rPr lang="ru-RU"/>
-              <a:t>2</a:t>
+              <a:t>3</a:t>
             </a:fld>
             <a:endParaRPr lang="ru-RU"/>
           </a:p>
@@ -11313,7 +12580,7 @@
       </p:sp>
       <p:pic>
         <p:nvPicPr>
-          <p:cNvPr id="608490413" name=""/>
+          <p:cNvPr id="666571501" name="Рисунок 666571500"/>
           <p:cNvPicPr>
             <a:picLocks noChangeAspect="1"/>
           </p:cNvPicPr>
@@ -11324,9 +12591,9 @@
           <a:stretch/>
         </p:blipFill>
         <p:spPr bwMode="auto">
-          <a:xfrm flipH="0" flipV="0">
-            <a:off x="3369027" y="7268763"/>
-            <a:ext cx="12440355" cy="5362221"/>
+          <a:xfrm>
+            <a:off x="14663257" y="3994483"/>
+            <a:ext cx="9408548" cy="5918571"/>
           </a:xfrm>
           <a:prstGeom prst="rect">
             <a:avLst/>
@@ -11338,20 +12605,12 @@
   <p:clrMapOvr>
     <a:masterClrMapping/>
   </p:clrMapOvr>
-  <mc:AlternateContent xmlns:mc="http://schemas.openxmlformats.org/markup-compatibility/2006">
-    <mc:Choice xmlns:p159="http://schemas.microsoft.com/office/powerpoint/2015/09/main" xmlns:p14="http://schemas.microsoft.com/office/powerpoint/2010/main" Requires="p159">
-      <p:transition p14:dur="2000" advClick="1"/>
-    </mc:Choice>
-    <mc:Fallback>
-      <p:transition advClick="1"/>
-    </mc:Fallback>
-  </mc:AlternateContent>
 </p:sld>
 </file>
 
-<file path=ppt/slides/slide3.xml><?xml version="1.0" encoding="utf-8"?>
-<p:sld xmlns:a="http://schemas.openxmlformats.org/drawingml/2006/main" xmlns:r="http://schemas.openxmlformats.org/officeDocument/2006/relationships" xmlns:p="http://schemas.openxmlformats.org/presentationml/2006/main" xmlns:m="http://schemas.openxmlformats.org/officeDocument/2006/math" xmlns:w="http://schemas.openxmlformats.org/wordprocessingml/2006/main" xmlns:mc="http://schemas.openxmlformats.org/markup-compatibility/2006" showMasterPhAnim="0" showMasterSp="1" show="1">
-  <p:cSld name="">
+<file path=ppt/slides/slide4.xml><?xml version="1.0" encoding="utf-8"?>
+<p:sld xmlns:a="http://schemas.openxmlformats.org/drawingml/2006/main" xmlns:r="http://schemas.openxmlformats.org/officeDocument/2006/relationships" xmlns:p="http://schemas.openxmlformats.org/presentationml/2006/main" showMasterPhAnim="0">
+  <p:cSld>
     <p:spTree>
       <p:nvGrpSpPr>
         <p:cNvPr id="1" name=""/>
@@ -11376,7 +12635,12 @@
             <p:ph type="ctrTitle"/>
           </p:nvPr>
         </p:nvSpPr>
-        <p:spPr bwMode="auto"/>
+        <p:spPr bwMode="auto">
+          <a:xfrm>
+            <a:off x="16225453" y="611230"/>
+            <a:ext cx="4607879" cy="2704880"/>
+          </a:xfrm>
+        </p:spPr>
         <p:txBody>
           <a:bodyPr/>
           <a:lstStyle/>
@@ -11385,29 +12649,24 @@
               <a:defRPr/>
             </a:pPr>
             <a:r>
-              <a:rPr lang="ru-RU" b="1"/>
-              <a:t>Теоретическое описание</a:t>
-            </a:r>
-            <a:endParaRPr/>
-          </a:p>
-        </p:txBody>
-      </p:sp>
-      <p:sp>
-        <p:nvSpPr>
-          <p:cNvPr id="4" name="Текст 3"/>
-          <p:cNvSpPr>
-            <a:spLocks noGrp="1"/>
-          </p:cNvSpPr>
-          <p:nvPr>
-            <p:ph type="body" sz="quarter" idx="12"/>
-          </p:nvPr>
-        </p:nvSpPr>
-        <p:spPr bwMode="auto">
-          <a:xfrm flipH="0" flipV="0">
-            <a:off x="294207" y="4360232"/>
-            <a:ext cx="13839883" cy="6928655"/>
-          </a:xfrm>
-        </p:spPr>
+              <a:rPr lang="ru-RU" sz="3600" b="1"/>
+              <a:t>Сравнение алгоритма с аналогичными алгоритмами</a:t>
+            </a:r>
+            <a:endParaRPr sz="3600"/>
+          </a:p>
+        </p:txBody>
+      </p:sp>
+      <p:sp>
+        <p:nvSpPr>
+          <p:cNvPr id="6" name="Номер слайда 5"/>
+          <p:cNvSpPr>
+            <a:spLocks noGrp="1"/>
+          </p:cNvSpPr>
+          <p:nvPr>
+            <p:ph type="sldNum" sz="quarter" idx="20"/>
+          </p:nvPr>
+        </p:nvSpPr>
+        <p:spPr bwMode="auto"/>
         <p:txBody>
           <a:bodyPr/>
           <a:lstStyle/>
@@ -11415,183 +12674,30 @@
             <a:pPr>
               <a:defRPr/>
             </a:pPr>
-            <a:r>
-              <a:rPr sz="3600" b="1" i="0" u="none">
-                <a:solidFill>
-                  <a:srgbClr val="000000"/>
-                </a:solidFill>
-                <a:latin typeface="Times New Roman"/>
-                <a:ea typeface="Times New Roman"/>
-                <a:cs typeface="Times New Roman"/>
-              </a:rPr>
-              <a:t>Куча (heap)</a:t>
-            </a:r>
-            <a:r>
-              <a:rPr sz="3600" b="0" i="0" u="none">
-                <a:solidFill>
-                  <a:srgbClr val="000000"/>
-                </a:solidFill>
-                <a:latin typeface="Times New Roman"/>
-                <a:ea typeface="Times New Roman"/>
-                <a:cs typeface="Times New Roman"/>
-              </a:rPr>
-              <a:t> — это бинарное дерево, которое удовлетворяет следующим свойствам:</a:t>
-            </a:r>
-            <a:endParaRPr sz="3600"/>
-          </a:p>
-          <a:p>
-            <a:pPr>
-              <a:defRPr/>
-            </a:pPr>
-            <a:r>
-              <a:rPr sz="3600" b="1" i="0" u="none">
-                <a:solidFill>
-                  <a:srgbClr val="000000"/>
-                </a:solidFill>
-                <a:latin typeface="Times New Roman"/>
-                <a:ea typeface="Times New Roman"/>
-                <a:cs typeface="Times New Roman"/>
-              </a:rPr>
-              <a:t>Макс-куча</a:t>
-            </a:r>
-            <a:r>
-              <a:rPr sz="3600" b="0" i="0" u="none">
-                <a:solidFill>
-                  <a:srgbClr val="000000"/>
-                </a:solidFill>
-                <a:latin typeface="Times New Roman"/>
-                <a:ea typeface="Times New Roman"/>
-                <a:cs typeface="Times New Roman"/>
-              </a:rPr>
-              <a:t>: значение родительского узла больше или равно значениям его детей.</a:t>
-            </a:r>
-            <a:endParaRPr sz="3600"/>
-          </a:p>
-          <a:p>
-            <a:pPr>
-              <a:defRPr/>
-            </a:pPr>
-            <a:r>
-              <a:rPr sz="3600" b="1" i="0" u="none">
-                <a:solidFill>
-                  <a:srgbClr val="000000"/>
-                </a:solidFill>
-                <a:latin typeface="Times New Roman"/>
-                <a:ea typeface="Times New Roman"/>
-                <a:cs typeface="Times New Roman"/>
-              </a:rPr>
-              <a:t>Мин-куча</a:t>
-            </a:r>
-            <a:r>
-              <a:rPr sz="3600" b="0" i="0" u="none">
-                <a:solidFill>
-                  <a:srgbClr val="000000"/>
-                </a:solidFill>
-                <a:latin typeface="Times New Roman"/>
-                <a:ea typeface="Times New Roman"/>
-                <a:cs typeface="Times New Roman"/>
-              </a:rPr>
-              <a:t>: значение родительского узла меньше или равно значениям его детей.</a:t>
-            </a:r>
-            <a:endParaRPr sz="3600"/>
-          </a:p>
-          <a:p>
-            <a:pPr>
-              <a:defRPr/>
-            </a:pPr>
-            <a:r>
-              <a:rPr sz="3600" b="1" i="0" u="none">
-                <a:solidFill>
-                  <a:srgbClr val="000000"/>
-                </a:solidFill>
-                <a:latin typeface="Times New Roman"/>
-                <a:ea typeface="Times New Roman"/>
-                <a:cs typeface="Times New Roman"/>
-              </a:rPr>
-              <a:t>Шаги алгоритма</a:t>
-            </a:r>
-            <a:r>
-              <a:rPr sz="3600" b="0" i="0" u="none">
-                <a:solidFill>
-                  <a:srgbClr val="000000"/>
-                </a:solidFill>
-                <a:latin typeface="Times New Roman"/>
-                <a:ea typeface="Times New Roman"/>
-                <a:cs typeface="Times New Roman"/>
-              </a:rPr>
-              <a:t>:</a:t>
-            </a:r>
-            <a:endParaRPr sz="3600"/>
-          </a:p>
-          <a:p>
-            <a:pPr>
-              <a:defRPr/>
-            </a:pPr>
-            <a:r>
-              <a:rPr sz="3600" b="1" i="0" u="none">
-                <a:solidFill>
-                  <a:srgbClr val="000000"/>
-                </a:solidFill>
-                <a:latin typeface="Times New Roman"/>
-                <a:ea typeface="Times New Roman"/>
-                <a:cs typeface="Times New Roman"/>
-              </a:rPr>
-              <a:t>Построение кучи</a:t>
-            </a:r>
-            <a:r>
-              <a:rPr sz="3600" b="0" i="0" u="none">
-                <a:solidFill>
-                  <a:srgbClr val="000000"/>
-                </a:solidFill>
-                <a:latin typeface="Times New Roman"/>
-                <a:ea typeface="Times New Roman"/>
-                <a:cs typeface="Times New Roman"/>
-              </a:rPr>
-              <a:t>: Для каждого узла в поддереве восстанавливается свойство кучи.</a:t>
-            </a:r>
-            <a:endParaRPr sz="3600"/>
-          </a:p>
-          <a:p>
-            <a:pPr>
-              <a:defRPr/>
-            </a:pPr>
-            <a:r>
-              <a:rPr sz="3600" b="1" i="0" u="none">
-                <a:solidFill>
-                  <a:srgbClr val="000000"/>
-                </a:solidFill>
-                <a:latin typeface="Times New Roman"/>
-                <a:ea typeface="Times New Roman"/>
-                <a:cs typeface="Times New Roman"/>
-              </a:rPr>
-              <a:t>Извлечение максимального элемента</a:t>
-            </a:r>
-            <a:r>
-              <a:rPr sz="3600" b="0" i="0" u="none">
-                <a:solidFill>
-                  <a:srgbClr val="000000"/>
-                </a:solidFill>
-                <a:latin typeface="Times New Roman"/>
-                <a:ea typeface="Times New Roman"/>
-                <a:cs typeface="Times New Roman"/>
-              </a:rPr>
-              <a:t>: Максимальный элемент (корень) перемещается в конец массива. После этого восстанавливается куча для оставшихся элементов.</a:t>
-            </a:r>
-            <a:endParaRPr sz="3600"/>
-          </a:p>
-        </p:txBody>
-      </p:sp>
-      <p:sp>
-        <p:nvSpPr>
-          <p:cNvPr id="12" name="Номер слайда 11"/>
-          <p:cNvSpPr>
-            <a:spLocks noGrp="1"/>
-          </p:cNvSpPr>
-          <p:nvPr>
-            <p:ph type="sldNum" sz="quarter" idx="20"/>
-          </p:nvPr>
-        </p:nvSpPr>
-        <p:spPr bwMode="auto"/>
+            <a:fld id="{66B5E2A4-72D4-4DC4-9470-54C0EE06E412}" type="slidenum">
+              <a:rPr lang="ru-RU"/>
+              <a:t>4</a:t>
+            </a:fld>
+            <a:endParaRPr lang="ru-RU"/>
+          </a:p>
+        </p:txBody>
+      </p:sp>
+      <p:sp>
+        <p:nvSpPr>
+          <p:cNvPr id="8" name="Текст 7"/>
+          <p:cNvSpPr>
+            <a:spLocks noGrp="1"/>
+          </p:cNvSpPr>
+          <p:nvPr>
+            <p:ph type="body" sz="quarter" idx="22"/>
+          </p:nvPr>
+        </p:nvSpPr>
+        <p:spPr bwMode="auto">
+          <a:xfrm>
+            <a:off x="596727" y="8969029"/>
+            <a:ext cx="8841882" cy="4392206"/>
+          </a:xfrm>
+        </p:spPr>
         <p:txBody>
           <a:bodyPr/>
           <a:lstStyle/>
@@ -11599,17 +12705,386 @@
             <a:pPr>
               <a:defRPr/>
             </a:pPr>
-            <a:fld id="{66B5E2A4-72D4-4DC4-9470-54C0EE06E412}" type="slidenum">
-              <a:rPr lang="ru-RU"/>
-              <a:t>3</a:t>
-            </a:fld>
-            <a:endParaRPr lang="ru-RU"/>
+            <a:r>
+              <a:rPr sz="3600" b="1" i="0" u="none">
+                <a:solidFill>
+                  <a:srgbClr val="000000"/>
+                </a:solidFill>
+                <a:latin typeface="Times New Roman"/>
+                <a:ea typeface="Times New Roman"/>
+                <a:cs typeface="Times New Roman"/>
+              </a:rPr>
+              <a:t>Heapsort vs Quicksort</a:t>
+            </a:r>
+            <a:r>
+              <a:rPr sz="3600" b="0" i="0" u="none">
+                <a:solidFill>
+                  <a:srgbClr val="000000"/>
+                </a:solidFill>
+                <a:latin typeface="Times New Roman"/>
+                <a:ea typeface="Times New Roman"/>
+                <a:cs typeface="Times New Roman"/>
+              </a:rPr>
+              <a:t>:</a:t>
+            </a:r>
+            <a:endParaRPr sz="3600"/>
+          </a:p>
+          <a:p>
+            <a:pPr>
+              <a:defRPr/>
+            </a:pPr>
+            <a:r>
+              <a:rPr sz="3600" b="1" i="0" u="none">
+                <a:solidFill>
+                  <a:srgbClr val="000000"/>
+                </a:solidFill>
+                <a:latin typeface="Times New Roman"/>
+                <a:ea typeface="Times New Roman"/>
+                <a:cs typeface="Times New Roman"/>
+              </a:rPr>
+              <a:t>Heapsort</a:t>
+            </a:r>
+            <a:r>
+              <a:rPr sz="3600" b="0" i="0" u="none">
+                <a:solidFill>
+                  <a:srgbClr val="000000"/>
+                </a:solidFill>
+                <a:latin typeface="Times New Roman"/>
+                <a:ea typeface="Times New Roman"/>
+                <a:cs typeface="Times New Roman"/>
+              </a:rPr>
+              <a:t>: всегда </a:t>
+            </a:r>
+            <a:r>
+              <a:rPr sz="3600" b="1" i="0" u="none">
+                <a:solidFill>
+                  <a:srgbClr val="000000"/>
+                </a:solidFill>
+                <a:latin typeface="Times New Roman"/>
+                <a:ea typeface="Times New Roman"/>
+                <a:cs typeface="Times New Roman"/>
+              </a:rPr>
+              <a:t>O(n log n)</a:t>
+            </a:r>
+            <a:r>
+              <a:rPr sz="3600" b="0" i="0" u="none">
+                <a:solidFill>
+                  <a:srgbClr val="000000"/>
+                </a:solidFill>
+                <a:latin typeface="Times New Roman"/>
+                <a:ea typeface="Times New Roman"/>
+                <a:cs typeface="Times New Roman"/>
+              </a:rPr>
+              <a:t>, но с большими константами, чем у Quicksort.</a:t>
+            </a:r>
+            <a:endParaRPr sz="3600"/>
+          </a:p>
+          <a:p>
+            <a:pPr>
+              <a:defRPr/>
+            </a:pPr>
+            <a:r>
+              <a:rPr sz="3600" b="1" i="0" u="none">
+                <a:solidFill>
+                  <a:srgbClr val="000000"/>
+                </a:solidFill>
+                <a:latin typeface="Times New Roman"/>
+                <a:ea typeface="Times New Roman"/>
+                <a:cs typeface="Times New Roman"/>
+              </a:rPr>
+              <a:t>Quicksort</a:t>
+            </a:r>
+            <a:r>
+              <a:rPr sz="3600" b="0" i="0" u="none">
+                <a:solidFill>
+                  <a:srgbClr val="000000"/>
+                </a:solidFill>
+                <a:latin typeface="Times New Roman"/>
+                <a:ea typeface="Times New Roman"/>
+                <a:cs typeface="Times New Roman"/>
+              </a:rPr>
+              <a:t>: среднее время работы </a:t>
+            </a:r>
+            <a:r>
+              <a:rPr sz="3600" b="1" i="0" u="none">
+                <a:solidFill>
+                  <a:srgbClr val="000000"/>
+                </a:solidFill>
+                <a:latin typeface="Times New Roman"/>
+                <a:ea typeface="Times New Roman"/>
+                <a:cs typeface="Times New Roman"/>
+              </a:rPr>
+              <a:t>O(n log n)</a:t>
+            </a:r>
+            <a:r>
+              <a:rPr sz="3600" b="0" i="0" u="none">
+                <a:solidFill>
+                  <a:srgbClr val="000000"/>
+                </a:solidFill>
+                <a:latin typeface="Times New Roman"/>
+                <a:ea typeface="Times New Roman"/>
+                <a:cs typeface="Times New Roman"/>
+              </a:rPr>
+              <a:t>, но в худшем случае </a:t>
+            </a:r>
+            <a:r>
+              <a:rPr sz="3600" b="1" i="0" u="none">
+                <a:solidFill>
+                  <a:srgbClr val="000000"/>
+                </a:solidFill>
+                <a:latin typeface="Times New Roman"/>
+                <a:ea typeface="Times New Roman"/>
+                <a:cs typeface="Times New Roman"/>
+              </a:rPr>
+              <a:t>O(n²)</a:t>
+            </a:r>
+            <a:r>
+              <a:rPr sz="3600" b="0" i="0" u="none">
+                <a:solidFill>
+                  <a:srgbClr val="000000"/>
+                </a:solidFill>
+                <a:latin typeface="Times New Roman"/>
+                <a:ea typeface="Times New Roman"/>
+                <a:cs typeface="Times New Roman"/>
+              </a:rPr>
+              <a:t>.</a:t>
+            </a:r>
+            <a:endParaRPr sz="3600"/>
+          </a:p>
+          <a:p>
+            <a:pPr>
+              <a:defRPr/>
+            </a:pPr>
+            <a:r>
+              <a:rPr sz="3600" b="1" i="0" u="none">
+                <a:solidFill>
+                  <a:srgbClr val="000000"/>
+                </a:solidFill>
+                <a:latin typeface="Times New Roman"/>
+                <a:ea typeface="Times New Roman"/>
+                <a:cs typeface="Times New Roman"/>
+              </a:rPr>
+              <a:t>Преимущество Heapsort</a:t>
+            </a:r>
+            <a:r>
+              <a:rPr sz="3600" b="0" i="0" u="none">
+                <a:solidFill>
+                  <a:srgbClr val="000000"/>
+                </a:solidFill>
+                <a:latin typeface="Times New Roman"/>
+                <a:ea typeface="Times New Roman"/>
+                <a:cs typeface="Times New Roman"/>
+              </a:rPr>
+              <a:t>: стабильность времени работы.</a:t>
+            </a:r>
+            <a:endParaRPr sz="3600"/>
+          </a:p>
+        </p:txBody>
+      </p:sp>
+      <p:sp>
+        <p:nvSpPr>
+          <p:cNvPr id="1304696231" name=" 1304696230"/>
+          <p:cNvSpPr/>
+          <p:nvPr/>
+        </p:nvSpPr>
+        <p:spPr bwMode="auto">
+          <a:xfrm>
+            <a:off x="10620505" y="9247345"/>
+            <a:ext cx="10284102" cy="3383639"/>
+          </a:xfrm>
+        </p:spPr>
+        <p:txBody>
+          <a:bodyPr rot="0" spcFirstLastPara="0" vertOverflow="overflow" horzOverflow="overflow" vert="horz" wrap="square" lIns="91440" tIns="45720" rIns="91440" bIns="45720" numCol="1" spcCol="0" rtlCol="0" fromWordArt="0" anchor="t" anchorCtr="0" forceAA="0" compatLnSpc="1">
+            <a:prstTxWarp prst="textNoShape">
+              <a:avLst/>
+            </a:prstTxWarp>
+            <a:spAutoFit/>
+          </a:bodyPr>
+          <a:lstStyle/>
+          <a:p>
+            <a:pPr>
+              <a:defRPr/>
+            </a:pPr>
+            <a:r>
+              <a:rPr sz="3600" b="1" i="0" u="none">
+                <a:solidFill>
+                  <a:srgbClr val="000000"/>
+                </a:solidFill>
+                <a:latin typeface="Times New Roman"/>
+                <a:ea typeface="Times New Roman"/>
+                <a:cs typeface="Times New Roman"/>
+              </a:rPr>
+              <a:t>Heapsort vs Merge Sort</a:t>
+            </a:r>
+            <a:r>
+              <a:rPr sz="3600" b="0" i="0" u="none">
+                <a:solidFill>
+                  <a:srgbClr val="000000"/>
+                </a:solidFill>
+                <a:latin typeface="Times New Roman"/>
+                <a:ea typeface="Times New Roman"/>
+                <a:cs typeface="Times New Roman"/>
+              </a:rPr>
+              <a:t>:</a:t>
+            </a:r>
+            <a:endParaRPr sz="3600"/>
+          </a:p>
+          <a:p>
+            <a:pPr>
+              <a:defRPr/>
+            </a:pPr>
+            <a:r>
+              <a:rPr sz="3600" b="1" i="0" u="none">
+                <a:solidFill>
+                  <a:srgbClr val="000000"/>
+                </a:solidFill>
+                <a:latin typeface="Times New Roman"/>
+                <a:ea typeface="Times New Roman"/>
+                <a:cs typeface="Times New Roman"/>
+              </a:rPr>
+              <a:t>Merge Sort</a:t>
+            </a:r>
+            <a:r>
+              <a:rPr sz="3600" b="0" i="0" u="none">
+                <a:solidFill>
+                  <a:srgbClr val="000000"/>
+                </a:solidFill>
+                <a:latin typeface="Times New Roman"/>
+                <a:ea typeface="Times New Roman"/>
+                <a:cs typeface="Times New Roman"/>
+              </a:rPr>
+              <a:t>: также имеет сложность </a:t>
+            </a:r>
+            <a:r>
+              <a:rPr sz="3600" b="1" i="0" u="none">
+                <a:solidFill>
+                  <a:srgbClr val="000000"/>
+                </a:solidFill>
+                <a:latin typeface="Times New Roman"/>
+                <a:ea typeface="Times New Roman"/>
+                <a:cs typeface="Times New Roman"/>
+              </a:rPr>
+              <a:t>O(n log n)</a:t>
+            </a:r>
+            <a:r>
+              <a:rPr sz="3600" b="0" i="0" u="none">
+                <a:solidFill>
+                  <a:srgbClr val="000000"/>
+                </a:solidFill>
+                <a:latin typeface="Times New Roman"/>
+                <a:ea typeface="Times New Roman"/>
+                <a:cs typeface="Times New Roman"/>
+              </a:rPr>
+              <a:t>, но требует дополнительной памяти </a:t>
+            </a:r>
+            <a:r>
+              <a:rPr sz="3600" b="1" i="0" u="none">
+                <a:solidFill>
+                  <a:srgbClr val="000000"/>
+                </a:solidFill>
+                <a:latin typeface="Times New Roman"/>
+                <a:ea typeface="Times New Roman"/>
+                <a:cs typeface="Times New Roman"/>
+              </a:rPr>
+              <a:t>O(n)</a:t>
+            </a:r>
+            <a:r>
+              <a:rPr sz="3600" b="0" i="0" u="none">
+                <a:solidFill>
+                  <a:srgbClr val="000000"/>
+                </a:solidFill>
+                <a:latin typeface="Times New Roman"/>
+                <a:ea typeface="Times New Roman"/>
+                <a:cs typeface="Times New Roman"/>
+              </a:rPr>
+              <a:t>.</a:t>
+            </a:r>
+            <a:endParaRPr sz="3600"/>
+          </a:p>
+          <a:p>
+            <a:pPr>
+              <a:defRPr/>
+            </a:pPr>
+            <a:r>
+              <a:rPr sz="3600" b="1" i="0" u="none">
+                <a:solidFill>
+                  <a:srgbClr val="000000"/>
+                </a:solidFill>
+                <a:latin typeface="Times New Roman"/>
+                <a:ea typeface="Times New Roman"/>
+                <a:cs typeface="Times New Roman"/>
+              </a:rPr>
+              <a:t>Heapsort</a:t>
+            </a:r>
+            <a:r>
+              <a:rPr sz="3600" b="0" i="0" u="none">
+                <a:solidFill>
+                  <a:srgbClr val="000000"/>
+                </a:solidFill>
+                <a:latin typeface="Times New Roman"/>
+                <a:ea typeface="Times New Roman"/>
+                <a:cs typeface="Times New Roman"/>
+              </a:rPr>
+              <a:t>: использует </a:t>
+            </a:r>
+            <a:r>
+              <a:rPr sz="3600" b="1" i="0" u="none">
+                <a:solidFill>
+                  <a:srgbClr val="000000"/>
+                </a:solidFill>
+                <a:latin typeface="Times New Roman"/>
+                <a:ea typeface="Times New Roman"/>
+                <a:cs typeface="Times New Roman"/>
+              </a:rPr>
+              <a:t>O(1)</a:t>
+            </a:r>
+            <a:r>
+              <a:rPr sz="3600" b="0" i="0" u="none">
+                <a:solidFill>
+                  <a:srgbClr val="000000"/>
+                </a:solidFill>
+                <a:latin typeface="Times New Roman"/>
+                <a:ea typeface="Times New Roman"/>
+                <a:cs typeface="Times New Roman"/>
+              </a:rPr>
+              <a:t> дополнительной памяти, что может быть важным для больших данных.</a:t>
+            </a:r>
+            <a:endParaRPr sz="3600"/>
+          </a:p>
+        </p:txBody>
+      </p:sp>
+      <p:sp>
+        <p:nvSpPr>
+          <p:cNvPr id="1804274533" name="TextBox 1804274532"/>
+          <p:cNvSpPr txBox="1"/>
+          <p:nvPr/>
+        </p:nvSpPr>
+        <p:spPr bwMode="auto">
+          <a:xfrm>
+            <a:off x="7921666" y="5820833"/>
+            <a:ext cx="914400" cy="640440"/>
+          </a:xfrm>
+          <a:prstGeom prst="rect">
+            <a:avLst/>
+          </a:prstGeom>
+          <a:noFill/>
+        </p:spPr>
+        <p:txBody>
+          <a:bodyPr vertOverflow="overflow" horzOverflow="overflow" vert="horz" wrap="none" lIns="91440" tIns="45720" rIns="91440" bIns="45720" numCol="1" spcCol="0" rtlCol="0" fromWordArt="0" anchor="t" anchorCtr="0" forceAA="0" compatLnSpc="0">
+            <a:spAutoFit/>
+          </a:bodyPr>
+          <a:lstStyle/>
+          <a:p>
+            <a:pPr>
+              <a:defRPr/>
+            </a:pPr>
+            <a:endParaRPr/>
           </a:p>
         </p:txBody>
       </p:sp>
       <p:pic>
         <p:nvPicPr>
-          <p:cNvPr id="666571501" name=""/>
+          <p:cNvPr id="529988416" name="Рисунок 529988415"/>
           <p:cNvPicPr>
             <a:picLocks noChangeAspect="1"/>
           </p:cNvPicPr>
@@ -11620,9 +13095,9 @@
           <a:stretch/>
         </p:blipFill>
         <p:spPr bwMode="auto">
-          <a:xfrm flipH="0" flipV="0">
-            <a:off x="14663257" y="3994483"/>
-            <a:ext cx="9408548" cy="5918571"/>
+          <a:xfrm>
+            <a:off x="399344" y="-19292"/>
+            <a:ext cx="14420849" cy="8534399"/>
           </a:xfrm>
           <a:prstGeom prst="rect">
             <a:avLst/>
@@ -11634,20 +13109,12 @@
   <p:clrMapOvr>
     <a:masterClrMapping/>
   </p:clrMapOvr>
-  <mc:AlternateContent xmlns:mc="http://schemas.openxmlformats.org/markup-compatibility/2006">
-    <mc:Choice xmlns:p159="http://schemas.microsoft.com/office/powerpoint/2015/09/main" xmlns:p14="http://schemas.microsoft.com/office/powerpoint/2010/main" Requires="p159">
-      <p:transition p14:dur="2000" advClick="1"/>
-    </mc:Choice>
-    <mc:Fallback>
-      <p:transition advClick="1"/>
-    </mc:Fallback>
-  </mc:AlternateContent>
 </p:sld>
 </file>
 
-<file path=ppt/slides/slide4.xml><?xml version="1.0" encoding="utf-8"?>
-<p:sld xmlns:a="http://schemas.openxmlformats.org/drawingml/2006/main" xmlns:r="http://schemas.openxmlformats.org/officeDocument/2006/relationships" xmlns:p="http://schemas.openxmlformats.org/presentationml/2006/main" xmlns:m="http://schemas.openxmlformats.org/officeDocument/2006/math" xmlns:w="http://schemas.openxmlformats.org/wordprocessingml/2006/main" xmlns:mc="http://schemas.openxmlformats.org/markup-compatibility/2006" showMasterPhAnim="0" showMasterSp="1" show="1">
-  <p:cSld name="">
+<file path=ppt/slides/slide5.xml><?xml version="1.0" encoding="utf-8"?>
+<p:sld xmlns:a="http://schemas.openxmlformats.org/drawingml/2006/main" xmlns:r="http://schemas.openxmlformats.org/officeDocument/2006/relationships" xmlns:p="http://schemas.openxmlformats.org/presentationml/2006/main" showMasterPhAnim="0">
+  <p:cSld>
     <p:spTree>
       <p:nvGrpSpPr>
         <p:cNvPr id="1" name=""/>
@@ -11664,7 +13131,7 @@
       </p:grpSpPr>
       <p:sp>
         <p:nvSpPr>
-          <p:cNvPr id="2" name="Заголовок 1"/>
+          <p:cNvPr id="597742834" name="Заголовок 1"/>
           <p:cNvSpPr>
             <a:spLocks noGrp="1"/>
           </p:cNvSpPr>
@@ -11673,9 +13140,9 @@
           </p:nvPr>
         </p:nvSpPr>
         <p:spPr bwMode="auto">
-          <a:xfrm flipH="0" flipV="0">
-            <a:off x="16225453" y="611230"/>
-            <a:ext cx="4607879" cy="2704880"/>
+          <a:xfrm>
+            <a:off x="540042" y="1074019"/>
+            <a:ext cx="10591901" cy="953474"/>
           </a:xfrm>
         </p:spPr>
         <p:txBody>
@@ -11687,15 +13154,37 @@
             </a:pPr>
             <a:r>
               <a:rPr lang="ru-RU" sz="3600" b="1"/>
-              <a:t>Сравнение алгоритма с аналогичными алгоритмами</a:t>
+              <a:t>Реализация алгоритма</a:t>
+            </a:r>
+            <a:r>
+              <a:rPr sz="3600" b="1"/>
+              <a:t> </a:t>
+            </a:r>
+            <a:r>
+              <a:rPr lang="en-US" sz="3600" b="1"/>
+              <a:t>Heapsort </a:t>
+            </a:r>
+            <a:r>
+              <a:rPr lang="ru-RU" sz="3600" b="1"/>
+              <a:t>на </a:t>
+            </a:r>
+            <a:r>
+              <a:rPr lang="en-US" sz="3600" b="1"/>
+              <a:t>Python</a:t>
             </a:r>
             <a:endParaRPr sz="3600"/>
           </a:p>
-        </p:txBody>
-      </p:sp>
-      <p:sp>
-        <p:nvSpPr>
-          <p:cNvPr id="6" name="Номер слайда 5"/>
+          <a:p>
+            <a:pPr>
+              <a:defRPr/>
+            </a:pPr>
+            <a:endParaRPr sz="3600"/>
+          </a:p>
+        </p:txBody>
+      </p:sp>
+      <p:sp>
+        <p:nvSpPr>
+          <p:cNvPr id="1763217333" name="Номер слайда 11"/>
           <p:cNvSpPr>
             <a:spLocks noGrp="1"/>
           </p:cNvSpPr>
@@ -11711,9 +13200,9 @@
             <a:pPr>
               <a:defRPr/>
             </a:pPr>
-            <a:fld id="{66B5E2A4-72D4-4DC4-9470-54C0EE06E412}" type="slidenum">
-              <a:rPr lang="ru-RU"/>
-              <a:t>4</a:t>
+            <a:fld id="{3C86F1B0-2399-AFCF-7693-53A81692436C}" type="slidenum">
+              <a:rPr lang="ru-RU"/>
+              <a:t>5</a:t>
             </a:fld>
             <a:endParaRPr lang="ru-RU"/>
           </a:p>
@@ -11721,382 +13210,14 @@
       </p:sp>
       <p:sp>
         <p:nvSpPr>
-          <p:cNvPr id="8" name="Текст 7"/>
-          <p:cNvSpPr>
-            <a:spLocks noGrp="1"/>
-          </p:cNvSpPr>
-          <p:nvPr>
-            <p:ph type="body" sz="quarter" idx="22"/>
-          </p:nvPr>
-        </p:nvSpPr>
-        <p:spPr bwMode="auto">
-          <a:xfrm flipH="0" flipV="0">
-            <a:off x="596727" y="8969029"/>
-            <a:ext cx="8841882" cy="4392206"/>
-          </a:xfrm>
-        </p:spPr>
-        <p:txBody>
-          <a:bodyPr/>
-          <a:lstStyle/>
-          <a:p>
-            <a:pPr>
-              <a:defRPr/>
-            </a:pPr>
-            <a:r>
-              <a:rPr sz="3600" b="1" i="0" u="none">
-                <a:solidFill>
-                  <a:srgbClr val="000000"/>
-                </a:solidFill>
-                <a:latin typeface="Times New Roman"/>
-                <a:ea typeface="Times New Roman"/>
-                <a:cs typeface="Times New Roman"/>
-              </a:rPr>
-              <a:t>Heapsort vs Quicksort</a:t>
-            </a:r>
-            <a:r>
-              <a:rPr sz="3600" b="0" i="0" u="none">
-                <a:solidFill>
-                  <a:srgbClr val="000000"/>
-                </a:solidFill>
-                <a:latin typeface="Times New Roman"/>
-                <a:ea typeface="Times New Roman"/>
-                <a:cs typeface="Times New Roman"/>
-              </a:rPr>
-              <a:t>:</a:t>
-            </a:r>
-            <a:endParaRPr sz="3600"/>
-          </a:p>
-          <a:p>
-            <a:pPr>
-              <a:defRPr/>
-            </a:pPr>
-            <a:r>
-              <a:rPr sz="3600" b="1" i="0" u="none">
-                <a:solidFill>
-                  <a:srgbClr val="000000"/>
-                </a:solidFill>
-                <a:latin typeface="Times New Roman"/>
-                <a:ea typeface="Times New Roman"/>
-                <a:cs typeface="Times New Roman"/>
-              </a:rPr>
-              <a:t>Heapsort</a:t>
-            </a:r>
-            <a:r>
-              <a:rPr sz="3600" b="0" i="0" u="none">
-                <a:solidFill>
-                  <a:srgbClr val="000000"/>
-                </a:solidFill>
-                <a:latin typeface="Times New Roman"/>
-                <a:ea typeface="Times New Roman"/>
-                <a:cs typeface="Times New Roman"/>
-              </a:rPr>
-              <a:t>: всегда </a:t>
-            </a:r>
-            <a:r>
-              <a:rPr sz="3600" b="1" i="0" u="none">
-                <a:solidFill>
-                  <a:srgbClr val="000000"/>
-                </a:solidFill>
-                <a:latin typeface="Times New Roman"/>
-                <a:ea typeface="Times New Roman"/>
-                <a:cs typeface="Times New Roman"/>
-              </a:rPr>
-              <a:t>O(n log n)</a:t>
-            </a:r>
-            <a:r>
-              <a:rPr sz="3600" b="0" i="0" u="none">
-                <a:solidFill>
-                  <a:srgbClr val="000000"/>
-                </a:solidFill>
-                <a:latin typeface="Times New Roman"/>
-                <a:ea typeface="Times New Roman"/>
-                <a:cs typeface="Times New Roman"/>
-              </a:rPr>
-              <a:t>, но с большими константами, чем у Quicksort.</a:t>
-            </a:r>
-            <a:endParaRPr sz="3600"/>
-          </a:p>
-          <a:p>
-            <a:pPr>
-              <a:defRPr/>
-            </a:pPr>
-            <a:r>
-              <a:rPr sz="3600" b="1" i="0" u="none">
-                <a:solidFill>
-                  <a:srgbClr val="000000"/>
-                </a:solidFill>
-                <a:latin typeface="Times New Roman"/>
-                <a:ea typeface="Times New Roman"/>
-                <a:cs typeface="Times New Roman"/>
-              </a:rPr>
-              <a:t>Quicksort</a:t>
-            </a:r>
-            <a:r>
-              <a:rPr sz="3600" b="0" i="0" u="none">
-                <a:solidFill>
-                  <a:srgbClr val="000000"/>
-                </a:solidFill>
-                <a:latin typeface="Times New Roman"/>
-                <a:ea typeface="Times New Roman"/>
-                <a:cs typeface="Times New Roman"/>
-              </a:rPr>
-              <a:t>: среднее время работы </a:t>
-            </a:r>
-            <a:r>
-              <a:rPr sz="3600" b="1" i="0" u="none">
-                <a:solidFill>
-                  <a:srgbClr val="000000"/>
-                </a:solidFill>
-                <a:latin typeface="Times New Roman"/>
-                <a:ea typeface="Times New Roman"/>
-                <a:cs typeface="Times New Roman"/>
-              </a:rPr>
-              <a:t>O(n log n)</a:t>
-            </a:r>
-            <a:r>
-              <a:rPr sz="3600" b="0" i="0" u="none">
-                <a:solidFill>
-                  <a:srgbClr val="000000"/>
-                </a:solidFill>
-                <a:latin typeface="Times New Roman"/>
-                <a:ea typeface="Times New Roman"/>
-                <a:cs typeface="Times New Roman"/>
-              </a:rPr>
-              <a:t>, но в худшем случае </a:t>
-            </a:r>
-            <a:r>
-              <a:rPr sz="3600" b="1" i="0" u="none">
-                <a:solidFill>
-                  <a:srgbClr val="000000"/>
-                </a:solidFill>
-                <a:latin typeface="Times New Roman"/>
-                <a:ea typeface="Times New Roman"/>
-                <a:cs typeface="Times New Roman"/>
-              </a:rPr>
-              <a:t>O(n²)</a:t>
-            </a:r>
-            <a:r>
-              <a:rPr sz="3600" b="0" i="0" u="none">
-                <a:solidFill>
-                  <a:srgbClr val="000000"/>
-                </a:solidFill>
-                <a:latin typeface="Times New Roman"/>
-                <a:ea typeface="Times New Roman"/>
-                <a:cs typeface="Times New Roman"/>
-              </a:rPr>
-              <a:t>.</a:t>
-            </a:r>
-            <a:endParaRPr sz="3600"/>
-          </a:p>
-          <a:p>
-            <a:pPr>
-              <a:defRPr/>
-            </a:pPr>
-            <a:r>
-              <a:rPr sz="3600" b="1" i="0" u="none">
-                <a:solidFill>
-                  <a:srgbClr val="000000"/>
-                </a:solidFill>
-                <a:latin typeface="Times New Roman"/>
-                <a:ea typeface="Times New Roman"/>
-                <a:cs typeface="Times New Roman"/>
-              </a:rPr>
-              <a:t>Преимущество Heapsort</a:t>
-            </a:r>
-            <a:r>
-              <a:rPr sz="3600" b="0" i="0" u="none">
-                <a:solidFill>
-                  <a:srgbClr val="000000"/>
-                </a:solidFill>
-                <a:latin typeface="Times New Roman"/>
-                <a:ea typeface="Times New Roman"/>
-                <a:cs typeface="Times New Roman"/>
-              </a:rPr>
-              <a:t>: стабильность времени работы.</a:t>
-            </a:r>
-            <a:endParaRPr sz="3600"/>
-          </a:p>
-        </p:txBody>
-      </p:sp>
-      <p:sp>
-        <p:nvSpPr>
-          <p:cNvPr id="1304696231" name=""/>
-          <p:cNvSpPr/>
-          <p:nvPr/>
-        </p:nvSpPr>
-        <p:spPr bwMode="auto">
-          <a:xfrm flipH="0" flipV="0">
-            <a:off x="10620505" y="9247345"/>
-            <a:ext cx="10284102" cy="3383639"/>
-          </a:xfrm>
-        </p:spPr>
-        <p:txBody>
-          <a:bodyPr rot="0" spcFirstLastPara="0" vertOverflow="overflow" horzOverflow="overflow" vert="horz" wrap="square" lIns="91440" tIns="45720" rIns="91440" bIns="45720" numCol="1" spcCol="0" rtlCol="0" fromWordArt="0" anchor="t" anchorCtr="0" forceAA="0" upright="0" compatLnSpc="1">
-            <a:prstTxWarp prst="textNoShape"/>
-            <a:spAutoFit/>
-          </a:bodyPr>
-          <a:p>
-            <a:pPr>
-              <a:defRPr/>
-            </a:pPr>
-            <a:r>
-              <a:rPr sz="3600" b="1" i="0" u="none">
-                <a:solidFill>
-                  <a:srgbClr val="000000"/>
-                </a:solidFill>
-                <a:latin typeface="Times New Roman"/>
-                <a:ea typeface="Times New Roman"/>
-                <a:cs typeface="Times New Roman"/>
-              </a:rPr>
-              <a:t>Heapsort vs Merge Sort</a:t>
-            </a:r>
-            <a:r>
-              <a:rPr sz="3600" b="0" i="0" u="none">
-                <a:solidFill>
-                  <a:srgbClr val="000000"/>
-                </a:solidFill>
-                <a:latin typeface="Times New Roman"/>
-                <a:ea typeface="Times New Roman"/>
-                <a:cs typeface="Times New Roman"/>
-              </a:rPr>
-              <a:t>:</a:t>
-            </a:r>
-            <a:endParaRPr sz="3600"/>
-          </a:p>
-          <a:p>
-            <a:pPr>
-              <a:defRPr/>
-            </a:pPr>
-            <a:r>
-              <a:rPr sz="3600" b="1" i="0" u="none">
-                <a:solidFill>
-                  <a:srgbClr val="000000"/>
-                </a:solidFill>
-                <a:latin typeface="Times New Roman"/>
-                <a:ea typeface="Times New Roman"/>
-                <a:cs typeface="Times New Roman"/>
-              </a:rPr>
-              <a:t>Merge Sort</a:t>
-            </a:r>
-            <a:r>
-              <a:rPr sz="3600" b="0" i="0" u="none">
-                <a:solidFill>
-                  <a:srgbClr val="000000"/>
-                </a:solidFill>
-                <a:latin typeface="Times New Roman"/>
-                <a:ea typeface="Times New Roman"/>
-                <a:cs typeface="Times New Roman"/>
-              </a:rPr>
-              <a:t>: также имеет сложность </a:t>
-            </a:r>
-            <a:r>
-              <a:rPr sz="3600" b="1" i="0" u="none">
-                <a:solidFill>
-                  <a:srgbClr val="000000"/>
-                </a:solidFill>
-                <a:latin typeface="Times New Roman"/>
-                <a:ea typeface="Times New Roman"/>
-                <a:cs typeface="Times New Roman"/>
-              </a:rPr>
-              <a:t>O(n log n)</a:t>
-            </a:r>
-            <a:r>
-              <a:rPr sz="3600" b="0" i="0" u="none">
-                <a:solidFill>
-                  <a:srgbClr val="000000"/>
-                </a:solidFill>
-                <a:latin typeface="Times New Roman"/>
-                <a:ea typeface="Times New Roman"/>
-                <a:cs typeface="Times New Roman"/>
-              </a:rPr>
-              <a:t>, но требует дополнительной памяти </a:t>
-            </a:r>
-            <a:r>
-              <a:rPr sz="3600" b="1" i="0" u="none">
-                <a:solidFill>
-                  <a:srgbClr val="000000"/>
-                </a:solidFill>
-                <a:latin typeface="Times New Roman"/>
-                <a:ea typeface="Times New Roman"/>
-                <a:cs typeface="Times New Roman"/>
-              </a:rPr>
-              <a:t>O(n)</a:t>
-            </a:r>
-            <a:r>
-              <a:rPr sz="3600" b="0" i="0" u="none">
-                <a:solidFill>
-                  <a:srgbClr val="000000"/>
-                </a:solidFill>
-                <a:latin typeface="Times New Roman"/>
-                <a:ea typeface="Times New Roman"/>
-                <a:cs typeface="Times New Roman"/>
-              </a:rPr>
-              <a:t>.</a:t>
-            </a:r>
-            <a:endParaRPr sz="3600"/>
-          </a:p>
-          <a:p>
-            <a:pPr>
-              <a:defRPr/>
-            </a:pPr>
-            <a:r>
-              <a:rPr sz="3600" b="1" i="0" u="none">
-                <a:solidFill>
-                  <a:srgbClr val="000000"/>
-                </a:solidFill>
-                <a:latin typeface="Times New Roman"/>
-                <a:ea typeface="Times New Roman"/>
-                <a:cs typeface="Times New Roman"/>
-              </a:rPr>
-              <a:t>Heapsort</a:t>
-            </a:r>
-            <a:r>
-              <a:rPr sz="3600" b="0" i="0" u="none">
-                <a:solidFill>
-                  <a:srgbClr val="000000"/>
-                </a:solidFill>
-                <a:latin typeface="Times New Roman"/>
-                <a:ea typeface="Times New Roman"/>
-                <a:cs typeface="Times New Roman"/>
-              </a:rPr>
-              <a:t>: использует </a:t>
-            </a:r>
-            <a:r>
-              <a:rPr sz="3600" b="1" i="0" u="none">
-                <a:solidFill>
-                  <a:srgbClr val="000000"/>
-                </a:solidFill>
-                <a:latin typeface="Times New Roman"/>
-                <a:ea typeface="Times New Roman"/>
-                <a:cs typeface="Times New Roman"/>
-              </a:rPr>
-              <a:t>O(1)</a:t>
-            </a:r>
-            <a:r>
-              <a:rPr sz="3600" b="0" i="0" u="none">
-                <a:solidFill>
-                  <a:srgbClr val="000000"/>
-                </a:solidFill>
-                <a:latin typeface="Times New Roman"/>
-                <a:ea typeface="Times New Roman"/>
-                <a:cs typeface="Times New Roman"/>
-              </a:rPr>
-              <a:t> дополнительной памяти, что может быть важным для больших данных.</a:t>
-            </a:r>
-            <a:endParaRPr sz="3600"/>
-          </a:p>
-        </p:txBody>
-      </p:sp>
-      <p:sp>
-        <p:nvSpPr>
-          <p:cNvPr id="1804274533" name=""/>
+          <p:cNvPr id="554381127" name="TextBox 554381126"/>
           <p:cNvSpPr txBox="1"/>
           <p:nvPr/>
         </p:nvSpPr>
         <p:spPr bwMode="auto">
-          <a:xfrm flipH="0" flipV="0">
-            <a:off x="7921666" y="5820833"/>
-            <a:ext cx="914400" cy="640440"/>
+          <a:xfrm>
+            <a:off x="178194" y="2257777"/>
+            <a:ext cx="19801241" cy="5015649"/>
           </a:xfrm>
           <a:prstGeom prst="rect">
             <a:avLst/>
@@ -12104,20 +13225,295 @@
           <a:noFill/>
         </p:spPr>
         <p:txBody>
-          <a:bodyPr vertOverflow="overflow" horzOverflow="overflow" vert="horz" wrap="none" lIns="91440" tIns="45720" rIns="91440" bIns="45720" numCol="1" spcCol="0" rtlCol="0" fromWordArt="0" anchor="t" anchorCtr="0" forceAA="0" upright="0" compatLnSpc="0">
+          <a:bodyPr vertOverflow="overflow" horzOverflow="overflow" vert="horz" wrap="square" lIns="91440" tIns="45720" rIns="91440" bIns="45720" numCol="1" spcCol="0" rtlCol="0" fromWordArt="0" anchor="t" anchorCtr="0" forceAA="0" compatLnSpc="0">
             <a:spAutoFit/>
           </a:bodyPr>
+          <a:lstStyle/>
           <a:p>
             <a:pPr>
               <a:defRPr/>
             </a:pPr>
-            <a:endParaRPr/>
+            <a:r>
+              <a:rPr sz="2800" b="1" i="0" u="none">
+                <a:solidFill>
+                  <a:srgbClr val="000000"/>
+                </a:solidFill>
+                <a:latin typeface="Times New Roman"/>
+                <a:ea typeface="Times New Roman"/>
+                <a:cs typeface="Times New Roman"/>
+              </a:rPr>
+              <a:t>1. Основные компоненты алгоритма</a:t>
+            </a:r>
+            <a:endParaRPr sz="2800"/>
+          </a:p>
+          <a:p>
+            <a:pPr>
+              <a:defRPr/>
+            </a:pPr>
+            <a:r>
+              <a:rPr sz="2800" b="0" i="0" u="none">
+                <a:solidFill>
+                  <a:srgbClr val="000000"/>
+                </a:solidFill>
+                <a:latin typeface="Times New Roman"/>
+                <a:ea typeface="Times New Roman"/>
+                <a:cs typeface="Times New Roman"/>
+              </a:rPr>
+              <a:t>Реализация алгоритма Heapsort состоит из двух ключевых частей:</a:t>
+            </a:r>
+            <a:endParaRPr sz="2800"/>
+          </a:p>
+          <a:p>
+            <a:pPr>
+              <a:defRPr/>
+            </a:pPr>
+            <a:r>
+              <a:rPr sz="2800" b="1" i="0" u="none">
+                <a:solidFill>
+                  <a:srgbClr val="000000"/>
+                </a:solidFill>
+                <a:latin typeface="Times New Roman"/>
+                <a:ea typeface="Times New Roman"/>
+                <a:cs typeface="Times New Roman"/>
+              </a:rPr>
+              <a:t>Функция </a:t>
+            </a:r>
+            <a:r>
+              <a:rPr sz="2800" b="1" i="0" u="none">
+                <a:solidFill>
+                  <a:srgbClr val="000000"/>
+                </a:solidFill>
+                <a:latin typeface="Courier New"/>
+                <a:ea typeface="Courier New"/>
+                <a:cs typeface="Courier New"/>
+              </a:rPr>
+              <a:t>heapify</a:t>
+            </a:r>
+            <a:r>
+              <a:rPr sz="2800" b="0" i="0" u="none">
+                <a:solidFill>
+                  <a:srgbClr val="000000"/>
+                </a:solidFill>
+                <a:latin typeface="Times New Roman"/>
+                <a:ea typeface="Times New Roman"/>
+                <a:cs typeface="Times New Roman"/>
+              </a:rPr>
+              <a:t> — восстанавливает свойство кучи.</a:t>
+            </a:r>
+            <a:endParaRPr sz="2800"/>
+          </a:p>
+          <a:p>
+            <a:pPr>
+              <a:defRPr/>
+            </a:pPr>
+            <a:r>
+              <a:rPr sz="2800" b="1" i="0" u="none">
+                <a:solidFill>
+                  <a:srgbClr val="000000"/>
+                </a:solidFill>
+                <a:latin typeface="Times New Roman"/>
+                <a:ea typeface="Times New Roman"/>
+                <a:cs typeface="Times New Roman"/>
+              </a:rPr>
+              <a:t>Функция </a:t>
+            </a:r>
+            <a:r>
+              <a:rPr sz="2800" b="1" i="0" u="none">
+                <a:solidFill>
+                  <a:srgbClr val="000000"/>
+                </a:solidFill>
+                <a:latin typeface="Courier New"/>
+                <a:ea typeface="Courier New"/>
+                <a:cs typeface="Courier New"/>
+              </a:rPr>
+              <a:t>heapsort</a:t>
+            </a:r>
+            <a:r>
+              <a:rPr sz="2800" b="0" i="0" u="none">
+                <a:solidFill>
+                  <a:srgbClr val="000000"/>
+                </a:solidFill>
+                <a:latin typeface="Times New Roman"/>
+                <a:ea typeface="Times New Roman"/>
+                <a:cs typeface="Times New Roman"/>
+              </a:rPr>
+              <a:t> — выполняет сортировку всего массива, используя кучу.</a:t>
+            </a:r>
+            <a:endParaRPr sz="2800"/>
+          </a:p>
+          <a:p>
+            <a:pPr>
+              <a:defRPr/>
+            </a:pPr>
+            <a:r>
+              <a:rPr sz="2800" b="0" i="0" u="none">
+                <a:solidFill>
+                  <a:srgbClr val="000000"/>
+                </a:solidFill>
+                <a:latin typeface="Times New Roman"/>
+                <a:ea typeface="Times New Roman"/>
+                <a:cs typeface="Times New Roman"/>
+              </a:rPr>
+              <a:t>Давайте более подробно разберем каждую из этих частей.</a:t>
+            </a:r>
+            <a:endParaRPr sz="2800"/>
+          </a:p>
+          <a:p>
+            <a:pPr>
+              <a:defRPr/>
+            </a:pPr>
+            <a:r>
+              <a:rPr sz="2800" b="1" i="0" u="none">
+                <a:solidFill>
+                  <a:srgbClr val="000000"/>
+                </a:solidFill>
+                <a:latin typeface="Times New Roman"/>
+                <a:ea typeface="Times New Roman"/>
+                <a:cs typeface="Times New Roman"/>
+              </a:rPr>
+              <a:t>2. Функция </a:t>
+            </a:r>
+            <a:r>
+              <a:rPr sz="2800" b="1" i="0" u="none">
+                <a:solidFill>
+                  <a:srgbClr val="000000"/>
+                </a:solidFill>
+                <a:latin typeface="Courier New"/>
+                <a:ea typeface="Courier New"/>
+                <a:cs typeface="Courier New"/>
+              </a:rPr>
+              <a:t>heapify</a:t>
+            </a:r>
+            <a:endParaRPr sz="2800"/>
+          </a:p>
+          <a:p>
+            <a:pPr>
+              <a:defRPr/>
+            </a:pPr>
+            <a:r>
+              <a:rPr sz="2800" b="0" i="0" u="none">
+                <a:solidFill>
+                  <a:srgbClr val="000000"/>
+                </a:solidFill>
+                <a:latin typeface="Times New Roman"/>
+                <a:ea typeface="Times New Roman"/>
+                <a:cs typeface="Times New Roman"/>
+              </a:rPr>
+              <a:t>Эта функция отвечает за поддержание свойства кучи в поддереве, которое начинается с индекса </a:t>
+            </a:r>
+            <a:r>
+              <a:rPr sz="2800" b="0" i="0" u="none">
+                <a:solidFill>
+                  <a:srgbClr val="000000"/>
+                </a:solidFill>
+                <a:latin typeface="Courier New"/>
+                <a:ea typeface="Courier New"/>
+                <a:cs typeface="Courier New"/>
+              </a:rPr>
+              <a:t>i</a:t>
+            </a:r>
+            <a:r>
+              <a:rPr sz="2800" b="0" i="0" u="none">
+                <a:solidFill>
+                  <a:srgbClr val="000000"/>
+                </a:solidFill>
+                <a:latin typeface="Times New Roman"/>
+                <a:ea typeface="Times New Roman"/>
+                <a:cs typeface="Times New Roman"/>
+              </a:rPr>
+              <a:t>. Функция принимает три параметра:</a:t>
+            </a:r>
+            <a:endParaRPr sz="2800"/>
+          </a:p>
+          <a:p>
+            <a:pPr>
+              <a:defRPr/>
+            </a:pPr>
+            <a:r>
+              <a:rPr sz="2800" b="0" i="0" u="none">
+                <a:solidFill>
+                  <a:srgbClr val="000000"/>
+                </a:solidFill>
+                <a:latin typeface="Courier New"/>
+                <a:ea typeface="Courier New"/>
+                <a:cs typeface="Courier New"/>
+              </a:rPr>
+              <a:t>arr</a:t>
+            </a:r>
+            <a:r>
+              <a:rPr sz="2800" b="0" i="0" u="none">
+                <a:solidFill>
+                  <a:srgbClr val="000000"/>
+                </a:solidFill>
+                <a:latin typeface="Times New Roman"/>
+                <a:ea typeface="Times New Roman"/>
+                <a:cs typeface="Times New Roman"/>
+              </a:rPr>
+              <a:t> — массив, в котором нужно поддерживать кучу.</a:t>
+            </a:r>
+            <a:endParaRPr sz="2800"/>
+          </a:p>
+          <a:p>
+            <a:pPr>
+              <a:defRPr/>
+            </a:pPr>
+            <a:r>
+              <a:rPr sz="2800" b="0" i="0" u="none">
+                <a:solidFill>
+                  <a:srgbClr val="000000"/>
+                </a:solidFill>
+                <a:latin typeface="Courier New"/>
+                <a:ea typeface="Courier New"/>
+                <a:cs typeface="Courier New"/>
+              </a:rPr>
+              <a:t>n</a:t>
+            </a:r>
+            <a:r>
+              <a:rPr sz="2800" b="0" i="0" u="none">
+                <a:solidFill>
+                  <a:srgbClr val="000000"/>
+                </a:solidFill>
+                <a:latin typeface="Times New Roman"/>
+                <a:ea typeface="Times New Roman"/>
+                <a:cs typeface="Times New Roman"/>
+              </a:rPr>
+              <a:t> — размер массива (или подмассива).</a:t>
+            </a:r>
+            <a:endParaRPr sz="2800"/>
+          </a:p>
+          <a:p>
+            <a:pPr>
+              <a:defRPr/>
+            </a:pPr>
+            <a:r>
+              <a:rPr sz="2800" b="0" i="0" u="none">
+                <a:solidFill>
+                  <a:srgbClr val="000000"/>
+                </a:solidFill>
+                <a:latin typeface="Courier New"/>
+                <a:ea typeface="Courier New"/>
+                <a:cs typeface="Courier New"/>
+              </a:rPr>
+              <a:t>i</a:t>
+            </a:r>
+            <a:r>
+              <a:rPr sz="2800" b="0" i="0" u="none">
+                <a:solidFill>
+                  <a:srgbClr val="000000"/>
+                </a:solidFill>
+                <a:latin typeface="Times New Roman"/>
+                <a:ea typeface="Times New Roman"/>
+                <a:cs typeface="Times New Roman"/>
+              </a:rPr>
+              <a:t> — индекс текущего элемента, который нужно обрабатывать.</a:t>
+            </a:r>
+            <a:endParaRPr sz="2800"/>
           </a:p>
         </p:txBody>
       </p:sp>
       <p:pic>
         <p:nvPicPr>
-          <p:cNvPr id="529988416" name=""/>
+          <p:cNvPr id="403033549" name="Рисунок 403033548"/>
           <p:cNvPicPr>
             <a:picLocks noChangeAspect="1"/>
           </p:cNvPicPr>
@@ -12129,8 +13525,8 @@
         </p:blipFill>
         <p:spPr bwMode="auto">
           <a:xfrm>
-            <a:off x="399344" y="-19292"/>
-            <a:ext cx="14420849" cy="8534399"/>
+            <a:off x="10404405" y="5728888"/>
+            <a:ext cx="13244068" cy="7179027"/>
           </a:xfrm>
           <a:prstGeom prst="rect">
             <a:avLst/>
@@ -12142,20 +13538,12 @@
   <p:clrMapOvr>
     <a:masterClrMapping/>
   </p:clrMapOvr>
-  <mc:AlternateContent xmlns:mc="http://schemas.openxmlformats.org/markup-compatibility/2006">
-    <mc:Choice xmlns:p159="http://schemas.microsoft.com/office/powerpoint/2015/09/main" xmlns:p14="http://schemas.microsoft.com/office/powerpoint/2010/main" Requires="p159">
-      <p:transition p14:dur="2000" advClick="1"/>
-    </mc:Choice>
-    <mc:Fallback>
-      <p:transition advClick="1"/>
-    </mc:Fallback>
-  </mc:AlternateContent>
 </p:sld>
 </file>
 
-<file path=ppt/slides/slide5.xml><?xml version="1.0" encoding="utf-8"?>
-<p:sld xmlns:a="http://schemas.openxmlformats.org/drawingml/2006/main" xmlns:r="http://schemas.openxmlformats.org/officeDocument/2006/relationships" xmlns:p="http://schemas.openxmlformats.org/presentationml/2006/main" xmlns:m="http://schemas.openxmlformats.org/officeDocument/2006/math" xmlns:w="http://schemas.openxmlformats.org/wordprocessingml/2006/main" xmlns:mc="http://schemas.openxmlformats.org/markup-compatibility/2006" showMasterPhAnim="0" showMasterSp="1" show="1">
-  <p:cSld name="">
+<file path=ppt/slides/slide6.xml><?xml version="1.0" encoding="utf-8"?>
+<p:sld xmlns:a="http://schemas.openxmlformats.org/drawingml/2006/main" xmlns:r="http://schemas.openxmlformats.org/officeDocument/2006/relationships" xmlns:p="http://schemas.openxmlformats.org/presentationml/2006/main" showMasterPhAnim="0">
+  <p:cSld>
     <p:spTree>
       <p:nvGrpSpPr>
         <p:cNvPr id="1" name=""/>
@@ -12172,7 +13560,7 @@
       </p:grpSpPr>
       <p:sp>
         <p:nvSpPr>
-          <p:cNvPr id="2" name="Заголовок 1"/>
+          <p:cNvPr id="2044517716" name="Заголовок 1"/>
           <p:cNvSpPr>
             <a:spLocks noGrp="1"/>
           </p:cNvSpPr>
@@ -12181,8 +13569,8 @@
           </p:nvPr>
         </p:nvSpPr>
         <p:spPr bwMode="auto">
-          <a:xfrm flipH="0" flipV="0">
-            <a:off x="540042" y="1074019"/>
+          <a:xfrm>
+            <a:off x="6078654" y="262630"/>
             <a:ext cx="10591901" cy="953474"/>
           </a:xfrm>
         </p:spPr>
@@ -12225,7 +13613,7 @@
       </p:sp>
       <p:sp>
         <p:nvSpPr>
-          <p:cNvPr id="12" name="Номер слайда 11"/>
+          <p:cNvPr id="2095812953" name="Номер слайда 11"/>
           <p:cNvSpPr>
             <a:spLocks noGrp="1"/>
           </p:cNvSpPr>
@@ -12241,9 +13629,9 @@
             <a:pPr>
               <a:defRPr/>
             </a:pPr>
-            <a:fld id="{66B5E2A4-72D4-4DC4-9470-54C0EE06E412}" type="slidenum">
-              <a:rPr lang="ru-RU"/>
-              <a:t>7</a:t>
+            <a:fld id="{1166F6AD-78AB-14C8-4D66-7B63CDAB2C2A}" type="slidenum">
+              <a:rPr lang="ru-RU"/>
+              <a:t>6</a:t>
             </a:fld>
             <a:endParaRPr lang="ru-RU"/>
           </a:p>
@@ -12251,14 +13639,14 @@
       </p:sp>
       <p:sp>
         <p:nvSpPr>
-          <p:cNvPr id="788857844" name=""/>
+          <p:cNvPr id="1328380180" name="TextBox 1328380179"/>
           <p:cNvSpPr txBox="1"/>
           <p:nvPr/>
         </p:nvSpPr>
         <p:spPr bwMode="auto">
-          <a:xfrm flipH="0" flipV="0">
-            <a:off x="689722" y="2187222"/>
-            <a:ext cx="19800521" cy="3946482"/>
+          <a:xfrm>
+            <a:off x="389860" y="1358194"/>
+            <a:ext cx="19802321" cy="4523235"/>
           </a:xfrm>
           <a:prstGeom prst="rect">
             <a:avLst/>
@@ -12266,60 +13654,16 @@
           <a:noFill/>
         </p:spPr>
         <p:txBody>
-          <a:bodyPr vertOverflow="overflow" horzOverflow="overflow" vert="horz" wrap="square" lIns="91440" tIns="45720" rIns="91440" bIns="45720" numCol="1" spcCol="0" rtlCol="0" fromWordArt="0" anchor="t" anchorCtr="0" forceAA="0" upright="0" compatLnSpc="0">
+          <a:bodyPr vertOverflow="overflow" horzOverflow="overflow" vert="horz" wrap="square" lIns="91440" tIns="45720" rIns="91440" bIns="45720" numCol="1" spcCol="0" rtlCol="0" fromWordArt="0" anchor="t" anchorCtr="0" forceAA="0" compatLnSpc="0">
             <a:spAutoFit/>
           </a:bodyPr>
+          <a:lstStyle/>
           <a:p>
             <a:pPr>
               <a:defRPr/>
             </a:pPr>
             <a:r>
-              <a:rPr sz="2400" b="1" i="0" u="none">
-                <a:solidFill>
-                  <a:srgbClr val="000000"/>
-                </a:solidFill>
-                <a:latin typeface="Times New Roman"/>
-                <a:ea typeface="Times New Roman"/>
-                <a:cs typeface="Times New Roman"/>
-              </a:rPr>
-              <a:t>1. </a:t>
-            </a:r>
-            <a:r>
-              <a:rPr sz="2400" b="1" i="0" u="none">
-                <a:solidFill>
-                  <a:srgbClr val="000000"/>
-                </a:solidFill>
-                <a:latin typeface="Times New Roman"/>
-                <a:ea typeface="Times New Roman"/>
-                <a:cs typeface="Times New Roman"/>
-              </a:rPr>
-              <a:t>Основные компоненты алгоритма</a:t>
-            </a:r>
-            <a:endParaRPr sz="2400"/>
-          </a:p>
-          <a:p>
-            <a:pPr>
-              <a:defRPr/>
-            </a:pPr>
-            <a:r>
-              <a:rPr sz="2400" b="0" i="0" u="none">
-                <a:solidFill>
-                  <a:srgbClr val="000000"/>
-                </a:solidFill>
-                <a:latin typeface="Times New Roman"/>
-                <a:ea typeface="Times New Roman"/>
-                <a:cs typeface="Times New Roman"/>
-              </a:rPr>
-              <a:t>Реализация алгоритма Heapsort состоит из двух ключевых частей:</a:t>
-            </a:r>
-            <a:endParaRPr sz="2400"/>
-          </a:p>
-          <a:p>
-            <a:pPr>
-              <a:defRPr/>
-            </a:pPr>
-            <a:r>
-              <a:rPr sz="2400" b="1" i="0" u="none">
+              <a:rPr sz="2800" b="0" i="0" u="none">
                 <a:solidFill>
                   <a:srgbClr val="000000"/>
                 </a:solidFill>
@@ -12330,7 +13674,7 @@
               <a:t>Функция </a:t>
             </a:r>
             <a:r>
-              <a:rPr sz="2400" b="1" i="0" u="none">
+              <a:rPr sz="2800" b="0" i="0" u="none">
                 <a:solidFill>
                   <a:srgbClr val="000000"/>
                 </a:solidFill>
@@ -12338,38 +13682,66 @@
                 <a:ea typeface="Courier New"/>
                 <a:cs typeface="Courier New"/>
               </a:rPr>
-              <a:t>heapify</a:t>
-            </a:r>
-            <a:r>
-              <a:rPr sz="2400" b="0" i="0" u="none">
-                <a:solidFill>
-                  <a:srgbClr val="000000"/>
-                </a:solidFill>
-                <a:latin typeface="Times New Roman"/>
-                <a:ea typeface="Times New Roman"/>
-                <a:cs typeface="Times New Roman"/>
-              </a:rPr>
-              <a:t> — восстанавливает свойство кучи.</a:t>
-            </a:r>
-            <a:endParaRPr sz="2400"/>
+              <a:t>heapsort</a:t>
+            </a:r>
+            <a:r>
+              <a:rPr sz="2800" b="0" i="0" u="none">
+                <a:solidFill>
+                  <a:srgbClr val="000000"/>
+                </a:solidFill>
+                <a:latin typeface="Times New Roman"/>
+                <a:ea typeface="Times New Roman"/>
+                <a:cs typeface="Times New Roman"/>
+              </a:rPr>
+              <a:t> сначала строит кучу из массива, а затем сортирует массив путем извлечения максимальных элементов из кучи и перемещения их в конец массива.</a:t>
+            </a:r>
+            <a:endParaRPr sz="2800"/>
           </a:p>
           <a:p>
             <a:pPr>
               <a:defRPr/>
             </a:pPr>
             <a:r>
-              <a:rPr sz="2400" b="1" i="0" u="none">
-                <a:solidFill>
-                  <a:srgbClr val="000000"/>
-                </a:solidFill>
-                <a:latin typeface="Times New Roman"/>
-                <a:ea typeface="Times New Roman"/>
-                <a:cs typeface="Times New Roman"/>
-              </a:rPr>
-              <a:t>Функция </a:t>
-            </a:r>
-            <a:r>
-              <a:rPr sz="2400" b="1" i="0" u="none">
+              <a:rPr sz="2800" b="1" i="0" u="none">
+                <a:solidFill>
+                  <a:srgbClr val="000000"/>
+                </a:solidFill>
+                <a:latin typeface="Times New Roman"/>
+                <a:ea typeface="Times New Roman"/>
+                <a:cs typeface="Times New Roman"/>
+              </a:rPr>
+              <a:t>Основной процесс:</a:t>
+            </a:r>
+            <a:endParaRPr sz="2800"/>
+          </a:p>
+          <a:p>
+            <a:pPr>
+              <a:defRPr/>
+            </a:pPr>
+            <a:r>
+              <a:rPr sz="2800" b="1" i="0" u="none">
+                <a:solidFill>
+                  <a:srgbClr val="000000"/>
+                </a:solidFill>
+                <a:latin typeface="Times New Roman"/>
+                <a:ea typeface="Times New Roman"/>
+                <a:cs typeface="Times New Roman"/>
+              </a:rPr>
+              <a:t>Построение кучи:</a:t>
+            </a:r>
+            <a:r>
+              <a:rPr sz="2800" b="0" i="0" u="none">
+                <a:solidFill>
+                  <a:srgbClr val="000000"/>
+                </a:solidFill>
+                <a:latin typeface="Times New Roman"/>
+                <a:ea typeface="Times New Roman"/>
+                <a:cs typeface="Times New Roman"/>
+              </a:rPr>
+              <a:t> Начинаем с последнего узла, который имеет дочерние элементы, и вызываем функцию </a:t>
+            </a:r>
+            <a:r>
+              <a:rPr sz="2800" b="0" i="0" u="none">
                 <a:solidFill>
                   <a:srgbClr val="000000"/>
                 </a:solidFill>
@@ -12377,66 +13749,38 @@
                 <a:ea typeface="Courier New"/>
                 <a:cs typeface="Courier New"/>
               </a:rPr>
-              <a:t>heapsort</a:t>
-            </a:r>
-            <a:r>
-              <a:rPr sz="2400" b="0" i="0" u="none">
-                <a:solidFill>
-                  <a:srgbClr val="000000"/>
-                </a:solidFill>
-                <a:latin typeface="Times New Roman"/>
-                <a:ea typeface="Times New Roman"/>
-                <a:cs typeface="Times New Roman"/>
-              </a:rPr>
-              <a:t> — выполняет сортировку всего массива, используя кучу.</a:t>
-            </a:r>
-            <a:endParaRPr sz="2400"/>
+              <a:t>heapify</a:t>
+            </a:r>
+            <a:r>
+              <a:rPr sz="2800" b="0" i="0" u="none">
+                <a:solidFill>
+                  <a:srgbClr val="000000"/>
+                </a:solidFill>
+                <a:latin typeface="Times New Roman"/>
+                <a:ea typeface="Times New Roman"/>
+                <a:cs typeface="Times New Roman"/>
+              </a:rPr>
+              <a:t> для всех узлов в поддеревьях, двигаясь от конца массива к началу. Это гарантирует, что после этого весь массив будет преобразован в кучу.</a:t>
+            </a:r>
+            <a:endParaRPr sz="2800"/>
           </a:p>
           <a:p>
             <a:pPr>
               <a:defRPr/>
             </a:pPr>
             <a:r>
-              <a:rPr sz="2400" b="0" i="0" u="none">
-                <a:solidFill>
-                  <a:srgbClr val="000000"/>
-                </a:solidFill>
-                <a:latin typeface="Times New Roman"/>
-                <a:ea typeface="Times New Roman"/>
-                <a:cs typeface="Times New Roman"/>
-              </a:rPr>
-              <a:t>Давайте более подробно разберем каждую из этих частей.</a:t>
-            </a:r>
-            <a:endParaRPr sz="2400"/>
-          </a:p>
-          <a:p>
-            <a:pPr>
-              <a:defRPr/>
-            </a:pPr>
-            <a:r>
-              <a:rPr sz="2400" b="1" i="0" u="none">
-                <a:solidFill>
-                  <a:srgbClr val="000000"/>
-                </a:solidFill>
-                <a:latin typeface="Times New Roman"/>
-                <a:ea typeface="Times New Roman"/>
-                <a:cs typeface="Times New Roman"/>
-              </a:rPr>
-              <a:t>2. </a:t>
-            </a:r>
-            <a:r>
-              <a:rPr sz="2400" b="1" i="0" u="none">
-                <a:solidFill>
-                  <a:srgbClr val="000000"/>
-                </a:solidFill>
-                <a:latin typeface="Times New Roman"/>
-                <a:ea typeface="Times New Roman"/>
-                <a:cs typeface="Times New Roman"/>
-              </a:rPr>
-              <a:t>Функция </a:t>
-            </a:r>
-            <a:r>
-              <a:rPr sz="2400" b="1" i="0" u="none">
+              <a:rPr sz="2800" b="0" i="0" u="none">
+                <a:solidFill>
+                  <a:srgbClr val="000000"/>
+                </a:solidFill>
+                <a:latin typeface="Times New Roman"/>
+                <a:ea typeface="Times New Roman"/>
+                <a:cs typeface="Times New Roman"/>
+              </a:rPr>
+              <a:t>Для этого цикл </a:t>
+            </a:r>
+            <a:r>
+              <a:rPr sz="2800" b="0" i="0" u="none">
                 <a:solidFill>
                   <a:srgbClr val="000000"/>
                 </a:solidFill>
@@ -12444,27 +13788,21 @@
                 <a:ea typeface="Courier New"/>
                 <a:cs typeface="Courier New"/>
               </a:rPr>
-              <a:t>heapify</a:t>
-            </a:r>
-            <a:endParaRPr sz="2400"/>
-          </a:p>
-          <a:p>
-            <a:pPr>
-              <a:defRPr/>
-            </a:pPr>
-            <a:r>
-              <a:rPr sz="2400" b="0" i="0" u="none">
-                <a:solidFill>
-                  <a:srgbClr val="000000"/>
-                </a:solidFill>
-                <a:latin typeface="Times New Roman"/>
-                <a:ea typeface="Times New Roman"/>
-                <a:cs typeface="Times New Roman"/>
-              </a:rPr>
-              <a:t>Эта функция отвечает за поддержание свойства кучи в поддереве, которое начинается с индекса </a:t>
-            </a:r>
-            <a:r>
-              <a:rPr sz="2400" b="0" i="0" u="none">
+              <a:t>for</a:t>
+            </a:r>
+            <a:r>
+              <a:rPr sz="2800" b="0" i="0" u="none">
+                <a:solidFill>
+                  <a:srgbClr val="000000"/>
+                </a:solidFill>
+                <a:latin typeface="Times New Roman"/>
+                <a:ea typeface="Times New Roman"/>
+                <a:cs typeface="Times New Roman"/>
+              </a:rPr>
+              <a:t> проходит по индексам от </a:t>
+            </a:r>
+            <a:r>
+              <a:rPr sz="2800" b="0" i="0" u="none">
                 <a:solidFill>
                   <a:srgbClr val="000000"/>
                 </a:solidFill>
@@ -12472,27 +13810,21 @@
                 <a:ea typeface="Courier New"/>
                 <a:cs typeface="Courier New"/>
               </a:rPr>
-              <a:t>i</a:t>
-            </a:r>
-            <a:r>
-              <a:rPr sz="2400" b="0" i="0" u="none">
-                <a:solidFill>
-                  <a:srgbClr val="000000"/>
-                </a:solidFill>
-                <a:latin typeface="Times New Roman"/>
-                <a:ea typeface="Times New Roman"/>
-                <a:cs typeface="Times New Roman"/>
-              </a:rPr>
-              <a:t>. Функция принимает три параметра:</a:t>
-            </a:r>
-            <a:endParaRPr sz="2400"/>
-          </a:p>
-          <a:p>
-            <a:pPr>
-              <a:defRPr/>
-            </a:pPr>
-            <a:r>
-              <a:rPr sz="2400" b="0" i="0" u="none">
+              <a:t>n//2 - 1</a:t>
+            </a:r>
+            <a:r>
+              <a:rPr sz="2800" b="0" i="0" u="none">
+                <a:solidFill>
+                  <a:srgbClr val="000000"/>
+                </a:solidFill>
+                <a:latin typeface="Times New Roman"/>
+                <a:ea typeface="Times New Roman"/>
+                <a:cs typeface="Times New Roman"/>
+              </a:rPr>
+              <a:t> до </a:t>
+            </a:r>
+            <a:r>
+              <a:rPr sz="2800" b="0" i="0" u="none">
                 <a:solidFill>
                   <a:srgbClr val="000000"/>
                 </a:solidFill>
@@ -12500,27 +13832,49 @@
                 <a:ea typeface="Courier New"/>
                 <a:cs typeface="Courier New"/>
               </a:rPr>
-              <a:t>arr</a:t>
-            </a:r>
-            <a:r>
-              <a:rPr sz="2400" b="0" i="0" u="none">
-                <a:solidFill>
-                  <a:srgbClr val="000000"/>
-                </a:solidFill>
-                <a:latin typeface="Times New Roman"/>
-                <a:ea typeface="Times New Roman"/>
-                <a:cs typeface="Times New Roman"/>
-              </a:rPr>
-              <a:t> — массив, в котором нужно поддерживать кучу.</a:t>
-            </a:r>
-            <a:endParaRPr sz="2400"/>
+              <a:t>0</a:t>
+            </a:r>
+            <a:r>
+              <a:rPr sz="2800" b="0" i="0" u="none">
+                <a:solidFill>
+                  <a:srgbClr val="000000"/>
+                </a:solidFill>
+                <a:latin typeface="Times New Roman"/>
+                <a:ea typeface="Times New Roman"/>
+                <a:cs typeface="Times New Roman"/>
+              </a:rPr>
+              <a:t>. В этом диапазоне находятся все внутренние узлы дерева (все узлы, которые имеют хотя бы один дочерний элемент).</a:t>
+            </a:r>
+            <a:endParaRPr sz="2800"/>
           </a:p>
           <a:p>
             <a:pPr>
               <a:defRPr/>
             </a:pPr>
             <a:r>
-              <a:rPr sz="2400" b="0" i="0" u="none">
+              <a:rPr sz="2800" b="1" i="0" u="none">
+                <a:solidFill>
+                  <a:srgbClr val="000000"/>
+                </a:solidFill>
+                <a:latin typeface="Times New Roman"/>
+                <a:ea typeface="Times New Roman"/>
+                <a:cs typeface="Times New Roman"/>
+              </a:rPr>
+              <a:t>Извлечение элементов:</a:t>
+            </a:r>
+            <a:r>
+              <a:rPr sz="2800" b="0" i="0" u="none">
+                <a:solidFill>
+                  <a:srgbClr val="000000"/>
+                </a:solidFill>
+                <a:latin typeface="Times New Roman"/>
+                <a:ea typeface="Times New Roman"/>
+                <a:cs typeface="Times New Roman"/>
+              </a:rPr>
+              <a:t> В цикле </a:t>
+            </a:r>
+            <a:r>
+              <a:rPr sz="2800" b="0" i="0" u="none">
                 <a:solidFill>
                   <a:srgbClr val="000000"/>
                 </a:solidFill>
@@ -12528,27 +13882,21 @@
                 <a:ea typeface="Courier New"/>
                 <a:cs typeface="Courier New"/>
               </a:rPr>
-              <a:t>n</a:t>
-            </a:r>
-            <a:r>
-              <a:rPr sz="2400" b="0" i="0" u="none">
-                <a:solidFill>
-                  <a:srgbClr val="000000"/>
-                </a:solidFill>
-                <a:latin typeface="Times New Roman"/>
-                <a:ea typeface="Times New Roman"/>
-                <a:cs typeface="Times New Roman"/>
-              </a:rPr>
-              <a:t> — размер массива (или подмассива).</a:t>
-            </a:r>
-            <a:endParaRPr sz="2400"/>
-          </a:p>
-          <a:p>
-            <a:pPr>
-              <a:defRPr/>
-            </a:pPr>
-            <a:r>
-              <a:rPr sz="2400" b="0" i="0" u="none">
+              <a:t>for</a:t>
+            </a:r>
+            <a:r>
+              <a:rPr sz="2800" b="0" i="0" u="none">
+                <a:solidFill>
+                  <a:srgbClr val="000000"/>
+                </a:solidFill>
+                <a:latin typeface="Times New Roman"/>
+                <a:ea typeface="Times New Roman"/>
+                <a:cs typeface="Times New Roman"/>
+              </a:rPr>
+              <a:t> извлекаются элементы из кучи. Элементы перемещаются в конец массива, а затем вызывается функция </a:t>
+            </a:r>
+            <a:r>
+              <a:rPr sz="2800" b="0" i="0" u="none">
                 <a:solidFill>
                   <a:srgbClr val="000000"/>
                 </a:solidFill>
@@ -12556,42 +13904,56 @@
                 <a:ea typeface="Courier New"/>
                 <a:cs typeface="Courier New"/>
               </a:rPr>
-              <a:t>i</a:t>
-            </a:r>
-            <a:r>
-              <a:rPr sz="2400" b="0" i="0" u="none">
-                <a:solidFill>
-                  <a:srgbClr val="000000"/>
-                </a:solidFill>
-                <a:latin typeface="Times New Roman"/>
-                <a:ea typeface="Times New Roman"/>
-                <a:cs typeface="Times New Roman"/>
-              </a:rPr>
-              <a:t> — индекс текущего элемента, который нужно обрабатывать.</a:t>
-            </a:r>
-            <a:endParaRPr sz="2400"/>
-          </a:p>
-        </p:txBody>
-      </p:sp>
+              <a:t>heapify</a:t>
+            </a:r>
+            <a:r>
+              <a:rPr sz="2800" b="0" i="0" u="none">
+                <a:solidFill>
+                  <a:srgbClr val="000000"/>
+                </a:solidFill>
+                <a:latin typeface="Times New Roman"/>
+                <a:ea typeface="Times New Roman"/>
+                <a:cs typeface="Times New Roman"/>
+              </a:rPr>
+              <a:t> для восстановления кучи в оставшейся части массива.</a:t>
+            </a:r>
+            <a:endParaRPr sz="2800"/>
+          </a:p>
+        </p:txBody>
+      </p:sp>
+      <p:pic>
+        <p:nvPicPr>
+          <p:cNvPr id="1210115526" name="Рисунок 1210115525"/>
+          <p:cNvPicPr>
+            <a:picLocks noChangeAspect="1"/>
+          </p:cNvPicPr>
+          <p:nvPr/>
+        </p:nvPicPr>
+        <p:blipFill>
+          <a:blip r:embed="rId3"/>
+          <a:stretch/>
+        </p:blipFill>
+        <p:spPr bwMode="auto">
+          <a:xfrm>
+            <a:off x="3018055" y="6967360"/>
+            <a:ext cx="15735415" cy="4533194"/>
+          </a:xfrm>
+          <a:prstGeom prst="rect">
+            <a:avLst/>
+          </a:prstGeom>
+        </p:spPr>
+      </p:pic>
     </p:spTree>
   </p:cSld>
   <p:clrMapOvr>
     <a:masterClrMapping/>
   </p:clrMapOvr>
-  <mc:AlternateContent xmlns:mc="http://schemas.openxmlformats.org/markup-compatibility/2006">
-    <mc:Choice xmlns:p159="http://schemas.microsoft.com/office/powerpoint/2015/09/main" xmlns:p14="http://schemas.microsoft.com/office/powerpoint/2010/main" Requires="p159">
-      <p:transition p14:dur="2000" advClick="1"/>
-    </mc:Choice>
-    <mc:Fallback>
-      <p:transition advClick="1"/>
-    </mc:Fallback>
-  </mc:AlternateContent>
 </p:sld>
 </file>
 
-<file path=ppt/slides/slide6.xml><?xml version="1.0" encoding="utf-8"?>
-<p:sld xmlns:a="http://schemas.openxmlformats.org/drawingml/2006/main" xmlns:r="http://schemas.openxmlformats.org/officeDocument/2006/relationships" xmlns:p="http://schemas.openxmlformats.org/presentationml/2006/main" xmlns:m="http://schemas.openxmlformats.org/officeDocument/2006/math" xmlns:w="http://schemas.openxmlformats.org/wordprocessingml/2006/main" xmlns:mc="http://schemas.openxmlformats.org/markup-compatibility/2006" showMasterPhAnim="0" showMasterSp="1" show="1">
-  <p:cSld name="">
+<file path=ppt/slides/slide7.xml><?xml version="1.0" encoding="utf-8"?>
+<p:sld xmlns:a="http://schemas.openxmlformats.org/drawingml/2006/main" xmlns:r="http://schemas.openxmlformats.org/officeDocument/2006/relationships" xmlns:p="http://schemas.openxmlformats.org/presentationml/2006/main" showMasterPhAnim="0">
+  <p:cSld>
     <p:spTree>
       <p:nvGrpSpPr>
         <p:cNvPr id="1" name=""/>
@@ -12608,7 +13970,7 @@
       </p:grpSpPr>
       <p:sp>
         <p:nvSpPr>
-          <p:cNvPr id="597742834" name="Заголовок 1"/>
+          <p:cNvPr id="2" name="Заголовок 1"/>
           <p:cNvSpPr>
             <a:spLocks noGrp="1"/>
           </p:cNvSpPr>
@@ -12617,9 +13979,9 @@
           </p:nvPr>
         </p:nvSpPr>
         <p:spPr bwMode="auto">
-          <a:xfrm flipH="0" flipV="0">
-            <a:off x="540042" y="1074019"/>
-            <a:ext cx="10591901" cy="953474"/>
+          <a:xfrm>
+            <a:off x="8279159" y="924896"/>
+            <a:ext cx="6960841" cy="918251"/>
           </a:xfrm>
         </p:spPr>
         <p:txBody>
@@ -12630,38 +13992,16 @@
               <a:defRPr/>
             </a:pPr>
             <a:r>
-              <a:rPr lang="ru-RU" sz="3600" b="1"/>
-              <a:t>Реализация алгоритма</a:t>
-            </a:r>
-            <a:r>
-              <a:rPr sz="3600" b="1"/>
-              <a:t> </a:t>
-            </a:r>
-            <a:r>
-              <a:rPr lang="en-US" sz="3600" b="1"/>
-              <a:t>Heapsort </a:t>
-            </a:r>
-            <a:r>
-              <a:rPr lang="ru-RU" sz="3600" b="1"/>
-              <a:t>на </a:t>
-            </a:r>
-            <a:r>
-              <a:rPr lang="en-US" sz="3600" b="1"/>
-              <a:t>Python</a:t>
-            </a:r>
-            <a:endParaRPr sz="3600"/>
-          </a:p>
-          <a:p>
-            <a:pPr>
-              <a:defRPr/>
-            </a:pPr>
-            <a:endParaRPr sz="3600"/>
-          </a:p>
-        </p:txBody>
-      </p:sp>
-      <p:sp>
-        <p:nvSpPr>
-          <p:cNvPr id="1763217333" name="Номер слайда 11"/>
+              <a:rPr lang="ru-RU" b="1"/>
+              <a:t>Тестирование</a:t>
+            </a:r>
+            <a:endParaRPr/>
+          </a:p>
+        </p:txBody>
+      </p:sp>
+      <p:sp>
+        <p:nvSpPr>
+          <p:cNvPr id="12" name="Номер слайда 11"/>
           <p:cNvSpPr>
             <a:spLocks noGrp="1"/>
           </p:cNvSpPr>
@@ -12677,341 +14017,17 @@
             <a:pPr>
               <a:defRPr/>
             </a:pPr>
-            <a:fld id="{3C86F1B0-2399-AFCF-7693-53A81692436C}" type="slidenum">
-              <a:rPr lang="ru-RU"/>
-              <a:t/>
+            <a:fld id="{66B5E2A4-72D4-4DC4-9470-54C0EE06E412}" type="slidenum">
+              <a:rPr lang="ru-RU"/>
+              <a:t>7</a:t>
             </a:fld>
             <a:endParaRPr lang="ru-RU"/>
           </a:p>
         </p:txBody>
       </p:sp>
-      <p:sp>
-        <p:nvSpPr>
-          <p:cNvPr id="554381127" name=""/>
-          <p:cNvSpPr txBox="1"/>
-          <p:nvPr/>
-        </p:nvSpPr>
-        <p:spPr bwMode="auto">
-          <a:xfrm flipH="0" flipV="0">
-            <a:off x="178194" y="2257777"/>
-            <a:ext cx="19801241" cy="5015649"/>
-          </a:xfrm>
-          <a:prstGeom prst="rect">
-            <a:avLst/>
-          </a:prstGeom>
-          <a:noFill/>
-        </p:spPr>
-        <p:txBody>
-          <a:bodyPr vertOverflow="overflow" horzOverflow="overflow" vert="horz" wrap="square" lIns="91440" tIns="45720" rIns="91440" bIns="45720" numCol="1" spcCol="0" rtlCol="0" fromWordArt="0" anchor="t" anchorCtr="0" forceAA="0" upright="0" compatLnSpc="0">
-            <a:spAutoFit/>
-          </a:bodyPr>
-          <a:p>
-            <a:pPr>
-              <a:defRPr/>
-            </a:pPr>
-            <a:r>
-              <a:rPr sz="2800" b="1" i="0" u="none">
-                <a:solidFill>
-                  <a:srgbClr val="000000"/>
-                </a:solidFill>
-                <a:latin typeface="Times New Roman"/>
-                <a:ea typeface="Times New Roman"/>
-                <a:cs typeface="Times New Roman"/>
-              </a:rPr>
-              <a:t>1. </a:t>
-            </a:r>
-            <a:r>
-              <a:rPr sz="2800" b="1" i="0" u="none">
-                <a:solidFill>
-                  <a:srgbClr val="000000"/>
-                </a:solidFill>
-                <a:latin typeface="Times New Roman"/>
-                <a:ea typeface="Times New Roman"/>
-                <a:cs typeface="Times New Roman"/>
-              </a:rPr>
-              <a:t>Основные компоненты алгоритма</a:t>
-            </a:r>
-            <a:endParaRPr sz="2800"/>
-          </a:p>
-          <a:p>
-            <a:pPr>
-              <a:defRPr/>
-            </a:pPr>
-            <a:r>
-              <a:rPr sz="2800" b="0" i="0" u="none">
-                <a:solidFill>
-                  <a:srgbClr val="000000"/>
-                </a:solidFill>
-                <a:latin typeface="Times New Roman"/>
-                <a:ea typeface="Times New Roman"/>
-                <a:cs typeface="Times New Roman"/>
-              </a:rPr>
-              <a:t>Реализация алгоритма Heapsort состоит из двух ключевых частей:</a:t>
-            </a:r>
-            <a:endParaRPr sz="2800"/>
-          </a:p>
-          <a:p>
-            <a:pPr>
-              <a:defRPr/>
-            </a:pPr>
-            <a:r>
-              <a:rPr sz="2800" b="1" i="0" u="none">
-                <a:solidFill>
-                  <a:srgbClr val="000000"/>
-                </a:solidFill>
-                <a:latin typeface="Times New Roman"/>
-                <a:ea typeface="Times New Roman"/>
-                <a:cs typeface="Times New Roman"/>
-              </a:rPr>
-              <a:t>Функция </a:t>
-            </a:r>
-            <a:r>
-              <a:rPr sz="2800" b="1" i="0" u="none">
-                <a:solidFill>
-                  <a:srgbClr val="000000"/>
-                </a:solidFill>
-                <a:latin typeface="Courier New"/>
-                <a:ea typeface="Courier New"/>
-                <a:cs typeface="Courier New"/>
-              </a:rPr>
-              <a:t>heapify</a:t>
-            </a:r>
-            <a:r>
-              <a:rPr sz="2800" b="0" i="0" u="none">
-                <a:solidFill>
-                  <a:srgbClr val="000000"/>
-                </a:solidFill>
-                <a:latin typeface="Times New Roman"/>
-                <a:ea typeface="Times New Roman"/>
-                <a:cs typeface="Times New Roman"/>
-              </a:rPr>
-              <a:t> — восстанавливает свойство кучи.</a:t>
-            </a:r>
-            <a:endParaRPr sz="2800"/>
-          </a:p>
-          <a:p>
-            <a:pPr>
-              <a:defRPr/>
-            </a:pPr>
-            <a:r>
-              <a:rPr sz="2800" b="1" i="0" u="none">
-                <a:solidFill>
-                  <a:srgbClr val="000000"/>
-                </a:solidFill>
-                <a:latin typeface="Times New Roman"/>
-                <a:ea typeface="Times New Roman"/>
-                <a:cs typeface="Times New Roman"/>
-              </a:rPr>
-              <a:t>Функция </a:t>
-            </a:r>
-            <a:r>
-              <a:rPr sz="2800" b="1" i="0" u="none">
-                <a:solidFill>
-                  <a:srgbClr val="000000"/>
-                </a:solidFill>
-                <a:latin typeface="Courier New"/>
-                <a:ea typeface="Courier New"/>
-                <a:cs typeface="Courier New"/>
-              </a:rPr>
-              <a:t>heapsort</a:t>
-            </a:r>
-            <a:r>
-              <a:rPr sz="2800" b="0" i="0" u="none">
-                <a:solidFill>
-                  <a:srgbClr val="000000"/>
-                </a:solidFill>
-                <a:latin typeface="Times New Roman"/>
-                <a:ea typeface="Times New Roman"/>
-                <a:cs typeface="Times New Roman"/>
-              </a:rPr>
-              <a:t> — выполняет сортировку всего массива, используя кучу.</a:t>
-            </a:r>
-            <a:endParaRPr sz="2800"/>
-          </a:p>
-          <a:p>
-            <a:pPr>
-              <a:defRPr/>
-            </a:pPr>
-            <a:r>
-              <a:rPr sz="2800" b="0" i="0" u="none">
-                <a:solidFill>
-                  <a:srgbClr val="000000"/>
-                </a:solidFill>
-                <a:latin typeface="Times New Roman"/>
-                <a:ea typeface="Times New Roman"/>
-                <a:cs typeface="Times New Roman"/>
-              </a:rPr>
-              <a:t>Давайте более подробно разберем каждую из этих частей.</a:t>
-            </a:r>
-            <a:endParaRPr sz="2800"/>
-          </a:p>
-          <a:p>
-            <a:pPr>
-              <a:defRPr/>
-            </a:pPr>
-            <a:r>
-              <a:rPr sz="2800" b="1" i="0" u="none">
-                <a:solidFill>
-                  <a:srgbClr val="000000"/>
-                </a:solidFill>
-                <a:latin typeface="Times New Roman"/>
-                <a:ea typeface="Times New Roman"/>
-                <a:cs typeface="Times New Roman"/>
-              </a:rPr>
-              <a:t>2. </a:t>
-            </a:r>
-            <a:r>
-              <a:rPr sz="2800" b="1" i="0" u="none">
-                <a:solidFill>
-                  <a:srgbClr val="000000"/>
-                </a:solidFill>
-                <a:latin typeface="Times New Roman"/>
-                <a:ea typeface="Times New Roman"/>
-                <a:cs typeface="Times New Roman"/>
-              </a:rPr>
-              <a:t>Функция </a:t>
-            </a:r>
-            <a:r>
-              <a:rPr sz="2800" b="1" i="0" u="none">
-                <a:solidFill>
-                  <a:srgbClr val="000000"/>
-                </a:solidFill>
-                <a:latin typeface="Courier New"/>
-                <a:ea typeface="Courier New"/>
-                <a:cs typeface="Courier New"/>
-              </a:rPr>
-              <a:t>heapify</a:t>
-            </a:r>
-            <a:endParaRPr sz="2800"/>
-          </a:p>
-          <a:p>
-            <a:pPr>
-              <a:defRPr/>
-            </a:pPr>
-            <a:r>
-              <a:rPr sz="2800" b="0" i="0" u="none">
-                <a:solidFill>
-                  <a:srgbClr val="000000"/>
-                </a:solidFill>
-                <a:latin typeface="Times New Roman"/>
-                <a:ea typeface="Times New Roman"/>
-                <a:cs typeface="Times New Roman"/>
-              </a:rPr>
-              <a:t>Эта функция отвечает за поддержание свойства кучи в поддереве, которое начинается с индекса </a:t>
-            </a:r>
-            <a:r>
-              <a:rPr sz="2800" b="0" i="0" u="none">
-                <a:solidFill>
-                  <a:srgbClr val="000000"/>
-                </a:solidFill>
-                <a:latin typeface="Courier New"/>
-                <a:ea typeface="Courier New"/>
-                <a:cs typeface="Courier New"/>
-              </a:rPr>
-              <a:t>i</a:t>
-            </a:r>
-            <a:r>
-              <a:rPr sz="2800" b="0" i="0" u="none">
-                <a:solidFill>
-                  <a:srgbClr val="000000"/>
-                </a:solidFill>
-                <a:latin typeface="Times New Roman"/>
-                <a:ea typeface="Times New Roman"/>
-                <a:cs typeface="Times New Roman"/>
-              </a:rPr>
-              <a:t>. Функция принимает три параметра:</a:t>
-            </a:r>
-            <a:endParaRPr sz="2800"/>
-          </a:p>
-          <a:p>
-            <a:pPr>
-              <a:defRPr/>
-            </a:pPr>
-            <a:r>
-              <a:rPr sz="2800" b="0" i="0" u="none">
-                <a:solidFill>
-                  <a:srgbClr val="000000"/>
-                </a:solidFill>
-                <a:latin typeface="Courier New"/>
-                <a:ea typeface="Courier New"/>
-                <a:cs typeface="Courier New"/>
-              </a:rPr>
-              <a:t>arr</a:t>
-            </a:r>
-            <a:r>
-              <a:rPr sz="2800" b="0" i="0" u="none">
-                <a:solidFill>
-                  <a:srgbClr val="000000"/>
-                </a:solidFill>
-                <a:latin typeface="Times New Roman"/>
-                <a:ea typeface="Times New Roman"/>
-                <a:cs typeface="Times New Roman"/>
-              </a:rPr>
-              <a:t> — массив, в котором нужно поддерживать кучу.</a:t>
-            </a:r>
-            <a:endParaRPr sz="2800"/>
-          </a:p>
-          <a:p>
-            <a:pPr>
-              <a:defRPr/>
-            </a:pPr>
-            <a:r>
-              <a:rPr sz="2800" b="0" i="0" u="none">
-                <a:solidFill>
-                  <a:srgbClr val="000000"/>
-                </a:solidFill>
-                <a:latin typeface="Courier New"/>
-                <a:ea typeface="Courier New"/>
-                <a:cs typeface="Courier New"/>
-              </a:rPr>
-              <a:t>n</a:t>
-            </a:r>
-            <a:r>
-              <a:rPr sz="2800" b="0" i="0" u="none">
-                <a:solidFill>
-                  <a:srgbClr val="000000"/>
-                </a:solidFill>
-                <a:latin typeface="Times New Roman"/>
-                <a:ea typeface="Times New Roman"/>
-                <a:cs typeface="Times New Roman"/>
-              </a:rPr>
-              <a:t> — размер массива (или подмассива).</a:t>
-            </a:r>
-            <a:endParaRPr sz="2800"/>
-          </a:p>
-          <a:p>
-            <a:pPr>
-              <a:defRPr/>
-            </a:pPr>
-            <a:r>
-              <a:rPr sz="2800" b="0" i="0" u="none">
-                <a:solidFill>
-                  <a:srgbClr val="000000"/>
-                </a:solidFill>
-                <a:latin typeface="Courier New"/>
-                <a:ea typeface="Courier New"/>
-                <a:cs typeface="Courier New"/>
-              </a:rPr>
-              <a:t>i</a:t>
-            </a:r>
-            <a:r>
-              <a:rPr sz="2800" b="0" i="0" u="none">
-                <a:solidFill>
-                  <a:srgbClr val="000000"/>
-                </a:solidFill>
-                <a:latin typeface="Times New Roman"/>
-                <a:ea typeface="Times New Roman"/>
-                <a:cs typeface="Times New Roman"/>
-              </a:rPr>
-              <a:t> — индекс текущего элемента, который нужно обрабатывать.</a:t>
-            </a:r>
-            <a:endParaRPr sz="2800"/>
-          </a:p>
-        </p:txBody>
-      </p:sp>
       <p:pic>
         <p:nvPicPr>
-          <p:cNvPr id="403033549" name=""/>
+          <p:cNvPr id="260470311" name="Рисунок 260470310"/>
           <p:cNvPicPr>
             <a:picLocks noChangeAspect="1"/>
           </p:cNvPicPr>
@@ -13022,9 +14038,114 @@
           <a:stretch/>
         </p:blipFill>
         <p:spPr bwMode="auto">
-          <a:xfrm flipH="0" flipV="0">
-            <a:off x="10404405" y="5728888"/>
-            <a:ext cx="13244068" cy="7179027"/>
+          <a:xfrm>
+            <a:off x="705555" y="3686527"/>
+            <a:ext cx="9509166" cy="9575757"/>
+          </a:xfrm>
+          <a:prstGeom prst="rect">
+            <a:avLst/>
+          </a:prstGeom>
+        </p:spPr>
+      </p:pic>
+      <p:sp>
+        <p:nvSpPr>
+          <p:cNvPr id="1397662771" name=" 1397662770"/>
+          <p:cNvSpPr/>
+          <p:nvPr/>
+        </p:nvSpPr>
+        <p:spPr bwMode="auto">
+          <a:xfrm>
+            <a:off x="10287858" y="1915865"/>
+            <a:ext cx="13473525" cy="1371960"/>
+          </a:xfrm>
+        </p:spPr>
+        <p:txBody>
+          <a:bodyPr rot="0" spcFirstLastPara="0" vertOverflow="overflow" horzOverflow="overflow" vert="horz" wrap="square" lIns="91440" tIns="45720" rIns="91440" bIns="45720" numCol="1" spcCol="0" rtlCol="0" fromWordArt="0" anchor="t" anchorCtr="0" forceAA="0" compatLnSpc="1">
+            <a:prstTxWarp prst="textNoShape">
+              <a:avLst/>
+            </a:prstTxWarp>
+            <a:spAutoFit/>
+          </a:bodyPr>
+          <a:lstStyle/>
+          <a:p>
+            <a:pPr>
+              <a:defRPr/>
+            </a:pPr>
+            <a:r>
+              <a:rPr sz="2800" b="0" i="0" u="none">
+                <a:solidFill>
+                  <a:srgbClr val="000000"/>
+                </a:solidFill>
+                <a:latin typeface="Times New Roman"/>
+                <a:ea typeface="Times New Roman"/>
+                <a:cs typeface="Times New Roman"/>
+              </a:rPr>
+              <a:t>Тестирование важно для подтверждения правильности работы алгоритма. Для этого можно использовать различные тесты, чтобы убедиться, что алгоритм корректно работает с разными типами данных.</a:t>
+            </a:r>
+            <a:endParaRPr sz="2800"/>
+          </a:p>
+        </p:txBody>
+      </p:sp>
+      <p:pic>
+        <p:nvPicPr>
+          <p:cNvPr id="463970190" name="Рисунок 463970189"/>
+          <p:cNvPicPr>
+            <a:picLocks noChangeAspect="1"/>
+          </p:cNvPicPr>
+          <p:nvPr/>
+        </p:nvPicPr>
+        <p:blipFill>
+          <a:blip r:embed="rId4"/>
+          <a:stretch/>
+        </p:blipFill>
+        <p:spPr bwMode="auto">
+          <a:xfrm>
+            <a:off x="12541249" y="3527777"/>
+            <a:ext cx="9326224" cy="6438194"/>
+          </a:xfrm>
+          <a:prstGeom prst="rect">
+            <a:avLst/>
+          </a:prstGeom>
+        </p:spPr>
+      </p:pic>
+      <p:pic>
+        <p:nvPicPr>
+          <p:cNvPr id="1774439490" name="Рисунок 1774439489"/>
+          <p:cNvPicPr>
+            <a:picLocks noChangeAspect="1"/>
+          </p:cNvPicPr>
+          <p:nvPr/>
+        </p:nvPicPr>
+        <p:blipFill>
+          <a:blip r:embed="rId5"/>
+          <a:stretch/>
+        </p:blipFill>
+        <p:spPr bwMode="auto">
+          <a:xfrm>
+            <a:off x="10671527" y="10283472"/>
+            <a:ext cx="11306174" cy="1200150"/>
+          </a:xfrm>
+          <a:prstGeom prst="rect">
+            <a:avLst/>
+          </a:prstGeom>
+        </p:spPr>
+      </p:pic>
+      <p:pic>
+        <p:nvPicPr>
+          <p:cNvPr id="1780783664" name="Рисунок 1780783663"/>
+          <p:cNvPicPr>
+            <a:picLocks noChangeAspect="1"/>
+          </p:cNvPicPr>
+          <p:nvPr/>
+        </p:nvPicPr>
+        <p:blipFill>
+          <a:blip r:embed="rId6"/>
+          <a:stretch/>
+        </p:blipFill>
+        <p:spPr bwMode="auto">
+          <a:xfrm>
+            <a:off x="236138" y="1955972"/>
+            <a:ext cx="9784555" cy="1331852"/>
           </a:xfrm>
           <a:prstGeom prst="rect">
             <a:avLst/>
@@ -13036,20 +14157,12 @@
   <p:clrMapOvr>
     <a:masterClrMapping/>
   </p:clrMapOvr>
-  <mc:AlternateContent xmlns:mc="http://schemas.openxmlformats.org/markup-compatibility/2006">
-    <mc:Choice xmlns:p159="http://schemas.microsoft.com/office/powerpoint/2015/09/main" xmlns:p14="http://schemas.microsoft.com/office/powerpoint/2010/main" Requires="p159">
-      <p:transition p14:dur="2000" advClick="1"/>
-    </mc:Choice>
-    <mc:Fallback>
-      <p:transition advClick="1"/>
-    </mc:Fallback>
-  </mc:AlternateContent>
 </p:sld>
 </file>
 
-<file path=ppt/slides/slide7.xml><?xml version="1.0" encoding="utf-8"?>
-<p:sld xmlns:a="http://schemas.openxmlformats.org/drawingml/2006/main" xmlns:r="http://schemas.openxmlformats.org/officeDocument/2006/relationships" xmlns:p="http://schemas.openxmlformats.org/presentationml/2006/main" xmlns:m="http://schemas.openxmlformats.org/officeDocument/2006/math" xmlns:w="http://schemas.openxmlformats.org/wordprocessingml/2006/main" xmlns:mc="http://schemas.openxmlformats.org/markup-compatibility/2006" showMasterPhAnim="0" showMasterSp="1" show="1">
-  <p:cSld name="">
+<file path=ppt/slides/slide8.xml><?xml version="1.0" encoding="utf-8"?>
+<p:sld xmlns:a="http://schemas.openxmlformats.org/drawingml/2006/main" xmlns:r="http://schemas.openxmlformats.org/officeDocument/2006/relationships" xmlns:p="http://schemas.openxmlformats.org/presentationml/2006/main" showMasterPhAnim="0">
+  <p:cSld>
     <p:spTree>
       <p:nvGrpSpPr>
         <p:cNvPr id="1" name=""/>
@@ -13066,7 +14179,7 @@
       </p:grpSpPr>
       <p:sp>
         <p:nvSpPr>
-          <p:cNvPr id="2044517716" name="Заголовок 1"/>
+          <p:cNvPr id="163920206" name="Заголовок 1"/>
           <p:cNvSpPr>
             <a:spLocks noGrp="1"/>
           </p:cNvSpPr>
@@ -13074,12 +14187,7 @@
             <p:ph type="ctrTitle"/>
           </p:nvPr>
         </p:nvSpPr>
-        <p:spPr bwMode="auto">
-          <a:xfrm flipH="0" flipV="0">
-            <a:off x="6078654" y="262630"/>
-            <a:ext cx="10591901" cy="953474"/>
-          </a:xfrm>
-        </p:spPr>
+        <p:spPr bwMode="auto"/>
         <p:txBody>
           <a:bodyPr/>
           <a:lstStyle/>
@@ -13088,46 +14196,29 @@
               <a:defRPr/>
             </a:pPr>
             <a:r>
-              <a:rPr lang="ru-RU" sz="3600" b="1"/>
-              <a:t>Реализация алгоритма</a:t>
-            </a:r>
-            <a:r>
-              <a:rPr sz="3600" b="1"/>
-              <a:t> </a:t>
-            </a:r>
-            <a:r>
-              <a:rPr lang="en-US" sz="3600" b="1"/>
-              <a:t>Heapsort </a:t>
-            </a:r>
-            <a:r>
-              <a:rPr lang="ru-RU" sz="3600" b="1"/>
-              <a:t>на </a:t>
-            </a:r>
-            <a:r>
-              <a:rPr lang="en-US" sz="3600" b="1"/>
-              <a:t>Python</a:t>
-            </a:r>
-            <a:endParaRPr sz="3600"/>
-          </a:p>
-          <a:p>
-            <a:pPr>
-              <a:defRPr/>
-            </a:pPr>
-            <a:endParaRPr sz="3600"/>
-          </a:p>
-        </p:txBody>
-      </p:sp>
-      <p:sp>
-        <p:nvSpPr>
-          <p:cNvPr id="2095812953" name="Номер слайда 11"/>
-          <p:cNvSpPr>
-            <a:spLocks noGrp="1"/>
-          </p:cNvSpPr>
-          <p:nvPr>
-            <p:ph type="sldNum" sz="quarter" idx="20"/>
-          </p:nvPr>
-        </p:nvSpPr>
-        <p:spPr bwMode="auto"/>
+              <a:rPr lang="ru-RU" b="1"/>
+              <a:t>Заключение</a:t>
+            </a:r>
+            <a:endParaRPr/>
+          </a:p>
+        </p:txBody>
+      </p:sp>
+      <p:sp>
+        <p:nvSpPr>
+          <p:cNvPr id="1985196026" name="Текст 3"/>
+          <p:cNvSpPr>
+            <a:spLocks noGrp="1"/>
+          </p:cNvSpPr>
+          <p:nvPr>
+            <p:ph type="body" sz="quarter" idx="12"/>
+          </p:nvPr>
+        </p:nvSpPr>
+        <p:spPr bwMode="auto">
+          <a:xfrm>
+            <a:off x="1298514" y="4901742"/>
+            <a:ext cx="10626782" cy="6542998"/>
+          </a:xfrm>
+        </p:spPr>
         <p:txBody>
           <a:bodyPr/>
           <a:lstStyle/>
@@ -13135,300 +14226,200 @@
             <a:pPr>
               <a:defRPr/>
             </a:pPr>
-            <a:fld id="{1166F6AD-78AB-14C8-4D66-7B63CDAB2C2A}" type="slidenum">
-              <a:rPr lang="ru-RU"/>
-              <a:t/>
+            <a:r>
+              <a:rPr sz="3600" b="1" i="0" u="none">
+                <a:solidFill>
+                  <a:srgbClr val="000000"/>
+                </a:solidFill>
+                <a:latin typeface="Times New Roman"/>
+                <a:ea typeface="Times New Roman"/>
+                <a:cs typeface="Times New Roman"/>
+              </a:rPr>
+              <a:t>Heapsort</a:t>
+            </a:r>
+            <a:r>
+              <a:rPr sz="3600" b="0" i="0" u="none">
+                <a:solidFill>
+                  <a:srgbClr val="000000"/>
+                </a:solidFill>
+                <a:latin typeface="Times New Roman"/>
+                <a:ea typeface="Times New Roman"/>
+                <a:cs typeface="Times New Roman"/>
+              </a:rPr>
+              <a:t> — это эффективный алгоритм сортировки, который использует структуру данных куча.</a:t>
+            </a:r>
+            <a:endParaRPr sz="3600"/>
+          </a:p>
+          <a:p>
+            <a:pPr>
+              <a:defRPr/>
+            </a:pPr>
+            <a:r>
+              <a:rPr sz="3600" b="0" i="0" u="none">
+                <a:solidFill>
+                  <a:srgbClr val="000000"/>
+                </a:solidFill>
+                <a:latin typeface="Times New Roman"/>
+                <a:ea typeface="Times New Roman"/>
+                <a:cs typeface="Times New Roman"/>
+              </a:rPr>
+              <a:t>Он имеет стабильную сложность </a:t>
+            </a:r>
+            <a:r>
+              <a:rPr sz="3600" b="1" i="0" u="none">
+                <a:solidFill>
+                  <a:srgbClr val="000000"/>
+                </a:solidFill>
+                <a:latin typeface="Times New Roman"/>
+                <a:ea typeface="Times New Roman"/>
+                <a:cs typeface="Times New Roman"/>
+              </a:rPr>
+              <a:t>O(n log n)</a:t>
+            </a:r>
+            <a:r>
+              <a:rPr sz="3600" b="0" i="0" u="none">
+                <a:solidFill>
+                  <a:srgbClr val="000000"/>
+                </a:solidFill>
+                <a:latin typeface="Times New Roman"/>
+                <a:ea typeface="Times New Roman"/>
+                <a:cs typeface="Times New Roman"/>
+              </a:rPr>
+              <a:t> и не требует дополнительной памяти (кроме массива).</a:t>
+            </a:r>
+            <a:endParaRPr sz="3600"/>
+          </a:p>
+          <a:p>
+            <a:pPr>
+              <a:defRPr/>
+            </a:pPr>
+            <a:r>
+              <a:rPr sz="3600" b="0" i="0" u="none">
+                <a:solidFill>
+                  <a:srgbClr val="000000"/>
+                </a:solidFill>
+                <a:latin typeface="Times New Roman"/>
+                <a:ea typeface="Times New Roman"/>
+                <a:cs typeface="Times New Roman"/>
+              </a:rPr>
+              <a:t>Он может быть полезен в ситуациях, когда важна стабильная производительность даже в худшем случае.</a:t>
+            </a:r>
+            <a:endParaRPr sz="3600"/>
+          </a:p>
+          <a:p>
+            <a:pPr>
+              <a:defRPr/>
+            </a:pPr>
+            <a:r>
+              <a:rPr sz="3600" b="0" i="0" u="none">
+                <a:solidFill>
+                  <a:srgbClr val="000000"/>
+                </a:solidFill>
+                <a:latin typeface="Times New Roman"/>
+                <a:ea typeface="Times New Roman"/>
+                <a:cs typeface="Times New Roman"/>
+              </a:rPr>
+              <a:t>Сравнение с другими алгоритмами сортировки, такими как </a:t>
+            </a:r>
+            <a:r>
+              <a:rPr sz="3600" b="1" i="0" u="none">
+                <a:solidFill>
+                  <a:srgbClr val="000000"/>
+                </a:solidFill>
+                <a:latin typeface="Times New Roman"/>
+                <a:ea typeface="Times New Roman"/>
+                <a:cs typeface="Times New Roman"/>
+              </a:rPr>
+              <a:t>Quicksort</a:t>
+            </a:r>
+            <a:r>
+              <a:rPr sz="3600" b="0" i="0" u="none">
+                <a:solidFill>
+                  <a:srgbClr val="000000"/>
+                </a:solidFill>
+                <a:latin typeface="Times New Roman"/>
+                <a:ea typeface="Times New Roman"/>
+                <a:cs typeface="Times New Roman"/>
+              </a:rPr>
+              <a:t> и </a:t>
+            </a:r>
+            <a:r>
+              <a:rPr sz="3600" b="1" i="0" u="none">
+                <a:solidFill>
+                  <a:srgbClr val="000000"/>
+                </a:solidFill>
+                <a:latin typeface="Times New Roman"/>
+                <a:ea typeface="Times New Roman"/>
+                <a:cs typeface="Times New Roman"/>
+              </a:rPr>
+              <a:t>Merge Sort</a:t>
+            </a:r>
+            <a:r>
+              <a:rPr sz="3600" b="0" i="0" u="none">
+                <a:solidFill>
+                  <a:srgbClr val="000000"/>
+                </a:solidFill>
+                <a:latin typeface="Times New Roman"/>
+                <a:ea typeface="Times New Roman"/>
+                <a:cs typeface="Times New Roman"/>
+              </a:rPr>
+              <a:t>, показало, что </a:t>
+            </a:r>
+            <a:r>
+              <a:rPr sz="3600" b="1" i="0" u="none">
+                <a:solidFill>
+                  <a:srgbClr val="000000"/>
+                </a:solidFill>
+                <a:latin typeface="Times New Roman"/>
+                <a:ea typeface="Times New Roman"/>
+                <a:cs typeface="Times New Roman"/>
+              </a:rPr>
+              <a:t>Heapsort</a:t>
+            </a:r>
+            <a:r>
+              <a:rPr sz="3600" b="0" i="0" u="none">
+                <a:solidFill>
+                  <a:srgbClr val="000000"/>
+                </a:solidFill>
+                <a:latin typeface="Times New Roman"/>
+                <a:ea typeface="Times New Roman"/>
+                <a:cs typeface="Times New Roman"/>
+              </a:rPr>
+              <a:t> имеет свои уникальные преимущества в плане использования памяти и предсказуемости времени работы.</a:t>
+            </a:r>
+            <a:endParaRPr sz="3600"/>
+          </a:p>
+        </p:txBody>
+      </p:sp>
+      <p:sp>
+        <p:nvSpPr>
+          <p:cNvPr id="73430699" name="Номер слайда 11"/>
+          <p:cNvSpPr>
+            <a:spLocks noGrp="1"/>
+          </p:cNvSpPr>
+          <p:nvPr>
+            <p:ph type="sldNum" sz="quarter" idx="20"/>
+          </p:nvPr>
+        </p:nvSpPr>
+        <p:spPr bwMode="auto"/>
+        <p:txBody>
+          <a:bodyPr/>
+          <a:lstStyle/>
+          <a:p>
+            <a:pPr>
+              <a:defRPr/>
+            </a:pPr>
+            <a:fld id="{85FCA37F-1D9C-F58F-C9D4-E5FA345D7829}" type="slidenum">
+              <a:rPr lang="ru-RU"/>
+              <a:t>8</a:t>
             </a:fld>
             <a:endParaRPr lang="ru-RU"/>
           </a:p>
         </p:txBody>
       </p:sp>
-      <p:sp>
-        <p:nvSpPr>
-          <p:cNvPr id="1328380180" name=""/>
-          <p:cNvSpPr txBox="1"/>
-          <p:nvPr/>
-        </p:nvSpPr>
-        <p:spPr bwMode="auto">
-          <a:xfrm flipH="0" flipV="0">
-            <a:off x="389860" y="1358194"/>
-            <a:ext cx="19802321" cy="4523235"/>
-          </a:xfrm>
-          <a:prstGeom prst="rect">
-            <a:avLst/>
-          </a:prstGeom>
-          <a:noFill/>
-        </p:spPr>
-        <p:txBody>
-          <a:bodyPr vertOverflow="overflow" horzOverflow="overflow" vert="horz" wrap="square" lIns="91440" tIns="45720" rIns="91440" bIns="45720" numCol="1" spcCol="0" rtlCol="0" fromWordArt="0" anchor="t" anchorCtr="0" forceAA="0" upright="0" compatLnSpc="0">
-            <a:spAutoFit/>
-          </a:bodyPr>
-          <a:p>
-            <a:pPr>
-              <a:defRPr/>
-            </a:pPr>
-            <a:r>
-              <a:rPr sz="2800" b="0" i="0" u="none">
-                <a:solidFill>
-                  <a:srgbClr val="000000"/>
-                </a:solidFill>
-                <a:latin typeface="Times New Roman"/>
-                <a:ea typeface="Times New Roman"/>
-                <a:cs typeface="Times New Roman"/>
-              </a:rPr>
-              <a:t>Функция </a:t>
-            </a:r>
-            <a:r>
-              <a:rPr sz="2800" b="0" i="0" u="none">
-                <a:solidFill>
-                  <a:srgbClr val="000000"/>
-                </a:solidFill>
-                <a:latin typeface="Courier New"/>
-                <a:ea typeface="Courier New"/>
-                <a:cs typeface="Courier New"/>
-              </a:rPr>
-              <a:t>heapsort</a:t>
-            </a:r>
-            <a:r>
-              <a:rPr sz="2800" b="0" i="0" u="none">
-                <a:solidFill>
-                  <a:srgbClr val="000000"/>
-                </a:solidFill>
-                <a:latin typeface="Times New Roman"/>
-                <a:ea typeface="Times New Roman"/>
-                <a:cs typeface="Times New Roman"/>
-              </a:rPr>
-              <a:t> сначала строит кучу из массива, а затем сортирует массив путем извлечения максимальных элементов из кучи и перемещения их в конец массива.</a:t>
-            </a:r>
-            <a:endParaRPr sz="2800"/>
-          </a:p>
-          <a:p>
-            <a:pPr>
-              <a:defRPr/>
-            </a:pPr>
-            <a:r>
-              <a:rPr sz="2800" b="1" i="0" u="none">
-                <a:solidFill>
-                  <a:srgbClr val="000000"/>
-                </a:solidFill>
-                <a:latin typeface="Times New Roman"/>
-                <a:ea typeface="Times New Roman"/>
-                <a:cs typeface="Times New Roman"/>
-              </a:rPr>
-              <a:t>Основной процесс:</a:t>
-            </a:r>
-            <a:endParaRPr sz="2800"/>
-          </a:p>
-          <a:p>
-            <a:pPr>
-              <a:defRPr/>
-            </a:pPr>
-            <a:r>
-              <a:rPr sz="2800" b="1" i="0" u="none">
-                <a:solidFill>
-                  <a:srgbClr val="000000"/>
-                </a:solidFill>
-                <a:latin typeface="Times New Roman"/>
-                <a:ea typeface="Times New Roman"/>
-                <a:cs typeface="Times New Roman"/>
-              </a:rPr>
-              <a:t>Построение кучи:</a:t>
-            </a:r>
-            <a:r>
-              <a:rPr sz="2800" b="0" i="0" u="none">
-                <a:solidFill>
-                  <a:srgbClr val="000000"/>
-                </a:solidFill>
-                <a:latin typeface="Times New Roman"/>
-                <a:ea typeface="Times New Roman"/>
-                <a:cs typeface="Times New Roman"/>
-              </a:rPr>
-              <a:t> Начинаем с последнего узла, который имеет дочерние элементы, и вызываем функцию </a:t>
-            </a:r>
-            <a:r>
-              <a:rPr sz="2800" b="0" i="0" u="none">
-                <a:solidFill>
-                  <a:srgbClr val="000000"/>
-                </a:solidFill>
-                <a:latin typeface="Courier New"/>
-                <a:ea typeface="Courier New"/>
-                <a:cs typeface="Courier New"/>
-              </a:rPr>
-              <a:t>heapify</a:t>
-            </a:r>
-            <a:r>
-              <a:rPr sz="2800" b="0" i="0" u="none">
-                <a:solidFill>
-                  <a:srgbClr val="000000"/>
-                </a:solidFill>
-                <a:latin typeface="Times New Roman"/>
-                <a:ea typeface="Times New Roman"/>
-                <a:cs typeface="Times New Roman"/>
-              </a:rPr>
-              <a:t> для всех узлов в поддеревьях, двигаясь от конца массива к началу. Это гарантирует, что после этого весь массив будет преобразован в кучу.</a:t>
-            </a:r>
-            <a:endParaRPr sz="2800"/>
-          </a:p>
-          <a:p>
-            <a:pPr>
-              <a:defRPr/>
-            </a:pPr>
-            <a:r>
-              <a:rPr sz="2800" b="0" i="0" u="none">
-                <a:solidFill>
-                  <a:srgbClr val="000000"/>
-                </a:solidFill>
-                <a:latin typeface="Times New Roman"/>
-                <a:ea typeface="Times New Roman"/>
-                <a:cs typeface="Times New Roman"/>
-              </a:rPr>
-              <a:t>Для этого цикл </a:t>
-            </a:r>
-            <a:r>
-              <a:rPr sz="2800" b="0" i="0" u="none">
-                <a:solidFill>
-                  <a:srgbClr val="000000"/>
-                </a:solidFill>
-                <a:latin typeface="Courier New"/>
-                <a:ea typeface="Courier New"/>
-                <a:cs typeface="Courier New"/>
-              </a:rPr>
-              <a:t>for</a:t>
-            </a:r>
-            <a:r>
-              <a:rPr sz="2800" b="0" i="0" u="none">
-                <a:solidFill>
-                  <a:srgbClr val="000000"/>
-                </a:solidFill>
-                <a:latin typeface="Times New Roman"/>
-                <a:ea typeface="Times New Roman"/>
-                <a:cs typeface="Times New Roman"/>
-              </a:rPr>
-              <a:t> проходит по индексам от </a:t>
-            </a:r>
-            <a:r>
-              <a:rPr sz="2800" b="0" i="0" u="none">
-                <a:solidFill>
-                  <a:srgbClr val="000000"/>
-                </a:solidFill>
-                <a:latin typeface="Courier New"/>
-                <a:ea typeface="Courier New"/>
-                <a:cs typeface="Courier New"/>
-              </a:rPr>
-              <a:t>n//2 - 1</a:t>
-            </a:r>
-            <a:r>
-              <a:rPr sz="2800" b="0" i="0" u="none">
-                <a:solidFill>
-                  <a:srgbClr val="000000"/>
-                </a:solidFill>
-                <a:latin typeface="Times New Roman"/>
-                <a:ea typeface="Times New Roman"/>
-                <a:cs typeface="Times New Roman"/>
-              </a:rPr>
-              <a:t> до </a:t>
-            </a:r>
-            <a:r>
-              <a:rPr sz="2800" b="0" i="0" u="none">
-                <a:solidFill>
-                  <a:srgbClr val="000000"/>
-                </a:solidFill>
-                <a:latin typeface="Courier New"/>
-                <a:ea typeface="Courier New"/>
-                <a:cs typeface="Courier New"/>
-              </a:rPr>
-              <a:t>0</a:t>
-            </a:r>
-            <a:r>
-              <a:rPr sz="2800" b="0" i="0" u="none">
-                <a:solidFill>
-                  <a:srgbClr val="000000"/>
-                </a:solidFill>
-                <a:latin typeface="Times New Roman"/>
-                <a:ea typeface="Times New Roman"/>
-                <a:cs typeface="Times New Roman"/>
-              </a:rPr>
-              <a:t>. В этом диапазоне находятся все внутренние узлы дерева (все узлы, которые имеют хотя бы один дочерний элемент).</a:t>
-            </a:r>
-            <a:endParaRPr sz="2800"/>
-          </a:p>
-          <a:p>
-            <a:pPr>
-              <a:defRPr/>
-            </a:pPr>
-            <a:r>
-              <a:rPr sz="2800" b="1" i="0" u="none">
-                <a:solidFill>
-                  <a:srgbClr val="000000"/>
-                </a:solidFill>
-                <a:latin typeface="Times New Roman"/>
-                <a:ea typeface="Times New Roman"/>
-                <a:cs typeface="Times New Roman"/>
-              </a:rPr>
-              <a:t>Извлечение элементов:</a:t>
-            </a:r>
-            <a:r>
-              <a:rPr sz="2800" b="0" i="0" u="none">
-                <a:solidFill>
-                  <a:srgbClr val="000000"/>
-                </a:solidFill>
-                <a:latin typeface="Times New Roman"/>
-                <a:ea typeface="Times New Roman"/>
-                <a:cs typeface="Times New Roman"/>
-              </a:rPr>
-              <a:t> В цикле </a:t>
-            </a:r>
-            <a:r>
-              <a:rPr sz="2800" b="0" i="0" u="none">
-                <a:solidFill>
-                  <a:srgbClr val="000000"/>
-                </a:solidFill>
-                <a:latin typeface="Courier New"/>
-                <a:ea typeface="Courier New"/>
-                <a:cs typeface="Courier New"/>
-              </a:rPr>
-              <a:t>for</a:t>
-            </a:r>
-            <a:r>
-              <a:rPr sz="2800" b="0" i="0" u="none">
-                <a:solidFill>
-                  <a:srgbClr val="000000"/>
-                </a:solidFill>
-                <a:latin typeface="Times New Roman"/>
-                <a:ea typeface="Times New Roman"/>
-                <a:cs typeface="Times New Roman"/>
-              </a:rPr>
-              <a:t> извлекаются элементы из кучи. Элементы перемещаются в конец массива, а затем вызывается функция </a:t>
-            </a:r>
-            <a:r>
-              <a:rPr sz="2800" b="0" i="0" u="none">
-                <a:solidFill>
-                  <a:srgbClr val="000000"/>
-                </a:solidFill>
-                <a:latin typeface="Courier New"/>
-                <a:ea typeface="Courier New"/>
-                <a:cs typeface="Courier New"/>
-              </a:rPr>
-              <a:t>heapify</a:t>
-            </a:r>
-            <a:r>
-              <a:rPr sz="2800" b="0" i="0" u="none">
-                <a:solidFill>
-                  <a:srgbClr val="000000"/>
-                </a:solidFill>
-                <a:latin typeface="Times New Roman"/>
-                <a:ea typeface="Times New Roman"/>
-                <a:cs typeface="Times New Roman"/>
-              </a:rPr>
-              <a:t> для восстановления кучи в оставшейся части массива.</a:t>
-            </a:r>
-            <a:endParaRPr sz="2800"/>
-          </a:p>
-        </p:txBody>
-      </p:sp>
       <p:pic>
         <p:nvPicPr>
-          <p:cNvPr id="1210115526" name=""/>
+          <p:cNvPr id="1641837499" name="Рисунок 1641837498"/>
           <p:cNvPicPr>
             <a:picLocks noChangeAspect="1"/>
           </p:cNvPicPr>
@@ -13439,9 +14430,9 @@
           <a:stretch/>
         </p:blipFill>
         <p:spPr bwMode="auto">
-          <a:xfrm flipH="0" flipV="0">
-            <a:off x="3018055" y="6967360"/>
-            <a:ext cx="15735415" cy="4533194"/>
+          <a:xfrm>
+            <a:off x="10953749" y="2363610"/>
+            <a:ext cx="12706962" cy="7725832"/>
           </a:xfrm>
           <a:prstGeom prst="rect">
             <a:avLst/>
@@ -13453,20 +14444,12 @@
   <p:clrMapOvr>
     <a:masterClrMapping/>
   </p:clrMapOvr>
-  <mc:AlternateContent xmlns:mc="http://schemas.openxmlformats.org/markup-compatibility/2006">
-    <mc:Choice xmlns:p159="http://schemas.microsoft.com/office/powerpoint/2015/09/main" xmlns:p14="http://schemas.microsoft.com/office/powerpoint/2010/main" Requires="p159">
-      <p:transition p14:dur="2000" advClick="1"/>
-    </mc:Choice>
-    <mc:Fallback>
-      <p:transition advClick="1"/>
-    </mc:Fallback>
-  </mc:AlternateContent>
 </p:sld>
 </file>
 
-<file path=ppt/slides/slide8.xml><?xml version="1.0" encoding="utf-8"?>
-<p:sld xmlns:a="http://schemas.openxmlformats.org/drawingml/2006/main" xmlns:r="http://schemas.openxmlformats.org/officeDocument/2006/relationships" xmlns:p="http://schemas.openxmlformats.org/presentationml/2006/main" xmlns:m="http://schemas.openxmlformats.org/officeDocument/2006/math" xmlns:w="http://schemas.openxmlformats.org/wordprocessingml/2006/main" xmlns:mc="http://schemas.openxmlformats.org/markup-compatibility/2006" showMasterPhAnim="0" showMasterSp="1" show="1">
-  <p:cSld name="">
+<file path=ppt/slides/slide9.xml><?xml version="1.0" encoding="utf-8"?>
+<p:sld xmlns:a="http://schemas.openxmlformats.org/drawingml/2006/main" xmlns:r="http://schemas.openxmlformats.org/officeDocument/2006/relationships" xmlns:p="http://schemas.openxmlformats.org/presentationml/2006/main" showMasterPhAnim="0">
+  <p:cSld>
     <p:spTree>
       <p:nvGrpSpPr>
         <p:cNvPr id="1" name=""/>
@@ -13483,18 +14466,18 @@
       </p:grpSpPr>
       <p:sp>
         <p:nvSpPr>
-          <p:cNvPr id="2" name="Заголовок 1"/>
-          <p:cNvSpPr>
-            <a:spLocks noGrp="1"/>
-          </p:cNvSpPr>
-          <p:nvPr>
-            <p:ph type="ctrTitle"/>
-          </p:nvPr>
-        </p:nvSpPr>
-        <p:spPr bwMode="auto">
-          <a:xfrm>
-            <a:off x="8279159" y="924896"/>
-            <a:ext cx="6960841" cy="918251"/>
+          <p:cNvPr id="8" name="Текст 7"/>
+          <p:cNvSpPr>
+            <a:spLocks noGrp="1"/>
+          </p:cNvSpPr>
+          <p:nvPr>
+            <p:ph type="body" sz="quarter" idx="22"/>
+          </p:nvPr>
+        </p:nvSpPr>
+        <p:spPr bwMode="auto">
+          <a:xfrm>
+            <a:off x="1298516" y="12394465"/>
+            <a:ext cx="8542170" cy="610335"/>
           </a:xfrm>
         </p:spPr>
         <p:txBody>
@@ -13505,21 +14488,37 @@
               <a:defRPr/>
             </a:pPr>
             <a:r>
-              <a:rPr lang="ru-RU" b="1"/>
-              <a:t>Тестирование</a:t>
-            </a:r>
-            <a:endParaRPr/>
-          </a:p>
-        </p:txBody>
-      </p:sp>
-      <p:sp>
-        <p:nvSpPr>
-          <p:cNvPr id="12" name="Номер слайда 11"/>
-          <p:cNvSpPr>
-            <a:spLocks noGrp="1"/>
-          </p:cNvSpPr>
-          <p:nvPr>
-            <p:ph type="sldNum" sz="quarter" idx="20"/>
+              <a:rPr lang="ru-RU">
+                <a:latin typeface="Tahoma"/>
+                <a:ea typeface="Tahoma"/>
+                <a:cs typeface="Tahoma"/>
+              </a:rPr>
+              <a:t>e-mail:</a:t>
+            </a:r>
+            <a:r>
+              <a:rPr lang="en-US">
+                <a:latin typeface="Tahoma"/>
+                <a:ea typeface="Tahoma"/>
+                <a:cs typeface="Tahoma"/>
+              </a:rPr>
+              <a:t>m2302250@edu.misis.ru</a:t>
+            </a:r>
+            <a:endParaRPr lang="ru-RU">
+              <a:latin typeface="Tahoma"/>
+              <a:ea typeface="Tahoma"/>
+              <a:cs typeface="Tahoma"/>
+            </a:endParaRPr>
+          </a:p>
+        </p:txBody>
+      </p:sp>
+      <p:sp>
+        <p:nvSpPr>
+          <p:cNvPr id="7" name="Заголовок 6"/>
+          <p:cNvSpPr>
+            <a:spLocks noGrp="1"/>
+          </p:cNvSpPr>
+          <p:nvPr>
+            <p:ph type="ctrTitle"/>
           </p:nvPr>
         </p:nvSpPr>
         <p:spPr bwMode="auto"/>
@@ -13530,451 +14529,43 @@
             <a:pPr>
               <a:defRPr/>
             </a:pPr>
-            <a:fld id="{66B5E2A4-72D4-4DC4-9470-54C0EE06E412}" type="slidenum">
-              <a:rPr lang="ru-RU"/>
-              <a:t>6</a:t>
-            </a:fld>
-            <a:endParaRPr lang="ru-RU"/>
-          </a:p>
-        </p:txBody>
-      </p:sp>
-      <p:pic>
-        <p:nvPicPr>
-          <p:cNvPr id="260470311" name=""/>
-          <p:cNvPicPr>
-            <a:picLocks noChangeAspect="1"/>
-          </p:cNvPicPr>
-          <p:nvPr/>
-        </p:nvPicPr>
-        <p:blipFill>
-          <a:blip r:embed="rId3"/>
-          <a:stretch/>
-        </p:blipFill>
-        <p:spPr bwMode="auto">
-          <a:xfrm flipH="0" flipV="0">
-            <a:off x="705555" y="3686527"/>
-            <a:ext cx="9509166" cy="9575757"/>
-          </a:xfrm>
-          <a:prstGeom prst="rect">
-            <a:avLst/>
-          </a:prstGeom>
-        </p:spPr>
-      </p:pic>
-      <p:sp>
-        <p:nvSpPr>
-          <p:cNvPr id="1397662771" name=""/>
-          <p:cNvSpPr/>
-          <p:nvPr/>
-        </p:nvSpPr>
-        <p:spPr bwMode="auto">
-          <a:xfrm>
-            <a:off x="10287858" y="1915865"/>
-            <a:ext cx="13473525" cy="1371960"/>
-          </a:xfrm>
-        </p:spPr>
-        <p:txBody>
-          <a:bodyPr rot="0" spcFirstLastPara="0" vertOverflow="overflow" horzOverflow="overflow" vert="horz" wrap="square" lIns="91440" tIns="45720" rIns="91440" bIns="45720" numCol="1" spcCol="0" rtlCol="0" fromWordArt="0" anchor="t" anchorCtr="0" forceAA="0" upright="0" compatLnSpc="1">
-            <a:prstTxWarp prst="textNoShape"/>
-            <a:spAutoFit/>
-          </a:bodyPr>
-          <a:p>
-            <a:pPr>
-              <a:defRPr/>
-            </a:pPr>
-            <a:r>
-              <a:rPr sz="2800" b="0" i="0" u="none">
-                <a:solidFill>
-                  <a:srgbClr val="000000"/>
-                </a:solidFill>
-                <a:latin typeface="Times New Roman"/>
-                <a:ea typeface="Times New Roman"/>
-                <a:cs typeface="Times New Roman"/>
-              </a:rPr>
-              <a:t>Тестирование важно для подтверждения правильности работы алгоритма. Для этого можно использовать различные тесты, чтобы убедиться, что алгоритм корректно работает с разными типами данных.</a:t>
-            </a:r>
-            <a:endParaRPr sz="2800"/>
-          </a:p>
-        </p:txBody>
-      </p:sp>
-      <p:pic>
-        <p:nvPicPr>
-          <p:cNvPr id="463970190" name=""/>
-          <p:cNvPicPr>
-            <a:picLocks noChangeAspect="1"/>
-          </p:cNvPicPr>
-          <p:nvPr/>
-        </p:nvPicPr>
-        <p:blipFill>
-          <a:blip r:embed="rId4"/>
-          <a:stretch/>
-        </p:blipFill>
-        <p:spPr bwMode="auto">
-          <a:xfrm flipH="0" flipV="0">
-            <a:off x="12541249" y="3527777"/>
-            <a:ext cx="9326224" cy="6438194"/>
-          </a:xfrm>
-          <a:prstGeom prst="rect">
-            <a:avLst/>
-          </a:prstGeom>
-        </p:spPr>
-      </p:pic>
-      <p:pic>
-        <p:nvPicPr>
-          <p:cNvPr id="1774439490" name=""/>
-          <p:cNvPicPr>
-            <a:picLocks noChangeAspect="1"/>
-          </p:cNvPicPr>
-          <p:nvPr/>
-        </p:nvPicPr>
-        <p:blipFill>
-          <a:blip r:embed="rId5"/>
-          <a:stretch/>
-        </p:blipFill>
-        <p:spPr bwMode="auto">
-          <a:xfrm>
-            <a:off x="10671527" y="10283472"/>
-            <a:ext cx="11306174" cy="1200150"/>
-          </a:xfrm>
-          <a:prstGeom prst="rect">
-            <a:avLst/>
-          </a:prstGeom>
-        </p:spPr>
-      </p:pic>
-      <p:pic>
-        <p:nvPicPr>
-          <p:cNvPr id="1780783664" name=""/>
-          <p:cNvPicPr>
-            <a:picLocks noChangeAspect="1"/>
-          </p:cNvPicPr>
-          <p:nvPr/>
-        </p:nvPicPr>
-        <p:blipFill>
-          <a:blip r:embed="rId6"/>
-          <a:stretch/>
-        </p:blipFill>
-        <p:spPr bwMode="auto">
-          <a:xfrm flipH="0" flipV="0">
-            <a:off x="236138" y="1955972"/>
-            <a:ext cx="9784555" cy="1331852"/>
-          </a:xfrm>
-          <a:prstGeom prst="rect">
-            <a:avLst/>
-          </a:prstGeom>
-        </p:spPr>
-      </p:pic>
+            <a:r>
+              <a:rPr lang="ru-RU" sz="7200" b="1">
+                <a:latin typeface="Tahoma"/>
+                <a:ea typeface="Tahoma"/>
+                <a:cs typeface="Tahoma"/>
+              </a:rPr>
+              <a:t>Спасибо</a:t>
+            </a:r>
+            <a:br>
+              <a:rPr lang="ru-RU" sz="7200" b="1">
+                <a:latin typeface="Tahoma"/>
+                <a:ea typeface="Tahoma"/>
+                <a:cs typeface="Tahoma"/>
+              </a:rPr>
+            </a:br>
+            <a:r>
+              <a:rPr lang="ru-RU" sz="7200" b="1">
+                <a:latin typeface="Tahoma"/>
+                <a:ea typeface="Tahoma"/>
+                <a:cs typeface="Tahoma"/>
+              </a:rPr>
+              <a:t>за внимание!</a:t>
+            </a:r>
+            <a:endParaRPr/>
+          </a:p>
+        </p:txBody>
+      </p:sp>
     </p:spTree>
   </p:cSld>
   <p:clrMapOvr>
     <a:masterClrMapping/>
   </p:clrMapOvr>
-  <mc:AlternateContent xmlns:mc="http://schemas.openxmlformats.org/markup-compatibility/2006">
-    <mc:Choice xmlns:p159="http://schemas.microsoft.com/office/powerpoint/2015/09/main" xmlns:p14="http://schemas.microsoft.com/office/powerpoint/2010/main" Requires="p159">
-      <p:transition p14:dur="2000" advClick="1"/>
-    </mc:Choice>
-    <mc:Fallback>
-      <p:transition advClick="1"/>
-    </mc:Fallback>
-  </mc:AlternateContent>
-</p:sld>
-</file>
-
-<file path=ppt/slides/slide9.xml><?xml version="1.0" encoding="utf-8"?>
-<p:sld xmlns:a="http://schemas.openxmlformats.org/drawingml/2006/main" xmlns:r="http://schemas.openxmlformats.org/officeDocument/2006/relationships" xmlns:p="http://schemas.openxmlformats.org/presentationml/2006/main" xmlns:m="http://schemas.openxmlformats.org/officeDocument/2006/math" xmlns:w="http://schemas.openxmlformats.org/wordprocessingml/2006/main" xmlns:mc="http://schemas.openxmlformats.org/markup-compatibility/2006" showMasterPhAnim="0" showMasterSp="1" show="1">
-  <p:cSld name="">
-    <p:spTree>
-      <p:nvGrpSpPr>
-        <p:cNvPr id="1" name=""/>
-        <p:cNvGrpSpPr/>
-        <p:nvPr/>
-      </p:nvGrpSpPr>
-      <p:grpSpPr bwMode="auto">
-        <a:xfrm>
-          <a:off x="0" y="0"/>
-          <a:ext cx="0" cy="0"/>
-          <a:chOff x="0" y="0"/>
-          <a:chExt cx="0" cy="0"/>
-        </a:xfrm>
-      </p:grpSpPr>
-      <p:sp>
-        <p:nvSpPr>
-          <p:cNvPr id="163920206" name="Заголовок 1"/>
-          <p:cNvSpPr>
-            <a:spLocks noGrp="1"/>
-          </p:cNvSpPr>
-          <p:nvPr>
-            <p:ph type="ctrTitle"/>
-          </p:nvPr>
-        </p:nvSpPr>
-        <p:spPr bwMode="auto"/>
-        <p:txBody>
-          <a:bodyPr/>
-          <a:lstStyle/>
-          <a:p>
-            <a:pPr>
-              <a:defRPr/>
-            </a:pPr>
-            <a:r>
-              <a:rPr lang="ru-RU" b="1"/>
-              <a:t>Заключение</a:t>
-            </a:r>
-            <a:endParaRPr/>
-          </a:p>
-        </p:txBody>
-      </p:sp>
-      <p:sp>
-        <p:nvSpPr>
-          <p:cNvPr id="1985196026" name="Текст 3"/>
-          <p:cNvSpPr>
-            <a:spLocks noGrp="1"/>
-          </p:cNvSpPr>
-          <p:nvPr>
-            <p:ph type="body" sz="quarter" idx="12"/>
-          </p:nvPr>
-        </p:nvSpPr>
-        <p:spPr bwMode="auto">
-          <a:xfrm>
-            <a:off x="1298514" y="4901742"/>
-            <a:ext cx="10626782" cy="6542998"/>
-          </a:xfrm>
-        </p:spPr>
-        <p:txBody>
-          <a:bodyPr/>
-          <a:lstStyle/>
-          <a:p>
-            <a:pPr>
-              <a:defRPr/>
-            </a:pPr>
-            <a:r>
-              <a:rPr sz="3600" b="1" i="0" u="none">
-                <a:solidFill>
-                  <a:srgbClr val="000000"/>
-                </a:solidFill>
-                <a:latin typeface="Times New Roman"/>
-                <a:ea typeface="Times New Roman"/>
-                <a:cs typeface="Times New Roman"/>
-              </a:rPr>
-              <a:t>Heapsort</a:t>
-            </a:r>
-            <a:r>
-              <a:rPr sz="3600" b="0" i="0" u="none">
-                <a:solidFill>
-                  <a:srgbClr val="000000"/>
-                </a:solidFill>
-                <a:latin typeface="Times New Roman"/>
-                <a:ea typeface="Times New Roman"/>
-                <a:cs typeface="Times New Roman"/>
-              </a:rPr>
-              <a:t> — это эффективный алгоритм сортировки, который использует структуру данных куча.</a:t>
-            </a:r>
-            <a:endParaRPr sz="3600"/>
-          </a:p>
-          <a:p>
-            <a:pPr>
-              <a:defRPr/>
-            </a:pPr>
-            <a:r>
-              <a:rPr sz="3600" b="0" i="0" u="none">
-                <a:solidFill>
-                  <a:srgbClr val="000000"/>
-                </a:solidFill>
-                <a:latin typeface="Times New Roman"/>
-                <a:ea typeface="Times New Roman"/>
-                <a:cs typeface="Times New Roman"/>
-              </a:rPr>
-              <a:t>Он имеет стабильную сложность </a:t>
-            </a:r>
-            <a:r>
-              <a:rPr sz="3600" b="1" i="0" u="none">
-                <a:solidFill>
-                  <a:srgbClr val="000000"/>
-                </a:solidFill>
-                <a:latin typeface="Times New Roman"/>
-                <a:ea typeface="Times New Roman"/>
-                <a:cs typeface="Times New Roman"/>
-              </a:rPr>
-              <a:t>O(n log n)</a:t>
-            </a:r>
-            <a:r>
-              <a:rPr sz="3600" b="0" i="0" u="none">
-                <a:solidFill>
-                  <a:srgbClr val="000000"/>
-                </a:solidFill>
-                <a:latin typeface="Times New Roman"/>
-                <a:ea typeface="Times New Roman"/>
-                <a:cs typeface="Times New Roman"/>
-              </a:rPr>
-              <a:t> и не требует дополнительной памяти (кроме массива).</a:t>
-            </a:r>
-            <a:endParaRPr sz="3600"/>
-          </a:p>
-          <a:p>
-            <a:pPr>
-              <a:defRPr/>
-            </a:pPr>
-            <a:r>
-              <a:rPr sz="3600" b="0" i="0" u="none">
-                <a:solidFill>
-                  <a:srgbClr val="000000"/>
-                </a:solidFill>
-                <a:latin typeface="Times New Roman"/>
-                <a:ea typeface="Times New Roman"/>
-                <a:cs typeface="Times New Roman"/>
-              </a:rPr>
-              <a:t>Он может быть полезен в ситуациях, когда важна стабильная производительность даже в худшем случае.</a:t>
-            </a:r>
-            <a:endParaRPr sz="3600"/>
-          </a:p>
-          <a:p>
-            <a:pPr>
-              <a:defRPr/>
-            </a:pPr>
-            <a:r>
-              <a:rPr sz="3600" b="0" i="0" u="none">
-                <a:solidFill>
-                  <a:srgbClr val="000000"/>
-                </a:solidFill>
-                <a:latin typeface="Times New Roman"/>
-                <a:ea typeface="Times New Roman"/>
-                <a:cs typeface="Times New Roman"/>
-              </a:rPr>
-              <a:t>Сравнение с другими алгоритмами сортировки, такими как </a:t>
-            </a:r>
-            <a:r>
-              <a:rPr sz="3600" b="1" i="0" u="none">
-                <a:solidFill>
-                  <a:srgbClr val="000000"/>
-                </a:solidFill>
-                <a:latin typeface="Times New Roman"/>
-                <a:ea typeface="Times New Roman"/>
-                <a:cs typeface="Times New Roman"/>
-              </a:rPr>
-              <a:t>Quicksort</a:t>
-            </a:r>
-            <a:r>
-              <a:rPr sz="3600" b="0" i="0" u="none">
-                <a:solidFill>
-                  <a:srgbClr val="000000"/>
-                </a:solidFill>
-                <a:latin typeface="Times New Roman"/>
-                <a:ea typeface="Times New Roman"/>
-                <a:cs typeface="Times New Roman"/>
-              </a:rPr>
-              <a:t> и </a:t>
-            </a:r>
-            <a:r>
-              <a:rPr sz="3600" b="1" i="0" u="none">
-                <a:solidFill>
-                  <a:srgbClr val="000000"/>
-                </a:solidFill>
-                <a:latin typeface="Times New Roman"/>
-                <a:ea typeface="Times New Roman"/>
-                <a:cs typeface="Times New Roman"/>
-              </a:rPr>
-              <a:t>Merge Sort</a:t>
-            </a:r>
-            <a:r>
-              <a:rPr sz="3600" b="0" i="0" u="none">
-                <a:solidFill>
-                  <a:srgbClr val="000000"/>
-                </a:solidFill>
-                <a:latin typeface="Times New Roman"/>
-                <a:ea typeface="Times New Roman"/>
-                <a:cs typeface="Times New Roman"/>
-              </a:rPr>
-              <a:t>, показало, что </a:t>
-            </a:r>
-            <a:r>
-              <a:rPr sz="3600" b="1" i="0" u="none">
-                <a:solidFill>
-                  <a:srgbClr val="000000"/>
-                </a:solidFill>
-                <a:latin typeface="Times New Roman"/>
-                <a:ea typeface="Times New Roman"/>
-                <a:cs typeface="Times New Roman"/>
-              </a:rPr>
-              <a:t>Heapsort</a:t>
-            </a:r>
-            <a:r>
-              <a:rPr sz="3600" b="0" i="0" u="none">
-                <a:solidFill>
-                  <a:srgbClr val="000000"/>
-                </a:solidFill>
-                <a:latin typeface="Times New Roman"/>
-                <a:ea typeface="Times New Roman"/>
-                <a:cs typeface="Times New Roman"/>
-              </a:rPr>
-              <a:t> имеет свои уникальные преимущества в плане использования памяти и предсказуемости времени работы.</a:t>
-            </a:r>
-            <a:endParaRPr sz="3600"/>
-          </a:p>
-        </p:txBody>
-      </p:sp>
-      <p:sp>
-        <p:nvSpPr>
-          <p:cNvPr id="73430699" name="Номер слайда 11"/>
-          <p:cNvSpPr>
-            <a:spLocks noGrp="1"/>
-          </p:cNvSpPr>
-          <p:nvPr>
-            <p:ph type="sldNum" sz="quarter" idx="20"/>
-          </p:nvPr>
-        </p:nvSpPr>
-        <p:spPr bwMode="auto"/>
-        <p:txBody>
-          <a:bodyPr/>
-          <a:lstStyle/>
-          <a:p>
-            <a:pPr>
-              <a:defRPr/>
-            </a:pPr>
-            <a:fld id="{85FCA37F-1D9C-F58F-C9D4-E5FA345D7829}" type="slidenum">
-              <a:rPr lang="ru-RU"/>
-              <a:t/>
-            </a:fld>
-            <a:endParaRPr lang="ru-RU"/>
-          </a:p>
-        </p:txBody>
-      </p:sp>
-      <p:pic>
-        <p:nvPicPr>
-          <p:cNvPr id="1641837499" name=""/>
-          <p:cNvPicPr>
-            <a:picLocks noChangeAspect="1"/>
-          </p:cNvPicPr>
-          <p:nvPr/>
-        </p:nvPicPr>
-        <p:blipFill>
-          <a:blip r:embed="rId3"/>
-          <a:stretch/>
-        </p:blipFill>
-        <p:spPr bwMode="auto">
-          <a:xfrm flipH="0" flipV="0">
-            <a:off x="10953749" y="2363610"/>
-            <a:ext cx="12706962" cy="7725832"/>
-          </a:xfrm>
-          <a:prstGeom prst="rect">
-            <a:avLst/>
-          </a:prstGeom>
-        </p:spPr>
-      </p:pic>
-    </p:spTree>
-  </p:cSld>
-  <p:clrMapOvr>
-    <a:masterClrMapping/>
-  </p:clrMapOvr>
-  <mc:AlternateContent xmlns:mc="http://schemas.openxmlformats.org/markup-compatibility/2006">
-    <mc:Choice xmlns:p159="http://schemas.microsoft.com/office/powerpoint/2015/09/main" xmlns:p14="http://schemas.microsoft.com/office/powerpoint/2010/main" Requires="p159">
-      <p:transition p14:dur="2000" advClick="1"/>
-    </mc:Choice>
-    <mc:Fallback>
-      <p:transition advClick="1"/>
-    </mc:Fallback>
-  </mc:AlternateContent>
 </p:sld>
 </file>
 
 <file path=ppt/theme/theme1.xml><?xml version="1.0" encoding="utf-8"?>
-<a:theme xmlns:a="http://schemas.openxmlformats.org/drawingml/2006/main" xmlns:r="http://schemas.openxmlformats.org/officeDocument/2006/relationships" xmlns:p="http://schemas.openxmlformats.org/presentationml/2006/main" name="Misis">
+<a:theme xmlns:a="http://schemas.openxmlformats.org/drawingml/2006/main" name="Misis">
   <a:themeElements>
     <a:clrScheme name="MISIS">
       <a:dk1>
@@ -14177,11 +14768,12 @@
     </a:fmtScheme>
   </a:themeElements>
   <a:objectDefaults/>
+  <a:extraClrSchemeLst/>
 </a:theme>
 </file>
 
 <file path=ppt/theme/theme2.xml><?xml version="1.0" encoding="utf-8"?>
-<a:theme xmlns:a="http://schemas.openxmlformats.org/drawingml/2006/main" xmlns:r="http://schemas.openxmlformats.org/officeDocument/2006/relationships" xmlns:p="http://schemas.openxmlformats.org/presentationml/2006/main" name="Тема Office">
+<a:theme xmlns:a="http://schemas.openxmlformats.org/drawingml/2006/main" name="Тема Office">
   <a:themeElements>
     <a:clrScheme name="Стандартная">
       <a:dk1>
@@ -14384,5 +14976,6 @@
     </a:fmtScheme>
   </a:themeElements>
   <a:objectDefaults/>
+  <a:extraClrSchemeLst/>
 </a:theme>
 </file>